--- a/Presentation.pptx
+++ b/Presentation.pptx
@@ -5,25 +5,24 @@
     <p:sldMasterId id="2147483705" r:id="rId4"/>
   </p:sldMasterIdLst>
   <p:notesMasterIdLst>
-    <p:notesMasterId r:id="rId18"/>
+    <p:notesMasterId r:id="rId17"/>
   </p:notesMasterIdLst>
   <p:handoutMasterIdLst>
-    <p:handoutMasterId r:id="rId19"/>
+    <p:handoutMasterId r:id="rId18"/>
   </p:handoutMasterIdLst>
   <p:sldIdLst>
     <p:sldId id="1866" r:id="rId5"/>
     <p:sldId id="1889" r:id="rId6"/>
-    <p:sldId id="1867" r:id="rId7"/>
-    <p:sldId id="1869" r:id="rId8"/>
-    <p:sldId id="1871" r:id="rId9"/>
-    <p:sldId id="1890" r:id="rId10"/>
-    <p:sldId id="1891" r:id="rId11"/>
-    <p:sldId id="1872" r:id="rId12"/>
-    <p:sldId id="1868" r:id="rId13"/>
-    <p:sldId id="1870" r:id="rId14"/>
-    <p:sldId id="1874" r:id="rId15"/>
-    <p:sldId id="1875" r:id="rId16"/>
-    <p:sldId id="1876" r:id="rId17"/>
+    <p:sldId id="1871" r:id="rId7"/>
+    <p:sldId id="1890" r:id="rId8"/>
+    <p:sldId id="1891" r:id="rId9"/>
+    <p:sldId id="1872" r:id="rId10"/>
+    <p:sldId id="1868" r:id="rId11"/>
+    <p:sldId id="1892" r:id="rId12"/>
+    <p:sldId id="1870" r:id="rId13"/>
+    <p:sldId id="1874" r:id="rId14"/>
+    <p:sldId id="1875" r:id="rId15"/>
+    <p:sldId id="1876" r:id="rId16"/>
   </p:sldIdLst>
   <p:sldSz cx="12192000" cy="6858000"/>
   <p:notesSz cx="6858000" cy="9144000"/>
@@ -159,13 +158,12 @@
           <p14:sldIdLst>
             <p14:sldId id="1866"/>
             <p14:sldId id="1889"/>
-            <p14:sldId id="1867"/>
-            <p14:sldId id="1869"/>
             <p14:sldId id="1871"/>
             <p14:sldId id="1890"/>
             <p14:sldId id="1891"/>
             <p14:sldId id="1872"/>
             <p14:sldId id="1868"/>
+            <p14:sldId id="1892"/>
             <p14:sldId id="1870"/>
             <p14:sldId id="1874"/>
             <p14:sldId id="1875"/>
@@ -299,7 +297,7 @@
           <a:p>
             <a:fld id="{148EE06D-E2C5-4DF1-B3C1-8E9169AAB10D}" type="datetimeFigureOut">
               <a:rPr lang="en-US" smtClean="0"/>
-              <a:t>4/25/2024</a:t>
+              <a:t>4/26/2024</a:t>
             </a:fld>
             <a:endParaRPr lang="en-US" dirty="0"/>
           </a:p>
@@ -1151,65 +1149,10 @@
           <a:chExt cx="0" cy="0"/>
         </a:xfrm>
       </p:grpSpPr>
-      <p:sp>
-        <p:nvSpPr>
-          <p:cNvPr id="2" name="Slide Image Placeholder 1"/>
-          <p:cNvSpPr>
-            <a:spLocks noGrp="1" noRot="1" noChangeAspect="1"/>
-          </p:cNvSpPr>
-          <p:nvPr>
-            <p:ph type="sldImg"/>
-          </p:nvPr>
-        </p:nvSpPr>
-        <p:spPr/>
-      </p:sp>
-      <p:sp>
-        <p:nvSpPr>
-          <p:cNvPr id="3" name="Notes Placeholder 2"/>
-          <p:cNvSpPr>
-            <a:spLocks noGrp="1"/>
-          </p:cNvSpPr>
-          <p:nvPr>
-            <p:ph type="body" idx="1"/>
-          </p:nvPr>
-        </p:nvSpPr>
-        <p:spPr/>
-        <p:txBody>
-          <a:bodyPr/>
-          <a:lstStyle/>
-          <a:p>
-            <a:endParaRPr lang="en-US" dirty="0"/>
-          </a:p>
-        </p:txBody>
-      </p:sp>
-      <p:sp>
-        <p:nvSpPr>
-          <p:cNvPr id="4" name="Slide Number Placeholder 3"/>
-          <p:cNvSpPr>
-            <a:spLocks noGrp="1"/>
-          </p:cNvSpPr>
-          <p:nvPr>
-            <p:ph type="sldNum" sz="quarter" idx="5"/>
-          </p:nvPr>
-        </p:nvSpPr>
-        <p:spPr/>
-        <p:txBody>
-          <a:bodyPr/>
-          <a:lstStyle/>
-          <a:p>
-            <a:fld id="{6DEB7EE2-04A2-4FB2-9625-C9C73AC4D32F}" type="slidenum">
-              <a:rPr lang="en-US" altLang="en-US" smtClean="0"/>
-              <a:pPr/>
-              <a:t>4</a:t>
-            </a:fld>
-            <a:endParaRPr lang="en-US" altLang="en-US" dirty="0"/>
-          </a:p>
-        </p:txBody>
-      </p:sp>
     </p:spTree>
     <p:extLst>
       <p:ext uri="{BB962C8B-B14F-4D97-AF65-F5344CB8AC3E}">
-        <p14:creationId xmlns:p14="http://schemas.microsoft.com/office/powerpoint/2010/main" val="1383417986"/>
+        <p14:creationId xmlns:p14="http://schemas.microsoft.com/office/powerpoint/2010/main" val="2719101752"/>
       </p:ext>
     </p:extLst>
   </p:cSld>
@@ -1239,7 +1182,7 @@
     </p:spTree>
     <p:extLst>
       <p:ext uri="{BB962C8B-B14F-4D97-AF65-F5344CB8AC3E}">
-        <p14:creationId xmlns:p14="http://schemas.microsoft.com/office/powerpoint/2010/main" val="2719101752"/>
+        <p14:creationId xmlns:p14="http://schemas.microsoft.com/office/powerpoint/2010/main" val="2202017195"/>
       </p:ext>
     </p:extLst>
   </p:cSld>
@@ -1269,7 +1212,7 @@
     </p:spTree>
     <p:extLst>
       <p:ext uri="{BB962C8B-B14F-4D97-AF65-F5344CB8AC3E}">
-        <p14:creationId xmlns:p14="http://schemas.microsoft.com/office/powerpoint/2010/main" val="2202017195"/>
+        <p14:creationId xmlns:p14="http://schemas.microsoft.com/office/powerpoint/2010/main" val="2519791127"/>
       </p:ext>
     </p:extLst>
   </p:cSld>
@@ -1297,11 +1240,6 @@
         </a:xfrm>
       </p:grpSpPr>
     </p:spTree>
-    <p:extLst>
-      <p:ext uri="{BB962C8B-B14F-4D97-AF65-F5344CB8AC3E}">
-        <p14:creationId xmlns:p14="http://schemas.microsoft.com/office/powerpoint/2010/main" val="2519791127"/>
-      </p:ext>
-    </p:extLst>
   </p:cSld>
   <p:clrMapOvr>
     <a:masterClrMapping/>
@@ -1326,7 +1264,67 @@
           <a:chExt cx="0" cy="0"/>
         </a:xfrm>
       </p:grpSpPr>
+      <p:sp>
+        <p:nvSpPr>
+          <p:cNvPr id="2" name="Slide Image Placeholder 1"/>
+          <p:cNvSpPr>
+            <a:spLocks noGrp="1" noRot="1" noChangeAspect="1"/>
+          </p:cNvSpPr>
+          <p:nvPr>
+            <p:ph type="sldImg"/>
+          </p:nvPr>
+        </p:nvSpPr>
+        <p:spPr/>
+      </p:sp>
+      <p:sp>
+        <p:nvSpPr>
+          <p:cNvPr id="3" name="Notes Placeholder 2"/>
+          <p:cNvSpPr>
+            <a:spLocks noGrp="1"/>
+          </p:cNvSpPr>
+          <p:nvPr>
+            <p:ph type="body" idx="1"/>
+          </p:nvPr>
+        </p:nvSpPr>
+        <p:spPr/>
+        <p:txBody>
+          <a:bodyPr/>
+          <a:lstStyle/>
+          <a:p>
+            <a:endParaRPr lang="en-US" dirty="0"/>
+          </a:p>
+        </p:txBody>
+      </p:sp>
+      <p:sp>
+        <p:nvSpPr>
+          <p:cNvPr id="4" name="Slide Number Placeholder 3"/>
+          <p:cNvSpPr>
+            <a:spLocks noGrp="1"/>
+          </p:cNvSpPr>
+          <p:nvPr>
+            <p:ph type="sldNum" sz="quarter" idx="5"/>
+          </p:nvPr>
+        </p:nvSpPr>
+        <p:spPr/>
+        <p:txBody>
+          <a:bodyPr/>
+          <a:lstStyle/>
+          <a:p>
+            <a:fld id="{6DEB7EE2-04A2-4FB2-9625-C9C73AC4D32F}" type="slidenum">
+              <a:rPr lang="en-US" altLang="en-US" smtClean="0"/>
+              <a:pPr/>
+              <a:t>7</a:t>
+            </a:fld>
+            <a:endParaRPr lang="en-US" altLang="en-US" dirty="0"/>
+          </a:p>
+        </p:txBody>
+      </p:sp>
     </p:spTree>
+    <p:extLst>
+      <p:ext uri="{BB962C8B-B14F-4D97-AF65-F5344CB8AC3E}">
+        <p14:creationId xmlns:p14="http://schemas.microsoft.com/office/powerpoint/2010/main" val="1632278876"/>
+      </p:ext>
+    </p:extLst>
   </p:cSld>
   <p:clrMapOvr>
     <a:masterClrMapping/>
@@ -1400,7 +1398,7 @@
             <a:fld id="{6DEB7EE2-04A2-4FB2-9625-C9C73AC4D32F}" type="slidenum">
               <a:rPr lang="en-US" altLang="en-US" smtClean="0"/>
               <a:pPr/>
-              <a:t>9</a:t>
+              <a:t>8</a:t>
             </a:fld>
             <a:endParaRPr lang="en-US" altLang="en-US" dirty="0"/>
           </a:p>
@@ -1409,7 +1407,7 @@
     </p:spTree>
     <p:extLst>
       <p:ext uri="{BB962C8B-B14F-4D97-AF65-F5344CB8AC3E}">
-        <p14:creationId xmlns:p14="http://schemas.microsoft.com/office/powerpoint/2010/main" val="1632278876"/>
+        <p14:creationId xmlns:p14="http://schemas.microsoft.com/office/powerpoint/2010/main" val="2295455843"/>
       </p:ext>
     </p:extLst>
   </p:cSld>
@@ -1485,7 +1483,7 @@
             <a:fld id="{6DEB7EE2-04A2-4FB2-9625-C9C73AC4D32F}" type="slidenum">
               <a:rPr lang="en-US" altLang="en-US" smtClean="0"/>
               <a:pPr/>
-              <a:t>12</a:t>
+              <a:t>11</a:t>
             </a:fld>
             <a:endParaRPr lang="en-US" altLang="en-US" dirty="0"/>
           </a:p>
@@ -2112,7 +2110,7 @@
           <a:p>
             <a:fld id="{50A1B9BC-7BE7-4893-90FD-CC95830FD8F2}" type="datetimeFigureOut">
               <a:rPr lang="en-US" smtClean="0"/>
-              <a:t>4/25/2024</a:t>
+              <a:t>4/26/2024</a:t>
             </a:fld>
             <a:endParaRPr lang="en-US" dirty="0"/>
           </a:p>
@@ -4205,7 +4203,7 @@
             <a:fld id="{1D364696-E1F3-49EF-AEC8-730A16D9A23F}" type="datetimeFigureOut">
               <a:rPr lang="en-US" altLang="en-US" smtClean="0"/>
               <a:pPr/>
-              <a:t>4/25/2024</a:t>
+              <a:t>4/26/2024</a:t>
             </a:fld>
             <a:endParaRPr lang="en-US" altLang="en-US" dirty="0"/>
           </a:p>
@@ -4905,389 +4903,6 @@
 <file path=ppt/slides/slide10.xml><?xml version="1.0" encoding="utf-8"?>
 <p:sld xmlns:a="http://schemas.openxmlformats.org/drawingml/2006/main" xmlns:r="http://schemas.openxmlformats.org/officeDocument/2006/relationships" xmlns:p="http://schemas.openxmlformats.org/presentationml/2006/main">
   <p:cSld>
-    <p:spTree>
-      <p:nvGrpSpPr>
-        <p:cNvPr id="1" name=""/>
-        <p:cNvGrpSpPr/>
-        <p:nvPr/>
-      </p:nvGrpSpPr>
-      <p:grpSpPr>
-        <a:xfrm>
-          <a:off x="0" y="0"/>
-          <a:ext cx="0" cy="0"/>
-          <a:chOff x="0" y="0"/>
-          <a:chExt cx="0" cy="0"/>
-        </a:xfrm>
-      </p:grpSpPr>
-      <p:sp>
-        <p:nvSpPr>
-          <p:cNvPr id="5" name="Title 4">
-            <a:extLst>
-              <a:ext uri="{FF2B5EF4-FFF2-40B4-BE49-F238E27FC236}">
-                <a16:creationId xmlns:a16="http://schemas.microsoft.com/office/drawing/2014/main" id="{CF037412-7BC5-4AAA-8ED5-FC377A84CB0C}"/>
-              </a:ext>
-            </a:extLst>
-          </p:cNvPr>
-          <p:cNvSpPr>
-            <a:spLocks noGrp="1"/>
-          </p:cNvSpPr>
-          <p:nvPr>
-            <p:ph type="title"/>
-          </p:nvPr>
-        </p:nvSpPr>
-        <p:spPr/>
-        <p:txBody>
-          <a:bodyPr/>
-          <a:lstStyle/>
-          <a:p>
-            <a:r>
-              <a:rPr lang="en-US" dirty="0"/>
-              <a:t>Essential Swing </a:t>
-            </a:r>
-            <a:r>
-              <a:rPr lang="en-GB" dirty="0"/>
-              <a:t>Components </a:t>
-            </a:r>
-            <a:endParaRPr lang="en-US" dirty="0"/>
-          </a:p>
-        </p:txBody>
-      </p:sp>
-      <p:sp>
-        <p:nvSpPr>
-          <p:cNvPr id="3" name="Text Placeholder 2">
-            <a:extLst>
-              <a:ext uri="{FF2B5EF4-FFF2-40B4-BE49-F238E27FC236}">
-                <a16:creationId xmlns:a16="http://schemas.microsoft.com/office/drawing/2014/main" id="{EF99585A-5E1F-40FA-8E64-BB4F04611657}"/>
-              </a:ext>
-            </a:extLst>
-          </p:cNvPr>
-          <p:cNvSpPr>
-            <a:spLocks noGrp="1"/>
-          </p:cNvSpPr>
-          <p:nvPr>
-            <p:ph type="body" sz="quarter" idx="11"/>
-          </p:nvPr>
-        </p:nvSpPr>
-        <p:spPr>
-          <a:xfrm>
-            <a:off x="4457700" y="1904999"/>
-            <a:ext cx="7219043" cy="4588933"/>
-          </a:xfrm>
-        </p:spPr>
-        <p:txBody>
-          <a:bodyPr vert="horz" lIns="91440" tIns="45720" rIns="91440" bIns="45720" rtlCol="0" anchor="t">
-            <a:normAutofit/>
-          </a:bodyPr>
-          <a:lstStyle/>
-          <a:p>
-            <a:pPr marL="285750" indent="-285750">
-              <a:buFont typeface="Arial" panose="020B0604020202020204" pitchFamily="34" charset="0"/>
-              <a:buChar char="•"/>
-            </a:pPr>
-            <a:r>
-              <a:rPr lang="en-GB" dirty="0" err="1">
-                <a:latin typeface="Calibri Light" panose="020F0302020204030204" pitchFamily="34" charset="0"/>
-                <a:ea typeface="Calibri Light" panose="020F0302020204030204" pitchFamily="34" charset="0"/>
-                <a:cs typeface="Calibri Light" panose="020F0302020204030204" pitchFamily="34" charset="0"/>
-              </a:rPr>
-              <a:t>JFrame</a:t>
-            </a:r>
-            <a:r>
-              <a:rPr lang="en-GB" dirty="0">
-                <a:latin typeface="Calibri Light" panose="020F0302020204030204" pitchFamily="34" charset="0"/>
-                <a:ea typeface="Calibri Light" panose="020F0302020204030204" pitchFamily="34" charset="0"/>
-                <a:cs typeface="Calibri Light" panose="020F0302020204030204" pitchFamily="34" charset="0"/>
-              </a:rPr>
-              <a:t>: </a:t>
-            </a:r>
-            <a:r>
-              <a:rPr lang="en-GB" dirty="0" err="1">
-                <a:latin typeface="Calibri Light" panose="020F0302020204030204" pitchFamily="34" charset="0"/>
-                <a:ea typeface="Calibri Light" panose="020F0302020204030204" pitchFamily="34" charset="0"/>
-                <a:cs typeface="Calibri Light" panose="020F0302020204030204" pitchFamily="34" charset="0"/>
-              </a:rPr>
-              <a:t>JFrame</a:t>
-            </a:r>
-            <a:r>
-              <a:rPr lang="en-GB" dirty="0">
-                <a:latin typeface="Calibri Light" panose="020F0302020204030204" pitchFamily="34" charset="0"/>
-                <a:ea typeface="Calibri Light" panose="020F0302020204030204" pitchFamily="34" charset="0"/>
-                <a:cs typeface="Calibri Light" panose="020F0302020204030204" pitchFamily="34" charset="0"/>
-              </a:rPr>
-              <a:t> represents a window on the screen and holds all the other GUI components.</a:t>
-            </a:r>
-          </a:p>
-          <a:p>
-            <a:pPr marL="285750" indent="-285750">
-              <a:buFont typeface="Arial" panose="020B0604020202020204" pitchFamily="34" charset="0"/>
-              <a:buChar char="•"/>
-            </a:pPr>
-            <a:r>
-              <a:rPr lang="en-GB" dirty="0" err="1">
-                <a:latin typeface="Calibri Light" panose="020F0302020204030204" pitchFamily="34" charset="0"/>
-                <a:ea typeface="Calibri Light" panose="020F0302020204030204" pitchFamily="34" charset="0"/>
-                <a:cs typeface="Calibri Light" panose="020F0302020204030204" pitchFamily="34" charset="0"/>
-              </a:rPr>
-              <a:t>JLabel</a:t>
-            </a:r>
-            <a:r>
-              <a:rPr lang="en-GB" dirty="0">
-                <a:latin typeface="Calibri Light" panose="020F0302020204030204" pitchFamily="34" charset="0"/>
-                <a:ea typeface="Calibri Light" panose="020F0302020204030204" pitchFamily="34" charset="0"/>
-                <a:cs typeface="Calibri Light" panose="020F0302020204030204" pitchFamily="34" charset="0"/>
-              </a:rPr>
-              <a:t>:  </a:t>
-            </a:r>
-            <a:r>
-              <a:rPr lang="en-GB" dirty="0" err="1">
-                <a:latin typeface="Calibri Light" panose="020F0302020204030204" pitchFamily="34" charset="0"/>
-                <a:ea typeface="Calibri Light" panose="020F0302020204030204" pitchFamily="34" charset="0"/>
-                <a:cs typeface="Calibri Light" panose="020F0302020204030204" pitchFamily="34" charset="0"/>
-              </a:rPr>
-              <a:t>JLabel</a:t>
-            </a:r>
-            <a:r>
-              <a:rPr lang="en-GB" dirty="0">
-                <a:latin typeface="Calibri Light" panose="020F0302020204030204" pitchFamily="34" charset="0"/>
-                <a:ea typeface="Calibri Light" panose="020F0302020204030204" pitchFamily="34" charset="0"/>
-                <a:cs typeface="Calibri Light" panose="020F0302020204030204" pitchFamily="34" charset="0"/>
-              </a:rPr>
-              <a:t> displays a text or image on the screen.</a:t>
-            </a:r>
-          </a:p>
-          <a:p>
-            <a:pPr marL="285750" indent="-285750">
-              <a:buFont typeface="Arial" panose="020B0604020202020204" pitchFamily="34" charset="0"/>
-              <a:buChar char="•"/>
-            </a:pPr>
-            <a:r>
-              <a:rPr lang="en-GB" dirty="0" err="1">
-                <a:latin typeface="Calibri Light" panose="020F0302020204030204" pitchFamily="34" charset="0"/>
-                <a:ea typeface="Calibri Light" panose="020F0302020204030204" pitchFamily="34" charset="0"/>
-                <a:cs typeface="Calibri Light" panose="020F0302020204030204" pitchFamily="34" charset="0"/>
-              </a:rPr>
-              <a:t>JButton</a:t>
-            </a:r>
-            <a:r>
-              <a:rPr lang="en-GB" dirty="0">
-                <a:latin typeface="Calibri Light" panose="020F0302020204030204" pitchFamily="34" charset="0"/>
-                <a:ea typeface="Calibri Light" panose="020F0302020204030204" pitchFamily="34" charset="0"/>
-                <a:cs typeface="Calibri Light" panose="020F0302020204030204" pitchFamily="34" charset="0"/>
-              </a:rPr>
-              <a:t>: </a:t>
-            </a:r>
-            <a:r>
-              <a:rPr lang="en-GB" dirty="0" err="1">
-                <a:latin typeface="Calibri Light" panose="020F0302020204030204" pitchFamily="34" charset="0"/>
-                <a:ea typeface="Calibri Light" panose="020F0302020204030204" pitchFamily="34" charset="0"/>
-                <a:cs typeface="Calibri Light" panose="020F0302020204030204" pitchFamily="34" charset="0"/>
-              </a:rPr>
-              <a:t>Jbutton</a:t>
-            </a:r>
-            <a:r>
-              <a:rPr lang="en-GB" dirty="0">
-                <a:latin typeface="Calibri Light" panose="020F0302020204030204" pitchFamily="34" charset="0"/>
-                <a:ea typeface="Calibri Light" panose="020F0302020204030204" pitchFamily="34" charset="0"/>
-                <a:cs typeface="Calibri Light" panose="020F0302020204030204" pitchFamily="34" charset="0"/>
-              </a:rPr>
-              <a:t> is a  clickable button that triggers an action when pressed. </a:t>
-            </a:r>
-          </a:p>
-          <a:p>
-            <a:pPr marL="285750" indent="-285750">
-              <a:buFont typeface="Arial" panose="020B0604020202020204" pitchFamily="34" charset="0"/>
-              <a:buChar char="•"/>
-            </a:pPr>
-            <a:r>
-              <a:rPr lang="en-GB" dirty="0" err="1">
-                <a:latin typeface="Calibri Light" panose="020F0302020204030204" pitchFamily="34" charset="0"/>
-                <a:ea typeface="Calibri Light" panose="020F0302020204030204" pitchFamily="34" charset="0"/>
-                <a:cs typeface="Calibri Light" panose="020F0302020204030204" pitchFamily="34" charset="0"/>
-              </a:rPr>
-              <a:t>JMenuBar</a:t>
-            </a:r>
-            <a:r>
-              <a:rPr lang="en-GB" dirty="0">
-                <a:latin typeface="Calibri Light" panose="020F0302020204030204" pitchFamily="34" charset="0"/>
-                <a:ea typeface="Calibri Light" panose="020F0302020204030204" pitchFamily="34" charset="0"/>
-                <a:cs typeface="Calibri Light" panose="020F0302020204030204" pitchFamily="34" charset="0"/>
-              </a:rPr>
-              <a:t>: </a:t>
-            </a:r>
-            <a:r>
-              <a:rPr lang="en-GB" dirty="0" err="1">
-                <a:latin typeface="Calibri Light" panose="020F0302020204030204" pitchFamily="34" charset="0"/>
-                <a:ea typeface="Calibri Light" panose="020F0302020204030204" pitchFamily="34" charset="0"/>
-                <a:cs typeface="Calibri Light" panose="020F0302020204030204" pitchFamily="34" charset="0"/>
-              </a:rPr>
-              <a:t>JMenuBar</a:t>
-            </a:r>
-            <a:r>
-              <a:rPr lang="en-GB" dirty="0">
-                <a:latin typeface="Calibri Light" panose="020F0302020204030204" pitchFamily="34" charset="0"/>
-                <a:ea typeface="Calibri Light" panose="020F0302020204030204" pitchFamily="34" charset="0"/>
-                <a:cs typeface="Calibri Light" panose="020F0302020204030204" pitchFamily="34" charset="0"/>
-              </a:rPr>
-              <a:t> is a horizontal bar that holds multiple </a:t>
-            </a:r>
-            <a:r>
-              <a:rPr lang="en-GB" dirty="0" err="1">
-                <a:latin typeface="Calibri Light" panose="020F0302020204030204" pitchFamily="34" charset="0"/>
-                <a:ea typeface="Calibri Light" panose="020F0302020204030204" pitchFamily="34" charset="0"/>
-                <a:cs typeface="Calibri Light" panose="020F0302020204030204" pitchFamily="34" charset="0"/>
-              </a:rPr>
-              <a:t>JMenu</a:t>
-            </a:r>
-            <a:r>
-              <a:rPr lang="en-GB" dirty="0">
-                <a:latin typeface="Calibri Light" panose="020F0302020204030204" pitchFamily="34" charset="0"/>
-                <a:ea typeface="Calibri Light" panose="020F0302020204030204" pitchFamily="34" charset="0"/>
-                <a:cs typeface="Calibri Light" panose="020F0302020204030204" pitchFamily="34" charset="0"/>
-              </a:rPr>
-              <a:t> objects and appears at the top of the </a:t>
-            </a:r>
-            <a:r>
-              <a:rPr lang="en-GB" dirty="0" err="1">
-                <a:latin typeface="Calibri Light" panose="020F0302020204030204" pitchFamily="34" charset="0"/>
-                <a:ea typeface="Calibri Light" panose="020F0302020204030204" pitchFamily="34" charset="0"/>
-                <a:cs typeface="Calibri Light" panose="020F0302020204030204" pitchFamily="34" charset="0"/>
-              </a:rPr>
-              <a:t>JFrame</a:t>
-            </a:r>
-            <a:r>
-              <a:rPr lang="en-GB" dirty="0">
-                <a:latin typeface="Calibri Light" panose="020F0302020204030204" pitchFamily="34" charset="0"/>
-                <a:ea typeface="Calibri Light" panose="020F0302020204030204" pitchFamily="34" charset="0"/>
-                <a:cs typeface="Calibri Light" panose="020F0302020204030204" pitchFamily="34" charset="0"/>
-              </a:rPr>
-              <a:t> by default.</a:t>
-            </a:r>
-          </a:p>
-          <a:p>
-            <a:pPr marL="285750" indent="-285750">
-              <a:buFont typeface="Arial" panose="020B0604020202020204" pitchFamily="34" charset="0"/>
-              <a:buChar char="•"/>
-            </a:pPr>
-            <a:r>
-              <a:rPr lang="en-GB" dirty="0" err="1">
-                <a:latin typeface="Calibri Light" panose="020F0302020204030204" pitchFamily="34" charset="0"/>
-                <a:ea typeface="Calibri Light" panose="020F0302020204030204" pitchFamily="34" charset="0"/>
-                <a:cs typeface="Calibri Light" panose="020F0302020204030204" pitchFamily="34" charset="0"/>
-              </a:rPr>
-              <a:t>JMenu</a:t>
-            </a:r>
-            <a:r>
-              <a:rPr lang="en-GB" dirty="0">
-                <a:latin typeface="Calibri Light" panose="020F0302020204030204" pitchFamily="34" charset="0"/>
-                <a:ea typeface="Calibri Light" panose="020F0302020204030204" pitchFamily="34" charset="0"/>
-                <a:cs typeface="Calibri Light" panose="020F0302020204030204" pitchFamily="34" charset="0"/>
-              </a:rPr>
-              <a:t>:  An individual menu within a menu bar. It holds a list of menu items.</a:t>
-            </a:r>
-          </a:p>
-          <a:p>
-            <a:pPr marL="285750" indent="-285750">
-              <a:buFont typeface="Arial" panose="020B0604020202020204" pitchFamily="34" charset="0"/>
-              <a:buChar char="•"/>
-            </a:pPr>
-            <a:r>
-              <a:rPr lang="en-GB" dirty="0" err="1">
-                <a:latin typeface="Calibri Light" panose="020F0302020204030204" pitchFamily="34" charset="0"/>
-                <a:ea typeface="Calibri Light" panose="020F0302020204030204" pitchFamily="34" charset="0"/>
-                <a:cs typeface="Calibri Light" panose="020F0302020204030204" pitchFamily="34" charset="0"/>
-              </a:rPr>
-              <a:t>JRadioButton</a:t>
-            </a:r>
-            <a:r>
-              <a:rPr lang="en-GB" dirty="0">
-                <a:latin typeface="Calibri Light" panose="020F0302020204030204" pitchFamily="34" charset="0"/>
-                <a:ea typeface="Calibri Light" panose="020F0302020204030204" pitchFamily="34" charset="0"/>
-                <a:cs typeface="Calibri Light" panose="020F0302020204030204" pitchFamily="34" charset="0"/>
-              </a:rPr>
-              <a:t>:  A button that represents selection of one option from a set of choices.</a:t>
-            </a:r>
-          </a:p>
-          <a:p>
-            <a:pPr marL="285750" indent="-285750">
-              <a:buFont typeface="Arial" panose="020B0604020202020204" pitchFamily="34" charset="0"/>
-              <a:buChar char="•"/>
-            </a:pPr>
-            <a:r>
-              <a:rPr lang="en-GB" dirty="0" err="1">
-                <a:latin typeface="Calibri Light" panose="020F0302020204030204" pitchFamily="34" charset="0"/>
-                <a:ea typeface="Calibri Light" panose="020F0302020204030204" pitchFamily="34" charset="0"/>
-                <a:cs typeface="Calibri Light" panose="020F0302020204030204" pitchFamily="34" charset="0"/>
-              </a:rPr>
-              <a:t>JTextField</a:t>
-            </a:r>
-            <a:r>
-              <a:rPr lang="en-GB" dirty="0">
-                <a:latin typeface="Calibri Light" panose="020F0302020204030204" pitchFamily="34" charset="0"/>
-                <a:ea typeface="Calibri Light" panose="020F0302020204030204" pitchFamily="34" charset="0"/>
-                <a:cs typeface="Calibri Light" panose="020F0302020204030204" pitchFamily="34" charset="0"/>
-              </a:rPr>
-              <a:t>: </a:t>
-            </a:r>
-            <a:r>
-              <a:rPr lang="en-GB" dirty="0" err="1">
-                <a:effectLst/>
-                <a:latin typeface="Calibri Light" panose="020F0302020204030204" pitchFamily="34" charset="0"/>
-                <a:ea typeface="Calibri Light" panose="020F0302020204030204" pitchFamily="34" charset="0"/>
-                <a:cs typeface="Calibri Light" panose="020F0302020204030204" pitchFamily="34" charset="0"/>
-              </a:rPr>
-              <a:t>JTextField</a:t>
-            </a:r>
-            <a:r>
-              <a:rPr lang="en-GB" dirty="0">
-                <a:effectLst/>
-                <a:latin typeface="Calibri Light" panose="020F0302020204030204" pitchFamily="34" charset="0"/>
-                <a:ea typeface="Calibri Light" panose="020F0302020204030204" pitchFamily="34" charset="0"/>
-                <a:cs typeface="Calibri Light" panose="020F0302020204030204" pitchFamily="34" charset="0"/>
-              </a:rPr>
-              <a:t> is a component used in Java Swing to allow users to input or edit a single line of text. </a:t>
-            </a:r>
-          </a:p>
-          <a:p>
-            <a:pPr marL="285750" indent="-285750">
-              <a:buFont typeface="Arial" panose="020B0604020202020204" pitchFamily="34" charset="0"/>
-              <a:buChar char="•"/>
-            </a:pPr>
-            <a:endParaRPr lang="en-US" dirty="0">
-              <a:latin typeface="Calibri Light" panose="020F0302020204030204" pitchFamily="34" charset="0"/>
-              <a:ea typeface="Calibri Light" panose="020F0302020204030204" pitchFamily="34" charset="0"/>
-              <a:cs typeface="Calibri Light" panose="020F0302020204030204" pitchFamily="34" charset="0"/>
-            </a:endParaRPr>
-          </a:p>
-        </p:txBody>
-      </p:sp>
-    </p:spTree>
-    <p:extLst>
-      <p:ext uri="{BB962C8B-B14F-4D97-AF65-F5344CB8AC3E}">
-        <p14:creationId xmlns:p14="http://schemas.microsoft.com/office/powerpoint/2010/main" val="2701910104"/>
-      </p:ext>
-    </p:extLst>
-  </p:cSld>
-  <p:clrMapOvr>
-    <a:masterClrMapping/>
-  </p:clrMapOvr>
-  <mc:AlternateContent xmlns:mc="http://schemas.openxmlformats.org/markup-compatibility/2006" xmlns:p14="http://schemas.microsoft.com/office/powerpoint/2010/main">
-    <mc:Choice Requires="p14">
-      <p:transition spd="med" p14:dur="700">
-        <p:fade/>
-      </p:transition>
-    </mc:Choice>
-    <mc:Fallback xmlns="">
-      <p:transition spd="med">
-        <p:fade/>
-      </p:transition>
-    </mc:Fallback>
-  </mc:AlternateContent>
-</p:sld>
-</file>
-
-<file path=ppt/slides/slide11.xml><?xml version="1.0" encoding="utf-8"?>
-<p:sld xmlns:a="http://schemas.openxmlformats.org/drawingml/2006/main" xmlns:r="http://schemas.openxmlformats.org/officeDocument/2006/relationships" xmlns:p="http://schemas.openxmlformats.org/presentationml/2006/main">
-  <p:cSld>
     <p:bg>
       <p:bgPr>
         <a:solidFill>
@@ -5487,7 +5102,7 @@
 </p:sld>
 </file>
 
-<file path=ppt/slides/slide12.xml><?xml version="1.0" encoding="utf-8"?>
+<file path=ppt/slides/slide11.xml><?xml version="1.0" encoding="utf-8"?>
 <p:sld xmlns:a="http://schemas.openxmlformats.org/drawingml/2006/main" xmlns:r="http://schemas.openxmlformats.org/officeDocument/2006/relationships" xmlns:p="http://schemas.openxmlformats.org/presentationml/2006/main">
   <p:cSld>
     <p:spTree>
@@ -5576,7 +5191,7 @@
 </p:sld>
 </file>
 
-<file path=ppt/slides/slide13.xml><?xml version="1.0" encoding="utf-8"?>
+<file path=ppt/slides/slide12.xml><?xml version="1.0" encoding="utf-8"?>
 <p:sld xmlns:a="http://schemas.openxmlformats.org/drawingml/2006/main" xmlns:r="http://schemas.openxmlformats.org/officeDocument/2006/relationships" xmlns:p="http://schemas.openxmlformats.org/presentationml/2006/main">
   <p:cSld>
     <p:spTree>
@@ -5882,10 +5497,10 @@
       </p:grpSpPr>
       <p:sp>
         <p:nvSpPr>
-          <p:cNvPr id="5" name="Title 4">
+          <p:cNvPr id="4" name="Title 3">
             <a:extLst>
               <a:ext uri="{FF2B5EF4-FFF2-40B4-BE49-F238E27FC236}">
-                <a16:creationId xmlns:a16="http://schemas.microsoft.com/office/drawing/2014/main" id="{E8C5EA60-12FC-4FB7-9CED-CDC28177F4B1}"/>
+                <a16:creationId xmlns:a16="http://schemas.microsoft.com/office/drawing/2014/main" id="{B8742495-1611-4261-AF87-C516307C0D14}"/>
               </a:ext>
             </a:extLst>
           </p:cNvPr>
@@ -5896,95 +5511,88 @@
             <p:ph type="title"/>
           </p:nvPr>
         </p:nvSpPr>
-        <p:spPr/>
+        <p:spPr>
+          <a:xfrm>
+            <a:off x="762000" y="716577"/>
+            <a:ext cx="10668000" cy="615553"/>
+          </a:xfrm>
+        </p:spPr>
         <p:txBody>
           <a:bodyPr/>
           <a:lstStyle/>
           <a:p>
             <a:r>
               <a:rPr lang="en-US" dirty="0"/>
-              <a:t>Introduction</a:t>
-            </a:r>
+              <a:t>Project Demonstration</a:t>
+            </a:r>
+            <a:endParaRPr lang="en-GB" dirty="0"/>
           </a:p>
         </p:txBody>
       </p:sp>
-      <p:sp>
-        <p:nvSpPr>
-          <p:cNvPr id="2" name="Text Placeholder 1">
+      <p:pic>
+        <p:nvPicPr>
+          <p:cNvPr id="13" name="Picture 12">
             <a:extLst>
               <a:ext uri="{FF2B5EF4-FFF2-40B4-BE49-F238E27FC236}">
-                <a16:creationId xmlns:a16="http://schemas.microsoft.com/office/drawing/2014/main" id="{3F36812B-2065-4A2B-B59B-8957022687BC}"/>
+                <a16:creationId xmlns:a16="http://schemas.microsoft.com/office/drawing/2014/main" id="{276E5664-198B-45AD-9652-467139338843}"/>
               </a:ext>
             </a:extLst>
           </p:cNvPr>
-          <p:cNvSpPr>
-            <a:spLocks noGrp="1"/>
-          </p:cNvSpPr>
-          <p:nvPr>
-            <p:ph type="body" sz="quarter" idx="11"/>
-          </p:nvPr>
-        </p:nvSpPr>
+          <p:cNvPicPr>
+            <a:picLocks noChangeAspect="1"/>
+          </p:cNvPicPr>
+          <p:nvPr/>
+        </p:nvPicPr>
+        <p:blipFill>
+          <a:blip r:embed="rId3"/>
+          <a:stretch>
+            <a:fillRect/>
+          </a:stretch>
+        </p:blipFill>
         <p:spPr>
           <a:xfrm>
-            <a:off x="762000" y="1905000"/>
-            <a:ext cx="6477000" cy="3276600"/>
+            <a:off x="762000" y="1938129"/>
+            <a:ext cx="3677163" cy="3743847"/>
           </a:xfrm>
-        </p:spPr>
-        <p:txBody>
-          <a:bodyPr vert="horz" lIns="91440" tIns="45720" rIns="91440" bIns="45720" rtlCol="0" anchor="t">
-            <a:normAutofit/>
-          </a:bodyPr>
-          <a:lstStyle/>
-          <a:p>
-            <a:r>
-              <a:rPr lang="en-US" altLang="en-US" dirty="0"/>
-              <a:t>State the significance of Asian Pacific Heritage Month</a:t>
-            </a:r>
-          </a:p>
-          <a:p>
-            <a:pPr lvl="1"/>
-            <a:r>
-              <a:rPr lang="en-US" dirty="0"/>
-              <a:t>What is Asian Pacific Heritage Month?</a:t>
-            </a:r>
-          </a:p>
-          <a:p>
-            <a:pPr lvl="1"/>
-            <a:r>
-              <a:rPr lang="en-US" dirty="0"/>
-              <a:t>Why does the United States celebrate it?</a:t>
-            </a:r>
-          </a:p>
-          <a:p>
-            <a:pPr lvl="1"/>
-            <a:endParaRPr lang="en-US" altLang="en-US" dirty="0"/>
-          </a:p>
-          <a:p>
-            <a:r>
-              <a:rPr lang="en-US" altLang="en-US" dirty="0"/>
-              <a:t>Tell your story</a:t>
-            </a:r>
-          </a:p>
-          <a:p>
-            <a:pPr lvl="1"/>
-            <a:r>
-              <a:rPr lang="en-US" altLang="en-US" dirty="0"/>
-              <a:t>What does Asian Pacific Heritage Month mean to you?</a:t>
-            </a:r>
-          </a:p>
-          <a:p>
-            <a:pPr lvl="1"/>
-            <a:r>
-              <a:rPr lang="en-US" altLang="en-US" dirty="0"/>
-              <a:t>Why is it important to you?</a:t>
-            </a:r>
-          </a:p>
-        </p:txBody>
-      </p:sp>
+          <a:prstGeom prst="rect">
+            <a:avLst/>
+          </a:prstGeom>
+        </p:spPr>
+      </p:pic>
+      <p:pic>
+        <p:nvPicPr>
+          <p:cNvPr id="15" name="Picture 14">
+            <a:extLst>
+              <a:ext uri="{FF2B5EF4-FFF2-40B4-BE49-F238E27FC236}">
+                <a16:creationId xmlns:a16="http://schemas.microsoft.com/office/drawing/2014/main" id="{54776B93-9D0F-4B5D-898D-6079F1C8383E}"/>
+              </a:ext>
+            </a:extLst>
+          </p:cNvPr>
+          <p:cNvPicPr>
+            <a:picLocks noChangeAspect="1"/>
+          </p:cNvPicPr>
+          <p:nvPr/>
+        </p:nvPicPr>
+        <p:blipFill>
+          <a:blip r:embed="rId4"/>
+          <a:stretch>
+            <a:fillRect/>
+          </a:stretch>
+        </p:blipFill>
+        <p:spPr>
+          <a:xfrm>
+            <a:off x="5874927" y="1557076"/>
+            <a:ext cx="5877745" cy="4505954"/>
+          </a:xfrm>
+          <a:prstGeom prst="rect">
+            <a:avLst/>
+          </a:prstGeom>
+        </p:spPr>
+      </p:pic>
     </p:spTree>
     <p:extLst>
       <p:ext uri="{BB962C8B-B14F-4D97-AF65-F5344CB8AC3E}">
-        <p14:creationId xmlns:p14="http://schemas.microsoft.com/office/powerpoint/2010/main" val="3174066405"/>
+        <p14:creationId xmlns:p14="http://schemas.microsoft.com/office/powerpoint/2010/main" val="3477364328"/>
       </p:ext>
     </p:extLst>
   </p:cSld>
@@ -6012,7 +5620,7 @@
     <p:bg>
       <p:bgPr>
         <a:solidFill>
-          <a:schemeClr val="accent5"/>
+          <a:schemeClr val="accent3"/>
         </a:solidFill>
         <a:effectLst/>
       </p:bgPr>
@@ -6036,7 +5644,7 @@
           <p:cNvPr id="4" name="Title 3">
             <a:extLst>
               <a:ext uri="{FF2B5EF4-FFF2-40B4-BE49-F238E27FC236}">
-                <a16:creationId xmlns:a16="http://schemas.microsoft.com/office/drawing/2014/main" id="{048FBE6B-DC67-4E64-80F4-CADE978D2FE3}"/>
+                <a16:creationId xmlns:a16="http://schemas.microsoft.com/office/drawing/2014/main" id="{B8742495-1611-4261-AF87-C516307C0D14}"/>
               </a:ext>
             </a:extLst>
           </p:cNvPr>
@@ -6047,1777 +5655,88 @@
             <p:ph type="title"/>
           </p:nvPr>
         </p:nvSpPr>
-        <p:spPr/>
+        <p:spPr>
+          <a:xfrm>
+            <a:off x="762000" y="716577"/>
+            <a:ext cx="10668000" cy="615553"/>
+          </a:xfrm>
+        </p:spPr>
         <p:txBody>
           <a:bodyPr/>
           <a:lstStyle/>
           <a:p>
             <a:r>
               <a:rPr lang="en-US" dirty="0"/>
-              <a:t>History</a:t>
-            </a:r>
+              <a:t>Project Demonstration</a:t>
+            </a:r>
+            <a:endParaRPr lang="en-GB" dirty="0"/>
           </a:p>
         </p:txBody>
       </p:sp>
-      <p:sp>
-        <p:nvSpPr>
-          <p:cNvPr id="10" name="Text Placeholder 9">
+      <p:pic>
+        <p:nvPicPr>
+          <p:cNvPr id="6" name="Picture 5">
             <a:extLst>
               <a:ext uri="{FF2B5EF4-FFF2-40B4-BE49-F238E27FC236}">
-                <a16:creationId xmlns:a16="http://schemas.microsoft.com/office/drawing/2014/main" id="{3E90A16C-1235-4DE1-9AE7-2F7599C83F90}"/>
+                <a16:creationId xmlns:a16="http://schemas.microsoft.com/office/drawing/2014/main" id="{B4895149-612F-41BF-B936-A4A25B21C386}"/>
               </a:ext>
             </a:extLst>
           </p:cNvPr>
-          <p:cNvSpPr>
-            <a:spLocks noGrp="1"/>
-          </p:cNvSpPr>
-          <p:nvPr>
-            <p:ph type="body" sz="quarter" idx="13"/>
-          </p:nvPr>
-        </p:nvSpPr>
+          <p:cNvPicPr>
+            <a:picLocks noChangeAspect="1"/>
+          </p:cNvPicPr>
+          <p:nvPr/>
+        </p:nvPicPr>
+        <p:blipFill>
+          <a:blip r:embed="rId3"/>
+          <a:stretch>
+            <a:fillRect/>
+          </a:stretch>
+        </p:blipFill>
         <p:spPr>
           <a:xfrm>
-            <a:off x="762000" y="1905000"/>
-            <a:ext cx="10668000" cy="685800"/>
+            <a:off x="6459559" y="1690884"/>
+            <a:ext cx="5227423" cy="4032583"/>
           </a:xfrm>
-        </p:spPr>
-        <p:txBody>
-          <a:bodyPr>
-            <a:normAutofit/>
-          </a:bodyPr>
-          <a:lstStyle/>
-          <a:p>
-            <a:pPr marL="0" indent="0">
-              <a:buNone/>
-            </a:pPr>
-            <a:r>
-              <a:rPr lang="en-US" altLang="en-US" sz="1800" b="0" dirty="0">
-                <a:latin typeface="+mj-lt"/>
-              </a:rPr>
-              <a:t>Make a timeline of the important historical event or list historical contributions made by people of Asian Pacific heritage. </a:t>
-            </a:r>
-          </a:p>
-        </p:txBody>
-      </p:sp>
-      <p:graphicFrame>
-        <p:nvGraphicFramePr>
-          <p:cNvPr id="7" name="Group 85">
+          <a:prstGeom prst="rect">
+            <a:avLst/>
+          </a:prstGeom>
+        </p:spPr>
+      </p:pic>
+      <p:pic>
+        <p:nvPicPr>
+          <p:cNvPr id="9" name="Picture 8">
             <a:extLst>
               <a:ext uri="{FF2B5EF4-FFF2-40B4-BE49-F238E27FC236}">
-                <a16:creationId xmlns:a16="http://schemas.microsoft.com/office/drawing/2014/main" id="{AD3D3348-39B0-440D-88BE-1A8FA9891931}"/>
+                <a16:creationId xmlns:a16="http://schemas.microsoft.com/office/drawing/2014/main" id="{F79C1620-9CB5-438D-A465-9D27E053B008}"/>
               </a:ext>
             </a:extLst>
           </p:cNvPr>
-          <p:cNvGraphicFramePr>
-            <a:graphicFrameLocks/>
-          </p:cNvGraphicFramePr>
-          <p:nvPr>
-            <p:extLst>
-              <p:ext uri="{D42A27DB-BD31-4B8C-83A1-F6EECF244321}">
-                <p14:modId xmlns:p14="http://schemas.microsoft.com/office/powerpoint/2010/main" val="1389725479"/>
-              </p:ext>
-            </p:extLst>
-          </p:nvPr>
-        </p:nvGraphicFramePr>
-        <p:xfrm>
-          <a:off x="762000" y="2590800"/>
-          <a:ext cx="10668000" cy="2834640"/>
-        </p:xfrm>
-        <a:graphic>
-          <a:graphicData uri="http://schemas.openxmlformats.org/drawingml/2006/table">
-            <a:tbl>
-              <a:tblPr firstRow="1"/>
-              <a:tblGrid>
-                <a:gridCol w="1778000">
-                  <a:extLst>
-                    <a:ext uri="{9D8B030D-6E8A-4147-A177-3AD203B41FA5}">
-                      <a16:colId xmlns:a16="http://schemas.microsoft.com/office/drawing/2014/main" val="20000"/>
-                    </a:ext>
-                  </a:extLst>
-                </a:gridCol>
-                <a:gridCol w="1778000">
-                  <a:extLst>
-                    <a:ext uri="{9D8B030D-6E8A-4147-A177-3AD203B41FA5}">
-                      <a16:colId xmlns:a16="http://schemas.microsoft.com/office/drawing/2014/main" val="20001"/>
-                    </a:ext>
-                  </a:extLst>
-                </a:gridCol>
-                <a:gridCol w="1778000">
-                  <a:extLst>
-                    <a:ext uri="{9D8B030D-6E8A-4147-A177-3AD203B41FA5}">
-                      <a16:colId xmlns:a16="http://schemas.microsoft.com/office/drawing/2014/main" val="20002"/>
-                    </a:ext>
-                  </a:extLst>
-                </a:gridCol>
-                <a:gridCol w="1778000">
-                  <a:extLst>
-                    <a:ext uri="{9D8B030D-6E8A-4147-A177-3AD203B41FA5}">
-                      <a16:colId xmlns:a16="http://schemas.microsoft.com/office/drawing/2014/main" val="20003"/>
-                    </a:ext>
-                  </a:extLst>
-                </a:gridCol>
-                <a:gridCol w="1778000">
-                  <a:extLst>
-                    <a:ext uri="{9D8B030D-6E8A-4147-A177-3AD203B41FA5}">
-                      <a16:colId xmlns:a16="http://schemas.microsoft.com/office/drawing/2014/main" val="20004"/>
-                    </a:ext>
-                  </a:extLst>
-                </a:gridCol>
-                <a:gridCol w="1778000">
-                  <a:extLst>
-                    <a:ext uri="{9D8B030D-6E8A-4147-A177-3AD203B41FA5}">
-                      <a16:colId xmlns:a16="http://schemas.microsoft.com/office/drawing/2014/main" val="20005"/>
-                    </a:ext>
-                  </a:extLst>
-                </a:gridCol>
-              </a:tblGrid>
-              <a:tr h="548640">
-                <a:tc>
-                  <a:txBody>
-                    <a:bodyPr/>
-                    <a:lstStyle/>
-                    <a:p>
-                      <a:pPr marL="0" marR="0" lvl="0" indent="0" algn="ctr" defTabSz="914400" rtl="0" eaLnBrk="1" fontAlgn="base" latinLnBrk="0" hangingPunct="1">
-                        <a:lnSpc>
-                          <a:spcPct val="100000"/>
-                        </a:lnSpc>
-                        <a:spcBef>
-                          <a:spcPct val="20000"/>
-                        </a:spcBef>
-                        <a:spcAft>
-                          <a:spcPct val="0"/>
-                        </a:spcAft>
-                        <a:buClr>
-                          <a:schemeClr val="tx1"/>
-                        </a:buClr>
-                        <a:buSzTx/>
-                        <a:buFontTx/>
-                        <a:buNone/>
-                        <a:tabLst/>
-                      </a:pPr>
-                      <a:r>
-                        <a:rPr kumimoji="0" lang="en-US" sz="1400" b="1" i="0" u="none" strike="noStrike" cap="none" normalizeH="0" baseline="0" dirty="0">
-                          <a:ln>
-                            <a:noFill/>
-                          </a:ln>
-                          <a:solidFill>
-                            <a:schemeClr val="tx1"/>
-                          </a:solidFill>
-                          <a:effectLst/>
-                          <a:latin typeface="+mn-lt"/>
-                        </a:rPr>
-                        <a:t>1</a:t>
-                      </a:r>
-                      <a:r>
-                        <a:rPr kumimoji="0" lang="en-US" sz="1400" b="1" i="0" u="none" strike="noStrike" cap="none" normalizeH="0" baseline="30000" dirty="0">
-                          <a:ln>
-                            <a:noFill/>
-                          </a:ln>
-                          <a:solidFill>
-                            <a:schemeClr val="tx1"/>
-                          </a:solidFill>
-                          <a:effectLst/>
-                          <a:latin typeface="+mn-lt"/>
-                        </a:rPr>
-                        <a:t>st</a:t>
-                      </a:r>
-                      <a:r>
-                        <a:rPr kumimoji="0" lang="en-US" sz="1400" b="1" i="0" u="none" strike="noStrike" cap="none" normalizeH="0" baseline="0" dirty="0">
-                          <a:ln>
-                            <a:noFill/>
-                          </a:ln>
-                          <a:solidFill>
-                            <a:schemeClr val="tx1"/>
-                          </a:solidFill>
-                          <a:effectLst/>
-                          <a:latin typeface="+mn-lt"/>
-                        </a:rPr>
-                        <a:t> Event</a:t>
-                      </a:r>
-                    </a:p>
-                  </a:txBody>
-                  <a:tcPr anchor="ctr" horzOverflow="overflow">
-                    <a:lnL w="28575" cap="flat" cmpd="sng" algn="ctr">
-                      <a:noFill/>
-                      <a:prstDash val="solid"/>
-                      <a:round/>
-                      <a:headEnd type="none" w="med" len="med"/>
-                      <a:tailEnd type="none" w="med" len="med"/>
-                    </a:lnL>
-                    <a:lnR w="6350" cap="flat" cmpd="sng" algn="ctr">
-                      <a:solidFill>
-                        <a:schemeClr val="tx2">
-                          <a:lumMod val="90000"/>
-                        </a:schemeClr>
-                      </a:solidFill>
-                      <a:prstDash val="solid"/>
-                      <a:round/>
-                      <a:headEnd type="none" w="med" len="med"/>
-                      <a:tailEnd type="none" w="med" len="med"/>
-                    </a:lnR>
-                    <a:lnT w="28575" cap="flat" cmpd="sng" algn="ctr">
-                      <a:noFill/>
-                      <a:prstDash val="solid"/>
-                      <a:round/>
-                      <a:headEnd type="none" w="med" len="med"/>
-                      <a:tailEnd type="none" w="med" len="med"/>
-                    </a:lnT>
-                    <a:lnB w="12700" cap="flat" cmpd="sng" algn="ctr">
-                      <a:noFill/>
-                      <a:prstDash val="solid"/>
-                      <a:round/>
-                      <a:headEnd type="none" w="med" len="med"/>
-                      <a:tailEnd type="none" w="med" len="med"/>
-                    </a:lnB>
-                    <a:lnTlToBr>
-                      <a:noFill/>
-                    </a:lnTlToBr>
-                    <a:lnBlToTr>
-                      <a:noFill/>
-                    </a:lnBlToTr>
-                    <a:noFill/>
-                  </a:tcPr>
-                </a:tc>
-                <a:tc>
-                  <a:txBody>
-                    <a:bodyPr/>
-                    <a:lstStyle/>
-                    <a:p>
-                      <a:pPr marL="0" marR="0" lvl="0" indent="0" algn="ctr" defTabSz="914400" rtl="0" eaLnBrk="1" fontAlgn="base" latinLnBrk="0" hangingPunct="1">
-                        <a:lnSpc>
-                          <a:spcPct val="100000"/>
-                        </a:lnSpc>
-                        <a:spcBef>
-                          <a:spcPct val="20000"/>
-                        </a:spcBef>
-                        <a:spcAft>
-                          <a:spcPct val="0"/>
-                        </a:spcAft>
-                        <a:buClr>
-                          <a:schemeClr val="tx1"/>
-                        </a:buClr>
-                        <a:buSzTx/>
-                        <a:buFontTx/>
-                        <a:buNone/>
-                        <a:tabLst/>
-                      </a:pPr>
-                      <a:r>
-                        <a:rPr kumimoji="0" lang="en-US" sz="1400" b="1" i="0" u="none" strike="noStrike" cap="none" normalizeH="0" baseline="0" dirty="0">
-                          <a:ln>
-                            <a:noFill/>
-                          </a:ln>
-                          <a:solidFill>
-                            <a:schemeClr val="tx1"/>
-                          </a:solidFill>
-                          <a:effectLst/>
-                          <a:latin typeface="+mn-lt"/>
-                        </a:rPr>
-                        <a:t>2</a:t>
-                      </a:r>
-                      <a:r>
-                        <a:rPr kumimoji="0" lang="en-US" sz="1400" b="1" i="0" u="none" strike="noStrike" cap="none" normalizeH="0" baseline="30000" dirty="0">
-                          <a:ln>
-                            <a:noFill/>
-                          </a:ln>
-                          <a:solidFill>
-                            <a:schemeClr val="tx1"/>
-                          </a:solidFill>
-                          <a:effectLst/>
-                          <a:latin typeface="+mn-lt"/>
-                        </a:rPr>
-                        <a:t>nd</a:t>
-                      </a:r>
-                      <a:r>
-                        <a:rPr kumimoji="0" lang="en-US" sz="1400" b="1" i="0" u="none" strike="noStrike" cap="none" normalizeH="0" baseline="0" dirty="0">
-                          <a:ln>
-                            <a:noFill/>
-                          </a:ln>
-                          <a:solidFill>
-                            <a:schemeClr val="tx1"/>
-                          </a:solidFill>
-                          <a:effectLst/>
-                          <a:latin typeface="+mn-lt"/>
-                        </a:rPr>
-                        <a:t> Event</a:t>
-                      </a:r>
-                    </a:p>
-                  </a:txBody>
-                  <a:tcPr anchor="ctr" horzOverflow="overflow">
-                    <a:lnL w="6350" cap="flat" cmpd="sng" algn="ctr">
-                      <a:solidFill>
-                        <a:schemeClr val="tx2">
-                          <a:lumMod val="90000"/>
-                        </a:schemeClr>
-                      </a:solidFill>
-                      <a:prstDash val="solid"/>
-                      <a:round/>
-                      <a:headEnd type="none" w="med" len="med"/>
-                      <a:tailEnd type="none" w="med" len="med"/>
-                    </a:lnL>
-                    <a:lnR w="6350" cap="flat" cmpd="sng" algn="ctr">
-                      <a:solidFill>
-                        <a:schemeClr val="tx2">
-                          <a:lumMod val="90000"/>
-                        </a:schemeClr>
-                      </a:solidFill>
-                      <a:prstDash val="solid"/>
-                      <a:round/>
-                      <a:headEnd type="none" w="med" len="med"/>
-                      <a:tailEnd type="none" w="med" len="med"/>
-                    </a:lnR>
-                    <a:lnT w="28575" cap="flat" cmpd="sng" algn="ctr">
-                      <a:noFill/>
-                      <a:prstDash val="solid"/>
-                      <a:round/>
-                      <a:headEnd type="none" w="med" len="med"/>
-                      <a:tailEnd type="none" w="med" len="med"/>
-                    </a:lnT>
-                    <a:lnB w="12700" cap="flat" cmpd="sng" algn="ctr">
-                      <a:noFill/>
-                      <a:prstDash val="solid"/>
-                      <a:round/>
-                      <a:headEnd type="none" w="med" len="med"/>
-                      <a:tailEnd type="none" w="med" len="med"/>
-                    </a:lnB>
-                    <a:lnTlToBr>
-                      <a:noFill/>
-                    </a:lnTlToBr>
-                    <a:lnBlToTr>
-                      <a:noFill/>
-                    </a:lnBlToTr>
-                    <a:noFill/>
-                  </a:tcPr>
-                </a:tc>
-                <a:tc>
-                  <a:txBody>
-                    <a:bodyPr/>
-                    <a:lstStyle/>
-                    <a:p>
-                      <a:pPr marL="0" marR="0" lvl="0" indent="0" algn="ctr" defTabSz="914400" rtl="0" eaLnBrk="1" fontAlgn="base" latinLnBrk="0" hangingPunct="1">
-                        <a:lnSpc>
-                          <a:spcPct val="100000"/>
-                        </a:lnSpc>
-                        <a:spcBef>
-                          <a:spcPct val="20000"/>
-                        </a:spcBef>
-                        <a:spcAft>
-                          <a:spcPct val="0"/>
-                        </a:spcAft>
-                        <a:buClr>
-                          <a:schemeClr val="tx1"/>
-                        </a:buClr>
-                        <a:buSzTx/>
-                        <a:buFontTx/>
-                        <a:buNone/>
-                        <a:tabLst/>
-                      </a:pPr>
-                      <a:r>
-                        <a:rPr kumimoji="0" lang="en-US" sz="1400" b="1" i="0" u="none" strike="noStrike" cap="none" normalizeH="0" baseline="0" dirty="0">
-                          <a:ln>
-                            <a:noFill/>
-                          </a:ln>
-                          <a:solidFill>
-                            <a:schemeClr val="tx1"/>
-                          </a:solidFill>
-                          <a:effectLst/>
-                          <a:latin typeface="+mn-lt"/>
-                        </a:rPr>
-                        <a:t>3rd Event</a:t>
-                      </a:r>
-                    </a:p>
-                  </a:txBody>
-                  <a:tcPr anchor="ctr" horzOverflow="overflow">
-                    <a:lnL w="6350" cap="flat" cmpd="sng" algn="ctr">
-                      <a:solidFill>
-                        <a:schemeClr val="tx2">
-                          <a:lumMod val="90000"/>
-                        </a:schemeClr>
-                      </a:solidFill>
-                      <a:prstDash val="solid"/>
-                      <a:round/>
-                      <a:headEnd type="none" w="med" len="med"/>
-                      <a:tailEnd type="none" w="med" len="med"/>
-                    </a:lnL>
-                    <a:lnR w="6350" cap="flat" cmpd="sng" algn="ctr">
-                      <a:solidFill>
-                        <a:schemeClr val="tx2">
-                          <a:lumMod val="90000"/>
-                        </a:schemeClr>
-                      </a:solidFill>
-                      <a:prstDash val="solid"/>
-                      <a:round/>
-                      <a:headEnd type="none" w="med" len="med"/>
-                      <a:tailEnd type="none" w="med" len="med"/>
-                    </a:lnR>
-                    <a:lnT w="28575" cap="flat" cmpd="sng" algn="ctr">
-                      <a:noFill/>
-                      <a:prstDash val="solid"/>
-                      <a:round/>
-                      <a:headEnd type="none" w="med" len="med"/>
-                      <a:tailEnd type="none" w="med" len="med"/>
-                    </a:lnT>
-                    <a:lnB w="12700" cap="flat" cmpd="sng" algn="ctr">
-                      <a:noFill/>
-                      <a:prstDash val="solid"/>
-                      <a:round/>
-                      <a:headEnd type="none" w="med" len="med"/>
-                      <a:tailEnd type="none" w="med" len="med"/>
-                    </a:lnB>
-                    <a:lnTlToBr>
-                      <a:noFill/>
-                    </a:lnTlToBr>
-                    <a:lnBlToTr>
-                      <a:noFill/>
-                    </a:lnBlToTr>
-                    <a:noFill/>
-                  </a:tcPr>
-                </a:tc>
-                <a:tc>
-                  <a:txBody>
-                    <a:bodyPr/>
-                    <a:lstStyle/>
-                    <a:p>
-                      <a:pPr marL="0" marR="0" lvl="0" indent="0" algn="ctr" defTabSz="914400" rtl="0" eaLnBrk="1" fontAlgn="base" latinLnBrk="0" hangingPunct="1">
-                        <a:lnSpc>
-                          <a:spcPct val="100000"/>
-                        </a:lnSpc>
-                        <a:spcBef>
-                          <a:spcPct val="20000"/>
-                        </a:spcBef>
-                        <a:spcAft>
-                          <a:spcPct val="0"/>
-                        </a:spcAft>
-                        <a:buClr>
-                          <a:schemeClr val="tx1"/>
-                        </a:buClr>
-                        <a:buSzTx/>
-                        <a:buFontTx/>
-                        <a:buNone/>
-                        <a:tabLst/>
-                      </a:pPr>
-                      <a:r>
-                        <a:rPr kumimoji="0" lang="en-US" sz="1400" b="1" i="0" u="none" strike="noStrike" cap="none" normalizeH="0" baseline="0" dirty="0">
-                          <a:ln>
-                            <a:noFill/>
-                          </a:ln>
-                          <a:solidFill>
-                            <a:schemeClr val="tx1"/>
-                          </a:solidFill>
-                          <a:effectLst/>
-                          <a:latin typeface="+mn-lt"/>
-                        </a:rPr>
-                        <a:t>4</a:t>
-                      </a:r>
-                      <a:r>
-                        <a:rPr kumimoji="0" lang="en-US" sz="1400" b="1" i="0" u="none" strike="noStrike" cap="none" normalizeH="0" baseline="30000" dirty="0">
-                          <a:ln>
-                            <a:noFill/>
-                          </a:ln>
-                          <a:solidFill>
-                            <a:schemeClr val="tx1"/>
-                          </a:solidFill>
-                          <a:effectLst/>
-                          <a:latin typeface="+mn-lt"/>
-                        </a:rPr>
-                        <a:t>th</a:t>
-                      </a:r>
-                      <a:r>
-                        <a:rPr kumimoji="0" lang="en-US" sz="1400" b="1" i="0" u="none" strike="noStrike" cap="none" normalizeH="0" baseline="0" dirty="0">
-                          <a:ln>
-                            <a:noFill/>
-                          </a:ln>
-                          <a:solidFill>
-                            <a:schemeClr val="tx1"/>
-                          </a:solidFill>
-                          <a:effectLst/>
-                          <a:latin typeface="+mn-lt"/>
-                        </a:rPr>
-                        <a:t> Event</a:t>
-                      </a:r>
-                    </a:p>
-                  </a:txBody>
-                  <a:tcPr anchor="ctr" horzOverflow="overflow">
-                    <a:lnL w="6350" cap="flat" cmpd="sng" algn="ctr">
-                      <a:solidFill>
-                        <a:schemeClr val="tx2">
-                          <a:lumMod val="90000"/>
-                        </a:schemeClr>
-                      </a:solidFill>
-                      <a:prstDash val="solid"/>
-                      <a:round/>
-                      <a:headEnd type="none" w="med" len="med"/>
-                      <a:tailEnd type="none" w="med" len="med"/>
-                    </a:lnL>
-                    <a:lnR w="6350" cap="flat" cmpd="sng" algn="ctr">
-                      <a:solidFill>
-                        <a:schemeClr val="tx2">
-                          <a:lumMod val="90000"/>
-                        </a:schemeClr>
-                      </a:solidFill>
-                      <a:prstDash val="solid"/>
-                      <a:round/>
-                      <a:headEnd type="none" w="med" len="med"/>
-                      <a:tailEnd type="none" w="med" len="med"/>
-                    </a:lnR>
-                    <a:lnT w="28575" cap="flat" cmpd="sng" algn="ctr">
-                      <a:noFill/>
-                      <a:prstDash val="solid"/>
-                      <a:round/>
-                      <a:headEnd type="none" w="med" len="med"/>
-                      <a:tailEnd type="none" w="med" len="med"/>
-                    </a:lnT>
-                    <a:lnB w="12700" cap="flat" cmpd="sng" algn="ctr">
-                      <a:noFill/>
-                      <a:prstDash val="solid"/>
-                      <a:round/>
-                      <a:headEnd type="none" w="med" len="med"/>
-                      <a:tailEnd type="none" w="med" len="med"/>
-                    </a:lnB>
-                    <a:lnTlToBr>
-                      <a:noFill/>
-                    </a:lnTlToBr>
-                    <a:lnBlToTr>
-                      <a:noFill/>
-                    </a:lnBlToTr>
-                    <a:noFill/>
-                  </a:tcPr>
-                </a:tc>
-                <a:tc>
-                  <a:txBody>
-                    <a:bodyPr/>
-                    <a:lstStyle/>
-                    <a:p>
-                      <a:pPr marL="0" marR="0" lvl="0" indent="0" algn="ctr" defTabSz="914400" rtl="0" eaLnBrk="1" fontAlgn="base" latinLnBrk="0" hangingPunct="1">
-                        <a:lnSpc>
-                          <a:spcPct val="100000"/>
-                        </a:lnSpc>
-                        <a:spcBef>
-                          <a:spcPct val="20000"/>
-                        </a:spcBef>
-                        <a:spcAft>
-                          <a:spcPct val="0"/>
-                        </a:spcAft>
-                        <a:buClr>
-                          <a:schemeClr val="tx1"/>
-                        </a:buClr>
-                        <a:buSzTx/>
-                        <a:buFontTx/>
-                        <a:buNone/>
-                        <a:tabLst/>
-                      </a:pPr>
-                      <a:r>
-                        <a:rPr kumimoji="0" lang="en-US" sz="1400" b="1" i="0" u="none" strike="noStrike" cap="none" normalizeH="0" baseline="0" dirty="0">
-                          <a:ln>
-                            <a:noFill/>
-                          </a:ln>
-                          <a:solidFill>
-                            <a:schemeClr val="tx1"/>
-                          </a:solidFill>
-                          <a:effectLst/>
-                          <a:latin typeface="+mn-lt"/>
-                        </a:rPr>
-                        <a:t>5</a:t>
-                      </a:r>
-                      <a:r>
-                        <a:rPr kumimoji="0" lang="en-US" sz="1400" b="1" i="0" u="none" strike="noStrike" cap="none" normalizeH="0" baseline="30000" dirty="0">
-                          <a:ln>
-                            <a:noFill/>
-                          </a:ln>
-                          <a:solidFill>
-                            <a:schemeClr val="tx1"/>
-                          </a:solidFill>
-                          <a:effectLst/>
-                          <a:latin typeface="+mn-lt"/>
-                        </a:rPr>
-                        <a:t>th</a:t>
-                      </a:r>
-                      <a:r>
-                        <a:rPr kumimoji="0" lang="en-US" sz="1400" b="1" i="0" u="none" strike="noStrike" cap="none" normalizeH="0" baseline="0" dirty="0">
-                          <a:ln>
-                            <a:noFill/>
-                          </a:ln>
-                          <a:solidFill>
-                            <a:schemeClr val="tx1"/>
-                          </a:solidFill>
-                          <a:effectLst/>
-                          <a:latin typeface="+mn-lt"/>
-                        </a:rPr>
-                        <a:t> Event</a:t>
-                      </a:r>
-                    </a:p>
-                  </a:txBody>
-                  <a:tcPr anchor="ctr" horzOverflow="overflow">
-                    <a:lnL w="6350" cap="flat" cmpd="sng" algn="ctr">
-                      <a:solidFill>
-                        <a:schemeClr val="tx2">
-                          <a:lumMod val="90000"/>
-                        </a:schemeClr>
-                      </a:solidFill>
-                      <a:prstDash val="solid"/>
-                      <a:round/>
-                      <a:headEnd type="none" w="med" len="med"/>
-                      <a:tailEnd type="none" w="med" len="med"/>
-                    </a:lnL>
-                    <a:lnR w="6350" cap="flat" cmpd="sng" algn="ctr">
-                      <a:solidFill>
-                        <a:schemeClr val="tx2">
-                          <a:lumMod val="90000"/>
-                        </a:schemeClr>
-                      </a:solidFill>
-                      <a:prstDash val="solid"/>
-                      <a:round/>
-                      <a:headEnd type="none" w="med" len="med"/>
-                      <a:tailEnd type="none" w="med" len="med"/>
-                    </a:lnR>
-                    <a:lnT w="28575" cap="flat" cmpd="sng" algn="ctr">
-                      <a:noFill/>
-                      <a:prstDash val="solid"/>
-                      <a:round/>
-                      <a:headEnd type="none" w="med" len="med"/>
-                      <a:tailEnd type="none" w="med" len="med"/>
-                    </a:lnT>
-                    <a:lnB w="12700" cap="flat" cmpd="sng" algn="ctr">
-                      <a:noFill/>
-                      <a:prstDash val="solid"/>
-                      <a:round/>
-                      <a:headEnd type="none" w="med" len="med"/>
-                      <a:tailEnd type="none" w="med" len="med"/>
-                    </a:lnB>
-                    <a:lnTlToBr>
-                      <a:noFill/>
-                    </a:lnTlToBr>
-                    <a:lnBlToTr>
-                      <a:noFill/>
-                    </a:lnBlToTr>
-                    <a:noFill/>
-                  </a:tcPr>
-                </a:tc>
-                <a:tc>
-                  <a:txBody>
-                    <a:bodyPr/>
-                    <a:lstStyle/>
-                    <a:p>
-                      <a:pPr marL="0" marR="0" lvl="0" indent="0" algn="ctr" defTabSz="914400" rtl="0" eaLnBrk="1" fontAlgn="base" latinLnBrk="0" hangingPunct="1">
-                        <a:lnSpc>
-                          <a:spcPct val="100000"/>
-                        </a:lnSpc>
-                        <a:spcBef>
-                          <a:spcPct val="20000"/>
-                        </a:spcBef>
-                        <a:spcAft>
-                          <a:spcPct val="0"/>
-                        </a:spcAft>
-                        <a:buClr>
-                          <a:schemeClr val="tx1"/>
-                        </a:buClr>
-                        <a:buSzTx/>
-                        <a:buFontTx/>
-                        <a:buNone/>
-                        <a:tabLst/>
-                      </a:pPr>
-                      <a:r>
-                        <a:rPr kumimoji="0" lang="en-US" sz="1400" b="1" i="0" u="none" strike="noStrike" cap="none" normalizeH="0" baseline="0" dirty="0">
-                          <a:ln>
-                            <a:noFill/>
-                          </a:ln>
-                          <a:solidFill>
-                            <a:schemeClr val="tx1"/>
-                          </a:solidFill>
-                          <a:effectLst/>
-                          <a:latin typeface="+mn-lt"/>
-                        </a:rPr>
-                        <a:t>6</a:t>
-                      </a:r>
-                      <a:r>
-                        <a:rPr kumimoji="0" lang="en-US" sz="1400" b="1" i="0" u="none" strike="noStrike" cap="none" normalizeH="0" baseline="30000" dirty="0">
-                          <a:ln>
-                            <a:noFill/>
-                          </a:ln>
-                          <a:solidFill>
-                            <a:schemeClr val="tx1"/>
-                          </a:solidFill>
-                          <a:effectLst/>
-                          <a:latin typeface="+mn-lt"/>
-                        </a:rPr>
-                        <a:t>th</a:t>
-                      </a:r>
-                      <a:r>
-                        <a:rPr kumimoji="0" lang="en-US" sz="1400" b="1" i="0" u="none" strike="noStrike" cap="none" normalizeH="0" baseline="0" dirty="0">
-                          <a:ln>
-                            <a:noFill/>
-                          </a:ln>
-                          <a:solidFill>
-                            <a:schemeClr val="tx1"/>
-                          </a:solidFill>
-                          <a:effectLst/>
-                          <a:latin typeface="+mn-lt"/>
-                        </a:rPr>
-                        <a:t> Event</a:t>
-                      </a:r>
-                    </a:p>
-                  </a:txBody>
-                  <a:tcPr anchor="ctr" horzOverflow="overflow">
-                    <a:lnL w="6350" cap="flat" cmpd="sng" algn="ctr">
-                      <a:solidFill>
-                        <a:schemeClr val="tx2">
-                          <a:lumMod val="90000"/>
-                        </a:schemeClr>
-                      </a:solidFill>
-                      <a:prstDash val="solid"/>
-                      <a:round/>
-                      <a:headEnd type="none" w="med" len="med"/>
-                      <a:tailEnd type="none" w="med" len="med"/>
-                    </a:lnL>
-                    <a:lnR w="28575" cap="flat" cmpd="sng" algn="ctr">
-                      <a:noFill/>
-                      <a:prstDash val="solid"/>
-                      <a:round/>
-                      <a:headEnd type="none" w="med" len="med"/>
-                      <a:tailEnd type="none" w="med" len="med"/>
-                    </a:lnR>
-                    <a:lnT w="28575" cap="flat" cmpd="sng" algn="ctr">
-                      <a:noFill/>
-                      <a:prstDash val="solid"/>
-                      <a:round/>
-                      <a:headEnd type="none" w="med" len="med"/>
-                      <a:tailEnd type="none" w="med" len="med"/>
-                    </a:lnT>
-                    <a:lnB w="12700" cap="flat" cmpd="sng" algn="ctr">
-                      <a:noFill/>
-                      <a:prstDash val="solid"/>
-                      <a:round/>
-                      <a:headEnd type="none" w="med" len="med"/>
-                      <a:tailEnd type="none" w="med" len="med"/>
-                    </a:lnB>
-                    <a:lnTlToBr>
-                      <a:noFill/>
-                    </a:lnTlToBr>
-                    <a:lnBlToTr>
-                      <a:noFill/>
-                    </a:lnBlToTr>
-                    <a:noFill/>
-                  </a:tcPr>
-                </a:tc>
-                <a:extLst>
-                  <a:ext uri="{0D108BD9-81ED-4DB2-BD59-A6C34878D82A}">
-                    <a16:rowId xmlns:a16="http://schemas.microsoft.com/office/drawing/2014/main" val="10000"/>
-                  </a:ext>
-                </a:extLst>
-              </a:tr>
-              <a:tr h="548640">
-                <a:tc>
-                  <a:txBody>
-                    <a:bodyPr/>
-                    <a:lstStyle/>
-                    <a:p>
-                      <a:pPr marL="0" marR="0" lvl="0" indent="0" algn="ctr" defTabSz="914400" rtl="0" eaLnBrk="1" fontAlgn="base" latinLnBrk="0" hangingPunct="1">
-                        <a:lnSpc>
-                          <a:spcPct val="100000"/>
-                        </a:lnSpc>
-                        <a:spcBef>
-                          <a:spcPct val="20000"/>
-                        </a:spcBef>
-                        <a:spcAft>
-                          <a:spcPct val="0"/>
-                        </a:spcAft>
-                        <a:buClr>
-                          <a:schemeClr val="tx1"/>
-                        </a:buClr>
-                        <a:buSzTx/>
-                        <a:buFontTx/>
-                        <a:buNone/>
-                        <a:tabLst/>
-                      </a:pPr>
-                      <a:r>
-                        <a:rPr kumimoji="0" lang="en-US" sz="1400" b="0" i="0" u="none" strike="noStrike" cap="none" normalizeH="0" baseline="0" dirty="0">
-                          <a:ln>
-                            <a:noFill/>
-                          </a:ln>
-                          <a:solidFill>
-                            <a:schemeClr val="tx1"/>
-                          </a:solidFill>
-                          <a:effectLst/>
-                          <a:latin typeface="+mn-lt"/>
-                        </a:rPr>
-                        <a:t>Date</a:t>
-                      </a:r>
-                    </a:p>
-                  </a:txBody>
-                  <a:tcPr anchor="ctr" horzOverflow="overflow">
-                    <a:lnL w="28575" cap="flat" cmpd="sng" algn="ctr">
-                      <a:noFill/>
-                      <a:prstDash val="solid"/>
-                      <a:round/>
-                      <a:headEnd type="none" w="med" len="med"/>
-                      <a:tailEnd type="none" w="med" len="med"/>
-                    </a:lnL>
-                    <a:lnR w="6350" cap="flat" cmpd="sng" algn="ctr">
-                      <a:solidFill>
-                        <a:schemeClr val="tx2">
-                          <a:lumMod val="90000"/>
-                        </a:schemeClr>
-                      </a:solidFill>
-                      <a:prstDash val="solid"/>
-                      <a:round/>
-                      <a:headEnd type="none" w="med" len="med"/>
-                      <a:tailEnd type="none" w="med" len="med"/>
-                    </a:lnR>
-                    <a:lnT w="12700" cap="flat" cmpd="sng" algn="ctr">
-                      <a:noFill/>
-                      <a:prstDash val="solid"/>
-                      <a:round/>
-                      <a:headEnd type="none" w="med" len="med"/>
-                      <a:tailEnd type="none" w="med" len="med"/>
-                    </a:lnT>
-                    <a:lnB w="12700" cap="flat" cmpd="sng" algn="ctr">
-                      <a:noFill/>
-                      <a:prstDash val="solid"/>
-                      <a:round/>
-                      <a:headEnd type="none" w="med" len="med"/>
-                      <a:tailEnd type="none" w="med" len="med"/>
-                    </a:lnB>
-                    <a:lnTlToBr>
-                      <a:noFill/>
-                    </a:lnTlToBr>
-                    <a:lnBlToTr>
-                      <a:noFill/>
-                    </a:lnBlToTr>
-                    <a:noFill/>
-                  </a:tcPr>
-                </a:tc>
-                <a:tc>
-                  <a:txBody>
-                    <a:bodyPr/>
-                    <a:lstStyle/>
-                    <a:p>
-                      <a:pPr marL="0" marR="0" lvl="0" indent="0" algn="ctr" defTabSz="914400" rtl="0" eaLnBrk="1" fontAlgn="base" latinLnBrk="0" hangingPunct="1">
-                        <a:lnSpc>
-                          <a:spcPct val="100000"/>
-                        </a:lnSpc>
-                        <a:spcBef>
-                          <a:spcPct val="20000"/>
-                        </a:spcBef>
-                        <a:spcAft>
-                          <a:spcPct val="0"/>
-                        </a:spcAft>
-                        <a:buClr>
-                          <a:schemeClr val="tx1"/>
-                        </a:buClr>
-                        <a:buSzTx/>
-                        <a:buFontTx/>
-                        <a:buNone/>
-                        <a:tabLst/>
-                      </a:pPr>
-                      <a:r>
-                        <a:rPr kumimoji="0" lang="en-US" sz="1400" b="0" i="0" u="none" strike="noStrike" cap="none" normalizeH="0" baseline="0" dirty="0">
-                          <a:ln>
-                            <a:noFill/>
-                          </a:ln>
-                          <a:solidFill>
-                            <a:schemeClr val="tx1"/>
-                          </a:solidFill>
-                          <a:effectLst/>
-                          <a:latin typeface="+mn-lt"/>
-                        </a:rPr>
-                        <a:t>Date</a:t>
-                      </a:r>
-                    </a:p>
-                  </a:txBody>
-                  <a:tcPr anchor="ctr" horzOverflow="overflow">
-                    <a:lnL w="6350" cap="flat" cmpd="sng" algn="ctr">
-                      <a:solidFill>
-                        <a:schemeClr val="tx2">
-                          <a:lumMod val="90000"/>
-                        </a:schemeClr>
-                      </a:solidFill>
-                      <a:prstDash val="solid"/>
-                      <a:round/>
-                      <a:headEnd type="none" w="med" len="med"/>
-                      <a:tailEnd type="none" w="med" len="med"/>
-                    </a:lnL>
-                    <a:lnR w="6350" cap="flat" cmpd="sng" algn="ctr">
-                      <a:solidFill>
-                        <a:schemeClr val="tx2">
-                          <a:lumMod val="90000"/>
-                        </a:schemeClr>
-                      </a:solidFill>
-                      <a:prstDash val="solid"/>
-                      <a:round/>
-                      <a:headEnd type="none" w="med" len="med"/>
-                      <a:tailEnd type="none" w="med" len="med"/>
-                    </a:lnR>
-                    <a:lnT w="12700" cap="flat" cmpd="sng" algn="ctr">
-                      <a:noFill/>
-                      <a:prstDash val="solid"/>
-                      <a:round/>
-                      <a:headEnd type="none" w="med" len="med"/>
-                      <a:tailEnd type="none" w="med" len="med"/>
-                    </a:lnT>
-                    <a:lnB w="12700" cap="flat" cmpd="sng" algn="ctr">
-                      <a:noFill/>
-                      <a:prstDash val="solid"/>
-                      <a:round/>
-                      <a:headEnd type="none" w="med" len="med"/>
-                      <a:tailEnd type="none" w="med" len="med"/>
-                    </a:lnB>
-                    <a:lnTlToBr>
-                      <a:noFill/>
-                    </a:lnTlToBr>
-                    <a:lnBlToTr>
-                      <a:noFill/>
-                    </a:lnBlToTr>
-                    <a:noFill/>
-                  </a:tcPr>
-                </a:tc>
-                <a:tc>
-                  <a:txBody>
-                    <a:bodyPr/>
-                    <a:lstStyle/>
-                    <a:p>
-                      <a:pPr marL="0" marR="0" lvl="0" indent="0" algn="ctr" defTabSz="914400" rtl="0" eaLnBrk="1" fontAlgn="base" latinLnBrk="0" hangingPunct="1">
-                        <a:lnSpc>
-                          <a:spcPct val="100000"/>
-                        </a:lnSpc>
-                        <a:spcBef>
-                          <a:spcPct val="20000"/>
-                        </a:spcBef>
-                        <a:spcAft>
-                          <a:spcPct val="0"/>
-                        </a:spcAft>
-                        <a:buClr>
-                          <a:schemeClr val="tx1"/>
-                        </a:buClr>
-                        <a:buSzTx/>
-                        <a:buFontTx/>
-                        <a:buNone/>
-                        <a:tabLst/>
-                      </a:pPr>
-                      <a:r>
-                        <a:rPr kumimoji="0" lang="en-US" sz="1400" b="0" i="0" u="none" strike="noStrike" cap="none" normalizeH="0" baseline="0" dirty="0">
-                          <a:ln>
-                            <a:noFill/>
-                          </a:ln>
-                          <a:solidFill>
-                            <a:schemeClr val="tx1"/>
-                          </a:solidFill>
-                          <a:effectLst/>
-                          <a:latin typeface="+mn-lt"/>
-                        </a:rPr>
-                        <a:t>Date</a:t>
-                      </a:r>
-                    </a:p>
-                  </a:txBody>
-                  <a:tcPr anchor="ctr" horzOverflow="overflow">
-                    <a:lnL w="6350" cap="flat" cmpd="sng" algn="ctr">
-                      <a:solidFill>
-                        <a:schemeClr val="tx2">
-                          <a:lumMod val="90000"/>
-                        </a:schemeClr>
-                      </a:solidFill>
-                      <a:prstDash val="solid"/>
-                      <a:round/>
-                      <a:headEnd type="none" w="med" len="med"/>
-                      <a:tailEnd type="none" w="med" len="med"/>
-                    </a:lnL>
-                    <a:lnR w="6350" cap="flat" cmpd="sng" algn="ctr">
-                      <a:solidFill>
-                        <a:schemeClr val="tx2">
-                          <a:lumMod val="90000"/>
-                        </a:schemeClr>
-                      </a:solidFill>
-                      <a:prstDash val="solid"/>
-                      <a:round/>
-                      <a:headEnd type="none" w="med" len="med"/>
-                      <a:tailEnd type="none" w="med" len="med"/>
-                    </a:lnR>
-                    <a:lnT w="12700" cap="flat" cmpd="sng" algn="ctr">
-                      <a:noFill/>
-                      <a:prstDash val="solid"/>
-                      <a:round/>
-                      <a:headEnd type="none" w="med" len="med"/>
-                      <a:tailEnd type="none" w="med" len="med"/>
-                    </a:lnT>
-                    <a:lnB w="12700" cap="flat" cmpd="sng" algn="ctr">
-                      <a:noFill/>
-                      <a:prstDash val="solid"/>
-                      <a:round/>
-                      <a:headEnd type="none" w="med" len="med"/>
-                      <a:tailEnd type="none" w="med" len="med"/>
-                    </a:lnB>
-                    <a:lnTlToBr>
-                      <a:noFill/>
-                    </a:lnTlToBr>
-                    <a:lnBlToTr>
-                      <a:noFill/>
-                    </a:lnBlToTr>
-                    <a:noFill/>
-                  </a:tcPr>
-                </a:tc>
-                <a:tc>
-                  <a:txBody>
-                    <a:bodyPr/>
-                    <a:lstStyle/>
-                    <a:p>
-                      <a:pPr marL="0" marR="0" lvl="0" indent="0" algn="ctr" defTabSz="914400" rtl="0" eaLnBrk="1" fontAlgn="base" latinLnBrk="0" hangingPunct="1">
-                        <a:lnSpc>
-                          <a:spcPct val="100000"/>
-                        </a:lnSpc>
-                        <a:spcBef>
-                          <a:spcPct val="20000"/>
-                        </a:spcBef>
-                        <a:spcAft>
-                          <a:spcPct val="0"/>
-                        </a:spcAft>
-                        <a:buClr>
-                          <a:schemeClr val="tx1"/>
-                        </a:buClr>
-                        <a:buSzTx/>
-                        <a:buFontTx/>
-                        <a:buNone/>
-                        <a:tabLst/>
-                      </a:pPr>
-                      <a:r>
-                        <a:rPr kumimoji="0" lang="en-US" sz="1400" b="0" i="0" u="none" strike="noStrike" cap="none" normalizeH="0" baseline="0" dirty="0">
-                          <a:ln>
-                            <a:noFill/>
-                          </a:ln>
-                          <a:solidFill>
-                            <a:schemeClr val="tx1"/>
-                          </a:solidFill>
-                          <a:effectLst/>
-                          <a:latin typeface="+mn-lt"/>
-                        </a:rPr>
-                        <a:t>Date</a:t>
-                      </a:r>
-                    </a:p>
-                  </a:txBody>
-                  <a:tcPr anchor="ctr" horzOverflow="overflow">
-                    <a:lnL w="6350" cap="flat" cmpd="sng" algn="ctr">
-                      <a:solidFill>
-                        <a:schemeClr val="tx2">
-                          <a:lumMod val="90000"/>
-                        </a:schemeClr>
-                      </a:solidFill>
-                      <a:prstDash val="solid"/>
-                      <a:round/>
-                      <a:headEnd type="none" w="med" len="med"/>
-                      <a:tailEnd type="none" w="med" len="med"/>
-                    </a:lnL>
-                    <a:lnR w="6350" cap="flat" cmpd="sng" algn="ctr">
-                      <a:solidFill>
-                        <a:schemeClr val="tx2">
-                          <a:lumMod val="90000"/>
-                        </a:schemeClr>
-                      </a:solidFill>
-                      <a:prstDash val="solid"/>
-                      <a:round/>
-                      <a:headEnd type="none" w="med" len="med"/>
-                      <a:tailEnd type="none" w="med" len="med"/>
-                    </a:lnR>
-                    <a:lnT w="12700" cap="flat" cmpd="sng" algn="ctr">
-                      <a:noFill/>
-                      <a:prstDash val="solid"/>
-                      <a:round/>
-                      <a:headEnd type="none" w="med" len="med"/>
-                      <a:tailEnd type="none" w="med" len="med"/>
-                    </a:lnT>
-                    <a:lnB w="12700" cap="flat" cmpd="sng" algn="ctr">
-                      <a:noFill/>
-                      <a:prstDash val="solid"/>
-                      <a:round/>
-                      <a:headEnd type="none" w="med" len="med"/>
-                      <a:tailEnd type="none" w="med" len="med"/>
-                    </a:lnB>
-                    <a:lnTlToBr>
-                      <a:noFill/>
-                    </a:lnTlToBr>
-                    <a:lnBlToTr>
-                      <a:noFill/>
-                    </a:lnBlToTr>
-                    <a:noFill/>
-                  </a:tcPr>
-                </a:tc>
-                <a:tc>
-                  <a:txBody>
-                    <a:bodyPr/>
-                    <a:lstStyle/>
-                    <a:p>
-                      <a:pPr marL="0" marR="0" lvl="0" indent="0" algn="ctr" defTabSz="914400" rtl="0" eaLnBrk="1" fontAlgn="base" latinLnBrk="0" hangingPunct="1">
-                        <a:lnSpc>
-                          <a:spcPct val="100000"/>
-                        </a:lnSpc>
-                        <a:spcBef>
-                          <a:spcPct val="20000"/>
-                        </a:spcBef>
-                        <a:spcAft>
-                          <a:spcPct val="0"/>
-                        </a:spcAft>
-                        <a:buClr>
-                          <a:schemeClr val="tx1"/>
-                        </a:buClr>
-                        <a:buSzTx/>
-                        <a:buFontTx/>
-                        <a:buNone/>
-                        <a:tabLst/>
-                      </a:pPr>
-                      <a:r>
-                        <a:rPr kumimoji="0" lang="en-US" sz="1400" b="0" i="0" u="none" strike="noStrike" cap="none" normalizeH="0" baseline="0" dirty="0">
-                          <a:ln>
-                            <a:noFill/>
-                          </a:ln>
-                          <a:solidFill>
-                            <a:schemeClr val="tx1"/>
-                          </a:solidFill>
-                          <a:effectLst/>
-                          <a:latin typeface="+mn-lt"/>
-                        </a:rPr>
-                        <a:t>Date</a:t>
-                      </a:r>
-                    </a:p>
-                  </a:txBody>
-                  <a:tcPr anchor="ctr" horzOverflow="overflow">
-                    <a:lnL w="6350" cap="flat" cmpd="sng" algn="ctr">
-                      <a:solidFill>
-                        <a:schemeClr val="tx2">
-                          <a:lumMod val="90000"/>
-                        </a:schemeClr>
-                      </a:solidFill>
-                      <a:prstDash val="solid"/>
-                      <a:round/>
-                      <a:headEnd type="none" w="med" len="med"/>
-                      <a:tailEnd type="none" w="med" len="med"/>
-                    </a:lnL>
-                    <a:lnR w="6350" cap="flat" cmpd="sng" algn="ctr">
-                      <a:solidFill>
-                        <a:schemeClr val="tx2">
-                          <a:lumMod val="90000"/>
-                        </a:schemeClr>
-                      </a:solidFill>
-                      <a:prstDash val="solid"/>
-                      <a:round/>
-                      <a:headEnd type="none" w="med" len="med"/>
-                      <a:tailEnd type="none" w="med" len="med"/>
-                    </a:lnR>
-                    <a:lnT w="12700" cap="flat" cmpd="sng" algn="ctr">
-                      <a:noFill/>
-                      <a:prstDash val="solid"/>
-                      <a:round/>
-                      <a:headEnd type="none" w="med" len="med"/>
-                      <a:tailEnd type="none" w="med" len="med"/>
-                    </a:lnT>
-                    <a:lnB w="12700" cap="flat" cmpd="sng" algn="ctr">
-                      <a:noFill/>
-                      <a:prstDash val="solid"/>
-                      <a:round/>
-                      <a:headEnd type="none" w="med" len="med"/>
-                      <a:tailEnd type="none" w="med" len="med"/>
-                    </a:lnB>
-                    <a:lnTlToBr>
-                      <a:noFill/>
-                    </a:lnTlToBr>
-                    <a:lnBlToTr>
-                      <a:noFill/>
-                    </a:lnBlToTr>
-                    <a:noFill/>
-                  </a:tcPr>
-                </a:tc>
-                <a:tc>
-                  <a:txBody>
-                    <a:bodyPr/>
-                    <a:lstStyle/>
-                    <a:p>
-                      <a:pPr marL="0" marR="0" lvl="0" indent="0" algn="ctr" defTabSz="914400" rtl="0" eaLnBrk="1" fontAlgn="base" latinLnBrk="0" hangingPunct="1">
-                        <a:lnSpc>
-                          <a:spcPct val="100000"/>
-                        </a:lnSpc>
-                        <a:spcBef>
-                          <a:spcPct val="20000"/>
-                        </a:spcBef>
-                        <a:spcAft>
-                          <a:spcPct val="0"/>
-                        </a:spcAft>
-                        <a:buClr>
-                          <a:schemeClr val="tx1"/>
-                        </a:buClr>
-                        <a:buSzTx/>
-                        <a:buFontTx/>
-                        <a:buNone/>
-                        <a:tabLst/>
-                      </a:pPr>
-                      <a:r>
-                        <a:rPr kumimoji="0" lang="en-US" sz="1400" b="0" i="0" u="none" strike="noStrike" cap="none" normalizeH="0" baseline="0" dirty="0">
-                          <a:ln>
-                            <a:noFill/>
-                          </a:ln>
-                          <a:solidFill>
-                            <a:schemeClr val="tx1"/>
-                          </a:solidFill>
-                          <a:effectLst/>
-                          <a:latin typeface="+mn-lt"/>
-                        </a:rPr>
-                        <a:t>Date</a:t>
-                      </a:r>
-                    </a:p>
-                  </a:txBody>
-                  <a:tcPr anchor="ctr" horzOverflow="overflow">
-                    <a:lnL w="6350" cap="flat" cmpd="sng" algn="ctr">
-                      <a:solidFill>
-                        <a:schemeClr val="tx2">
-                          <a:lumMod val="90000"/>
-                        </a:schemeClr>
-                      </a:solidFill>
-                      <a:prstDash val="solid"/>
-                      <a:round/>
-                      <a:headEnd type="none" w="med" len="med"/>
-                      <a:tailEnd type="none" w="med" len="med"/>
-                    </a:lnL>
-                    <a:lnR w="28575" cap="flat" cmpd="sng" algn="ctr">
-                      <a:noFill/>
-                      <a:prstDash val="solid"/>
-                      <a:round/>
-                      <a:headEnd type="none" w="med" len="med"/>
-                      <a:tailEnd type="none" w="med" len="med"/>
-                    </a:lnR>
-                    <a:lnT w="12700" cap="flat" cmpd="sng" algn="ctr">
-                      <a:noFill/>
-                      <a:prstDash val="solid"/>
-                      <a:round/>
-                      <a:headEnd type="none" w="med" len="med"/>
-                      <a:tailEnd type="none" w="med" len="med"/>
-                    </a:lnT>
-                    <a:lnB w="12700" cap="flat" cmpd="sng" algn="ctr">
-                      <a:noFill/>
-                      <a:prstDash val="solid"/>
-                      <a:round/>
-                      <a:headEnd type="none" w="med" len="med"/>
-                      <a:tailEnd type="none" w="med" len="med"/>
-                    </a:lnB>
-                    <a:lnTlToBr>
-                      <a:noFill/>
-                    </a:lnTlToBr>
-                    <a:lnBlToTr>
-                      <a:noFill/>
-                    </a:lnBlToTr>
-                    <a:noFill/>
-                  </a:tcPr>
-                </a:tc>
-                <a:extLst>
-                  <a:ext uri="{0D108BD9-81ED-4DB2-BD59-A6C34878D82A}">
-                    <a16:rowId xmlns:a16="http://schemas.microsoft.com/office/drawing/2014/main" val="10001"/>
-                  </a:ext>
-                </a:extLst>
-              </a:tr>
-              <a:tr h="1737360">
-                <a:tc>
-                  <a:txBody>
-                    <a:bodyPr/>
-                    <a:lstStyle/>
-                    <a:p>
-                      <a:pPr marL="0" marR="0" lvl="0" indent="0" algn="ctr" defTabSz="914400" rtl="0" eaLnBrk="1" fontAlgn="base" latinLnBrk="0" hangingPunct="1">
-                        <a:lnSpc>
-                          <a:spcPct val="100000"/>
-                        </a:lnSpc>
-                        <a:spcBef>
-                          <a:spcPct val="20000"/>
-                        </a:spcBef>
-                        <a:spcAft>
-                          <a:spcPct val="0"/>
-                        </a:spcAft>
-                        <a:buClr>
-                          <a:schemeClr val="tx1"/>
-                        </a:buClr>
-                        <a:buSzTx/>
-                        <a:buFontTx/>
-                        <a:buNone/>
-                        <a:tabLst/>
-                      </a:pPr>
-                      <a:r>
-                        <a:rPr kumimoji="0" lang="en-US" sz="1400" b="0" i="0" u="none" strike="noStrike" cap="none" normalizeH="0" baseline="0" dirty="0">
-                          <a:ln>
-                            <a:noFill/>
-                          </a:ln>
-                          <a:solidFill>
-                            <a:schemeClr val="tx1"/>
-                          </a:solidFill>
-                          <a:effectLst/>
-                          <a:latin typeface="+mn-lt"/>
-                        </a:rPr>
-                        <a:t>Description</a:t>
-                      </a:r>
-                    </a:p>
-                  </a:txBody>
-                  <a:tcPr marT="182880" horzOverflow="overflow">
-                    <a:lnL w="28575" cap="flat" cmpd="sng" algn="ctr">
-                      <a:noFill/>
-                      <a:prstDash val="solid"/>
-                      <a:round/>
-                      <a:headEnd type="none" w="med" len="med"/>
-                      <a:tailEnd type="none" w="med" len="med"/>
-                    </a:lnL>
-                    <a:lnR w="6350" cap="flat" cmpd="sng" algn="ctr">
-                      <a:solidFill>
-                        <a:schemeClr val="tx2">
-                          <a:lumMod val="90000"/>
-                        </a:schemeClr>
-                      </a:solidFill>
-                      <a:prstDash val="solid"/>
-                      <a:round/>
-                      <a:headEnd type="none" w="med" len="med"/>
-                      <a:tailEnd type="none" w="med" len="med"/>
-                    </a:lnR>
-                    <a:lnT w="12700" cap="flat" cmpd="sng" algn="ctr">
-                      <a:noFill/>
-                      <a:prstDash val="solid"/>
-                      <a:round/>
-                      <a:headEnd type="none" w="med" len="med"/>
-                      <a:tailEnd type="none" w="med" len="med"/>
-                    </a:lnT>
-                    <a:lnB w="28575" cap="flat" cmpd="sng" algn="ctr">
-                      <a:noFill/>
-                      <a:prstDash val="solid"/>
-                      <a:round/>
-                      <a:headEnd type="none" w="med" len="med"/>
-                      <a:tailEnd type="none" w="med" len="med"/>
-                    </a:lnB>
-                    <a:lnTlToBr>
-                      <a:noFill/>
-                    </a:lnTlToBr>
-                    <a:lnBlToTr>
-                      <a:noFill/>
-                    </a:lnBlToTr>
-                    <a:noFill/>
-                  </a:tcPr>
-                </a:tc>
-                <a:tc>
-                  <a:txBody>
-                    <a:bodyPr/>
-                    <a:lstStyle/>
-                    <a:p>
-                      <a:pPr marL="0" marR="0" lvl="0" indent="0" algn="ctr" defTabSz="914400" rtl="0" eaLnBrk="1" fontAlgn="base" latinLnBrk="0" hangingPunct="1">
-                        <a:lnSpc>
-                          <a:spcPct val="100000"/>
-                        </a:lnSpc>
-                        <a:spcBef>
-                          <a:spcPct val="20000"/>
-                        </a:spcBef>
-                        <a:spcAft>
-                          <a:spcPct val="0"/>
-                        </a:spcAft>
-                        <a:buClr>
-                          <a:schemeClr val="tx1"/>
-                        </a:buClr>
-                        <a:buSzTx/>
-                        <a:buFontTx/>
-                        <a:buNone/>
-                        <a:tabLst/>
-                      </a:pPr>
-                      <a:r>
-                        <a:rPr kumimoji="0" lang="en-US" sz="1400" b="0" i="0" u="none" strike="noStrike" cap="none" normalizeH="0" baseline="0" dirty="0">
-                          <a:ln>
-                            <a:noFill/>
-                          </a:ln>
-                          <a:solidFill>
-                            <a:schemeClr val="tx1"/>
-                          </a:solidFill>
-                          <a:effectLst/>
-                          <a:latin typeface="+mn-lt"/>
-                        </a:rPr>
-                        <a:t>Description</a:t>
-                      </a:r>
-                    </a:p>
-                  </a:txBody>
-                  <a:tcPr marT="182880" horzOverflow="overflow">
-                    <a:lnL w="6350" cap="flat" cmpd="sng" algn="ctr">
-                      <a:solidFill>
-                        <a:schemeClr val="tx2">
-                          <a:lumMod val="90000"/>
-                        </a:schemeClr>
-                      </a:solidFill>
-                      <a:prstDash val="solid"/>
-                      <a:round/>
-                      <a:headEnd type="none" w="med" len="med"/>
-                      <a:tailEnd type="none" w="med" len="med"/>
-                    </a:lnL>
-                    <a:lnR w="6350" cap="flat" cmpd="sng" algn="ctr">
-                      <a:solidFill>
-                        <a:schemeClr val="tx2">
-                          <a:lumMod val="90000"/>
-                        </a:schemeClr>
-                      </a:solidFill>
-                      <a:prstDash val="solid"/>
-                      <a:round/>
-                      <a:headEnd type="none" w="med" len="med"/>
-                      <a:tailEnd type="none" w="med" len="med"/>
-                    </a:lnR>
-                    <a:lnT w="12700" cap="flat" cmpd="sng" algn="ctr">
-                      <a:noFill/>
-                      <a:prstDash val="solid"/>
-                      <a:round/>
-                      <a:headEnd type="none" w="med" len="med"/>
-                      <a:tailEnd type="none" w="med" len="med"/>
-                    </a:lnT>
-                    <a:lnB w="28575" cap="flat" cmpd="sng" algn="ctr">
-                      <a:noFill/>
-                      <a:prstDash val="solid"/>
-                      <a:round/>
-                      <a:headEnd type="none" w="med" len="med"/>
-                      <a:tailEnd type="none" w="med" len="med"/>
-                    </a:lnB>
-                    <a:lnTlToBr>
-                      <a:noFill/>
-                    </a:lnTlToBr>
-                    <a:lnBlToTr>
-                      <a:noFill/>
-                    </a:lnBlToTr>
-                    <a:noFill/>
-                  </a:tcPr>
-                </a:tc>
-                <a:tc>
-                  <a:txBody>
-                    <a:bodyPr/>
-                    <a:lstStyle/>
-                    <a:p>
-                      <a:pPr marL="0" marR="0" lvl="0" indent="0" algn="ctr" defTabSz="914400" rtl="0" eaLnBrk="1" fontAlgn="base" latinLnBrk="0" hangingPunct="1">
-                        <a:lnSpc>
-                          <a:spcPct val="100000"/>
-                        </a:lnSpc>
-                        <a:spcBef>
-                          <a:spcPct val="20000"/>
-                        </a:spcBef>
-                        <a:spcAft>
-                          <a:spcPct val="0"/>
-                        </a:spcAft>
-                        <a:buClr>
-                          <a:schemeClr val="tx1"/>
-                        </a:buClr>
-                        <a:buSzTx/>
-                        <a:buFontTx/>
-                        <a:buNone/>
-                        <a:tabLst/>
-                      </a:pPr>
-                      <a:r>
-                        <a:rPr kumimoji="0" lang="en-US" sz="1400" b="0" i="0" u="none" strike="noStrike" cap="none" normalizeH="0" baseline="0" dirty="0">
-                          <a:ln>
-                            <a:noFill/>
-                          </a:ln>
-                          <a:solidFill>
-                            <a:schemeClr val="tx1"/>
-                          </a:solidFill>
-                          <a:effectLst/>
-                          <a:latin typeface="+mn-lt"/>
-                        </a:rPr>
-                        <a:t>Description</a:t>
-                      </a:r>
-                    </a:p>
-                  </a:txBody>
-                  <a:tcPr marT="182880" horzOverflow="overflow">
-                    <a:lnL w="6350" cap="flat" cmpd="sng" algn="ctr">
-                      <a:solidFill>
-                        <a:schemeClr val="tx2">
-                          <a:lumMod val="90000"/>
-                        </a:schemeClr>
-                      </a:solidFill>
-                      <a:prstDash val="solid"/>
-                      <a:round/>
-                      <a:headEnd type="none" w="med" len="med"/>
-                      <a:tailEnd type="none" w="med" len="med"/>
-                    </a:lnL>
-                    <a:lnR w="6350" cap="flat" cmpd="sng" algn="ctr">
-                      <a:solidFill>
-                        <a:schemeClr val="tx2">
-                          <a:lumMod val="90000"/>
-                        </a:schemeClr>
-                      </a:solidFill>
-                      <a:prstDash val="solid"/>
-                      <a:round/>
-                      <a:headEnd type="none" w="med" len="med"/>
-                      <a:tailEnd type="none" w="med" len="med"/>
-                    </a:lnR>
-                    <a:lnT w="12700" cap="flat" cmpd="sng" algn="ctr">
-                      <a:noFill/>
-                      <a:prstDash val="solid"/>
-                      <a:round/>
-                      <a:headEnd type="none" w="med" len="med"/>
-                      <a:tailEnd type="none" w="med" len="med"/>
-                    </a:lnT>
-                    <a:lnB w="28575" cap="flat" cmpd="sng" algn="ctr">
-                      <a:noFill/>
-                      <a:prstDash val="solid"/>
-                      <a:round/>
-                      <a:headEnd type="none" w="med" len="med"/>
-                      <a:tailEnd type="none" w="med" len="med"/>
-                    </a:lnB>
-                    <a:lnTlToBr>
-                      <a:noFill/>
-                    </a:lnTlToBr>
-                    <a:lnBlToTr>
-                      <a:noFill/>
-                    </a:lnBlToTr>
-                    <a:noFill/>
-                  </a:tcPr>
-                </a:tc>
-                <a:tc>
-                  <a:txBody>
-                    <a:bodyPr/>
-                    <a:lstStyle/>
-                    <a:p>
-                      <a:pPr marL="0" marR="0" lvl="0" indent="0" algn="ctr" defTabSz="914400" rtl="0" eaLnBrk="1" fontAlgn="base" latinLnBrk="0" hangingPunct="1">
-                        <a:lnSpc>
-                          <a:spcPct val="100000"/>
-                        </a:lnSpc>
-                        <a:spcBef>
-                          <a:spcPct val="20000"/>
-                        </a:spcBef>
-                        <a:spcAft>
-                          <a:spcPct val="0"/>
-                        </a:spcAft>
-                        <a:buClr>
-                          <a:schemeClr val="tx1"/>
-                        </a:buClr>
-                        <a:buSzTx/>
-                        <a:buFontTx/>
-                        <a:buNone/>
-                        <a:tabLst/>
-                      </a:pPr>
-                      <a:r>
-                        <a:rPr kumimoji="0" lang="en-US" sz="1400" b="0" i="0" u="none" strike="noStrike" cap="none" normalizeH="0" baseline="0" dirty="0">
-                          <a:ln>
-                            <a:noFill/>
-                          </a:ln>
-                          <a:solidFill>
-                            <a:schemeClr val="tx1"/>
-                          </a:solidFill>
-                          <a:effectLst/>
-                          <a:latin typeface="+mn-lt"/>
-                        </a:rPr>
-                        <a:t>Description</a:t>
-                      </a:r>
-                    </a:p>
-                  </a:txBody>
-                  <a:tcPr marT="182880" horzOverflow="overflow">
-                    <a:lnL w="6350" cap="flat" cmpd="sng" algn="ctr">
-                      <a:solidFill>
-                        <a:schemeClr val="tx2">
-                          <a:lumMod val="90000"/>
-                        </a:schemeClr>
-                      </a:solidFill>
-                      <a:prstDash val="solid"/>
-                      <a:round/>
-                      <a:headEnd type="none" w="med" len="med"/>
-                      <a:tailEnd type="none" w="med" len="med"/>
-                    </a:lnL>
-                    <a:lnR w="6350" cap="flat" cmpd="sng" algn="ctr">
-                      <a:solidFill>
-                        <a:schemeClr val="tx2">
-                          <a:lumMod val="90000"/>
-                        </a:schemeClr>
-                      </a:solidFill>
-                      <a:prstDash val="solid"/>
-                      <a:round/>
-                      <a:headEnd type="none" w="med" len="med"/>
-                      <a:tailEnd type="none" w="med" len="med"/>
-                    </a:lnR>
-                    <a:lnT w="12700" cap="flat" cmpd="sng" algn="ctr">
-                      <a:noFill/>
-                      <a:prstDash val="solid"/>
-                      <a:round/>
-                      <a:headEnd type="none" w="med" len="med"/>
-                      <a:tailEnd type="none" w="med" len="med"/>
-                    </a:lnT>
-                    <a:lnB w="28575" cap="flat" cmpd="sng" algn="ctr">
-                      <a:noFill/>
-                      <a:prstDash val="solid"/>
-                      <a:round/>
-                      <a:headEnd type="none" w="med" len="med"/>
-                      <a:tailEnd type="none" w="med" len="med"/>
-                    </a:lnB>
-                    <a:lnTlToBr>
-                      <a:noFill/>
-                    </a:lnTlToBr>
-                    <a:lnBlToTr>
-                      <a:noFill/>
-                    </a:lnBlToTr>
-                    <a:noFill/>
-                  </a:tcPr>
-                </a:tc>
-                <a:tc>
-                  <a:txBody>
-                    <a:bodyPr/>
-                    <a:lstStyle/>
-                    <a:p>
-                      <a:pPr marL="0" marR="0" lvl="0" indent="0" algn="ctr" defTabSz="914400" rtl="0" eaLnBrk="1" fontAlgn="base" latinLnBrk="0" hangingPunct="1">
-                        <a:lnSpc>
-                          <a:spcPct val="100000"/>
-                        </a:lnSpc>
-                        <a:spcBef>
-                          <a:spcPct val="20000"/>
-                        </a:spcBef>
-                        <a:spcAft>
-                          <a:spcPct val="0"/>
-                        </a:spcAft>
-                        <a:buClr>
-                          <a:schemeClr val="tx1"/>
-                        </a:buClr>
-                        <a:buSzTx/>
-                        <a:buFontTx/>
-                        <a:buNone/>
-                        <a:tabLst/>
-                      </a:pPr>
-                      <a:r>
-                        <a:rPr kumimoji="0" lang="en-US" sz="1400" b="0" i="0" u="none" strike="noStrike" cap="none" normalizeH="0" baseline="0" dirty="0">
-                          <a:ln>
-                            <a:noFill/>
-                          </a:ln>
-                          <a:solidFill>
-                            <a:schemeClr val="tx1"/>
-                          </a:solidFill>
-                          <a:effectLst/>
-                          <a:latin typeface="+mn-lt"/>
-                        </a:rPr>
-                        <a:t>Description</a:t>
-                      </a:r>
-                    </a:p>
-                  </a:txBody>
-                  <a:tcPr marT="182880" horzOverflow="overflow">
-                    <a:lnL w="6350" cap="flat" cmpd="sng" algn="ctr">
-                      <a:solidFill>
-                        <a:schemeClr val="tx2">
-                          <a:lumMod val="90000"/>
-                        </a:schemeClr>
-                      </a:solidFill>
-                      <a:prstDash val="solid"/>
-                      <a:round/>
-                      <a:headEnd type="none" w="med" len="med"/>
-                      <a:tailEnd type="none" w="med" len="med"/>
-                    </a:lnL>
-                    <a:lnR w="6350" cap="flat" cmpd="sng" algn="ctr">
-                      <a:solidFill>
-                        <a:schemeClr val="tx2">
-                          <a:lumMod val="90000"/>
-                        </a:schemeClr>
-                      </a:solidFill>
-                      <a:prstDash val="solid"/>
-                      <a:round/>
-                      <a:headEnd type="none" w="med" len="med"/>
-                      <a:tailEnd type="none" w="med" len="med"/>
-                    </a:lnR>
-                    <a:lnT w="12700" cap="flat" cmpd="sng" algn="ctr">
-                      <a:noFill/>
-                      <a:prstDash val="solid"/>
-                      <a:round/>
-                      <a:headEnd type="none" w="med" len="med"/>
-                      <a:tailEnd type="none" w="med" len="med"/>
-                    </a:lnT>
-                    <a:lnB w="28575" cap="flat" cmpd="sng" algn="ctr">
-                      <a:noFill/>
-                      <a:prstDash val="solid"/>
-                      <a:round/>
-                      <a:headEnd type="none" w="med" len="med"/>
-                      <a:tailEnd type="none" w="med" len="med"/>
-                    </a:lnB>
-                    <a:lnTlToBr>
-                      <a:noFill/>
-                    </a:lnTlToBr>
-                    <a:lnBlToTr>
-                      <a:noFill/>
-                    </a:lnBlToTr>
-                    <a:noFill/>
-                  </a:tcPr>
-                </a:tc>
-                <a:tc>
-                  <a:txBody>
-                    <a:bodyPr/>
-                    <a:lstStyle/>
-                    <a:p>
-                      <a:pPr marL="0" marR="0" lvl="0" indent="0" algn="ctr" defTabSz="914400" rtl="0" eaLnBrk="1" fontAlgn="base" latinLnBrk="0" hangingPunct="1">
-                        <a:lnSpc>
-                          <a:spcPct val="100000"/>
-                        </a:lnSpc>
-                        <a:spcBef>
-                          <a:spcPct val="20000"/>
-                        </a:spcBef>
-                        <a:spcAft>
-                          <a:spcPct val="0"/>
-                        </a:spcAft>
-                        <a:buClr>
-                          <a:schemeClr val="tx1"/>
-                        </a:buClr>
-                        <a:buSzTx/>
-                        <a:buFontTx/>
-                        <a:buNone/>
-                        <a:tabLst/>
-                      </a:pPr>
-                      <a:r>
-                        <a:rPr kumimoji="0" lang="en-US" sz="1400" b="0" i="0" u="none" strike="noStrike" cap="none" normalizeH="0" baseline="0" dirty="0">
-                          <a:ln>
-                            <a:noFill/>
-                          </a:ln>
-                          <a:solidFill>
-                            <a:schemeClr val="tx1"/>
-                          </a:solidFill>
-                          <a:effectLst/>
-                          <a:latin typeface="+mn-lt"/>
-                        </a:rPr>
-                        <a:t>Description</a:t>
-                      </a:r>
-                    </a:p>
-                  </a:txBody>
-                  <a:tcPr marT="182880" horzOverflow="overflow">
-                    <a:lnL w="6350" cap="flat" cmpd="sng" algn="ctr">
-                      <a:solidFill>
-                        <a:schemeClr val="tx2">
-                          <a:lumMod val="90000"/>
-                        </a:schemeClr>
-                      </a:solidFill>
-                      <a:prstDash val="solid"/>
-                      <a:round/>
-                      <a:headEnd type="none" w="med" len="med"/>
-                      <a:tailEnd type="none" w="med" len="med"/>
-                    </a:lnL>
-                    <a:lnR w="28575" cap="flat" cmpd="sng" algn="ctr">
-                      <a:noFill/>
-                      <a:prstDash val="solid"/>
-                      <a:round/>
-                      <a:headEnd type="none" w="med" len="med"/>
-                      <a:tailEnd type="none" w="med" len="med"/>
-                    </a:lnR>
-                    <a:lnT w="12700" cap="flat" cmpd="sng" algn="ctr">
-                      <a:noFill/>
-                      <a:prstDash val="solid"/>
-                      <a:round/>
-                      <a:headEnd type="none" w="med" len="med"/>
-                      <a:tailEnd type="none" w="med" len="med"/>
-                    </a:lnT>
-                    <a:lnB w="28575" cap="flat" cmpd="sng" algn="ctr">
-                      <a:noFill/>
-                      <a:prstDash val="solid"/>
-                      <a:round/>
-                      <a:headEnd type="none" w="med" len="med"/>
-                      <a:tailEnd type="none" w="med" len="med"/>
-                    </a:lnB>
-                    <a:lnTlToBr>
-                      <a:noFill/>
-                    </a:lnTlToBr>
-                    <a:lnBlToTr>
-                      <a:noFill/>
-                    </a:lnBlToTr>
-                    <a:noFill/>
-                  </a:tcPr>
-                </a:tc>
-                <a:extLst>
-                  <a:ext uri="{0D108BD9-81ED-4DB2-BD59-A6C34878D82A}">
-                    <a16:rowId xmlns:a16="http://schemas.microsoft.com/office/drawing/2014/main" val="10002"/>
-                  </a:ext>
-                </a:extLst>
-              </a:tr>
-            </a:tbl>
-          </a:graphicData>
-        </a:graphic>
-      </p:graphicFrame>
+          <p:cNvPicPr>
+            <a:picLocks noChangeAspect="1"/>
+          </p:cNvPicPr>
+          <p:nvPr/>
+        </p:nvPicPr>
+        <p:blipFill>
+          <a:blip r:embed="rId4"/>
+          <a:stretch>
+            <a:fillRect/>
+          </a:stretch>
+        </p:blipFill>
+        <p:spPr>
+          <a:xfrm>
+            <a:off x="762000" y="3090332"/>
+            <a:ext cx="5479187" cy="1202267"/>
+          </a:xfrm>
+          <a:prstGeom prst="rect">
+            <a:avLst/>
+          </a:prstGeom>
+        </p:spPr>
+      </p:pic>
     </p:spTree>
     <p:extLst>
       <p:ext uri="{BB962C8B-B14F-4D97-AF65-F5344CB8AC3E}">
-        <p14:creationId xmlns:p14="http://schemas.microsoft.com/office/powerpoint/2010/main" val="551686880"/>
+        <p14:creationId xmlns:p14="http://schemas.microsoft.com/office/powerpoint/2010/main" val="3855154251"/>
       </p:ext>
     </p:extLst>
   </p:cSld>
@@ -7900,10 +5819,10 @@
       </p:sp>
       <p:pic>
         <p:nvPicPr>
-          <p:cNvPr id="13" name="Picture 12">
+          <p:cNvPr id="8" name="Picture 7">
             <a:extLst>
               <a:ext uri="{FF2B5EF4-FFF2-40B4-BE49-F238E27FC236}">
-                <a16:creationId xmlns:a16="http://schemas.microsoft.com/office/drawing/2014/main" id="{276E5664-198B-45AD-9652-467139338843}"/>
+                <a16:creationId xmlns:a16="http://schemas.microsoft.com/office/drawing/2014/main" id="{1A28170D-3D95-4358-BF1B-1390FAF19560}"/>
               </a:ext>
             </a:extLst>
           </p:cNvPr>
@@ -7920,8 +5839,8 @@
         </p:blipFill>
         <p:spPr>
           <a:xfrm>
-            <a:off x="762000" y="1938129"/>
-            <a:ext cx="3677163" cy="3743847"/>
+            <a:off x="5968999" y="2078635"/>
+            <a:ext cx="5832289" cy="3941165"/>
           </a:xfrm>
           <a:prstGeom prst="rect">
             <a:avLst/>
@@ -7930,10 +5849,10 @@
       </p:pic>
       <p:pic>
         <p:nvPicPr>
-          <p:cNvPr id="15" name="Picture 14">
+          <p:cNvPr id="9" name="Picture 8">
             <a:extLst>
               <a:ext uri="{FF2B5EF4-FFF2-40B4-BE49-F238E27FC236}">
-                <a16:creationId xmlns:a16="http://schemas.microsoft.com/office/drawing/2014/main" id="{54776B93-9D0F-4B5D-898D-6079F1C8383E}"/>
+                <a16:creationId xmlns:a16="http://schemas.microsoft.com/office/drawing/2014/main" id="{86C71529-A674-4E69-9E2A-17E13ED8D9DC}"/>
               </a:ext>
             </a:extLst>
           </p:cNvPr>
@@ -7950,8 +5869,8 @@
         </p:blipFill>
         <p:spPr>
           <a:xfrm>
-            <a:off x="5874927" y="1557076"/>
-            <a:ext cx="5877745" cy="4505954"/>
+            <a:off x="465783" y="2084312"/>
+            <a:ext cx="5147618" cy="3935488"/>
           </a:xfrm>
           <a:prstGeom prst="rect">
             <a:avLst/>
@@ -7961,7 +5880,7 @@
     </p:spTree>
     <p:extLst>
       <p:ext uri="{BB962C8B-B14F-4D97-AF65-F5344CB8AC3E}">
-        <p14:creationId xmlns:p14="http://schemas.microsoft.com/office/powerpoint/2010/main" val="3477364328"/>
+        <p14:creationId xmlns:p14="http://schemas.microsoft.com/office/powerpoint/2010/main" val="2116748675"/>
       </p:ext>
     </p:extLst>
   </p:cSld>
@@ -7989,7 +5908,258 @@
     <p:bg>
       <p:bgPr>
         <a:solidFill>
-          <a:schemeClr val="accent3"/>
+          <a:schemeClr val="accent1"/>
+        </a:solidFill>
+        <a:effectLst/>
+      </p:bgPr>
+    </p:bg>
+    <p:spTree>
+      <p:nvGrpSpPr>
+        <p:cNvPr id="1" name=""/>
+        <p:cNvGrpSpPr/>
+        <p:nvPr/>
+      </p:nvGrpSpPr>
+      <p:grpSpPr>
+        <a:xfrm>
+          <a:off x="0" y="0"/>
+          <a:ext cx="0" cy="0"/>
+          <a:chOff x="0" y="0"/>
+          <a:chExt cx="0" cy="0"/>
+        </a:xfrm>
+      </p:grpSpPr>
+      <p:sp>
+        <p:nvSpPr>
+          <p:cNvPr id="3" name="Title 2">
+            <a:extLst>
+              <a:ext uri="{FF2B5EF4-FFF2-40B4-BE49-F238E27FC236}">
+                <a16:creationId xmlns:a16="http://schemas.microsoft.com/office/drawing/2014/main" id="{87FFCC38-D58E-4E17-AA29-4F5F2A66F1EA}"/>
+              </a:ext>
+            </a:extLst>
+          </p:cNvPr>
+          <p:cNvSpPr>
+            <a:spLocks noGrp="1"/>
+          </p:cNvSpPr>
+          <p:nvPr>
+            <p:ph type="title"/>
+          </p:nvPr>
+        </p:nvSpPr>
+        <p:spPr/>
+        <p:txBody>
+          <a:bodyPr>
+            <a:normAutofit/>
+          </a:bodyPr>
+          <a:lstStyle/>
+          <a:p>
+            <a:r>
+              <a:rPr lang="en-US" dirty="0">
+                <a:latin typeface="Calibri Light" panose="020F0302020204030204" pitchFamily="34" charset="0"/>
+                <a:ea typeface="Calibri Light" panose="020F0302020204030204" pitchFamily="34" charset="0"/>
+                <a:cs typeface="Calibri Light" panose="020F0302020204030204" pitchFamily="34" charset="0"/>
+              </a:rPr>
+              <a:t>Step by Step Procedure</a:t>
+            </a:r>
+            <a:br>
+              <a:rPr lang="en-US" dirty="0">
+                <a:latin typeface="Calibri Light" panose="020F0302020204030204" pitchFamily="34" charset="0"/>
+                <a:ea typeface="Calibri Light" panose="020F0302020204030204" pitchFamily="34" charset="0"/>
+                <a:cs typeface="Calibri Light" panose="020F0302020204030204" pitchFamily="34" charset="0"/>
+              </a:rPr>
+            </a:br>
+            <a:endParaRPr lang="en-US" dirty="0">
+              <a:latin typeface="Calibri Light" panose="020F0302020204030204" pitchFamily="34" charset="0"/>
+              <a:ea typeface="Calibri Light" panose="020F0302020204030204" pitchFamily="34" charset="0"/>
+              <a:cs typeface="Calibri Light" panose="020F0302020204030204" pitchFamily="34" charset="0"/>
+            </a:endParaRPr>
+          </a:p>
+        </p:txBody>
+      </p:sp>
+      <p:sp>
+        <p:nvSpPr>
+          <p:cNvPr id="9219" name="Rectangle 8">
+            <a:extLst>
+              <a:ext uri="{FF2B5EF4-FFF2-40B4-BE49-F238E27FC236}">
+                <a16:creationId xmlns:a16="http://schemas.microsoft.com/office/drawing/2014/main" id="{A17D04F1-4318-4DD6-B27E-D66AE4D426B2}"/>
+              </a:ext>
+            </a:extLst>
+          </p:cNvPr>
+          <p:cNvSpPr>
+            <a:spLocks noGrp="1" noChangeArrowheads="1"/>
+          </p:cNvSpPr>
+          <p:nvPr>
+            <p:ph type="body" sz="quarter" idx="11"/>
+          </p:nvPr>
+        </p:nvSpPr>
+        <p:spPr>
+          <a:xfrm>
+            <a:off x="761999" y="1905000"/>
+            <a:ext cx="8957733" cy="3276600"/>
+          </a:xfrm>
+        </p:spPr>
+        <p:txBody>
+          <a:bodyPr wrap="square" anchor="t">
+            <a:normAutofit lnSpcReduction="10000"/>
+          </a:bodyPr>
+          <a:lstStyle/>
+          <a:p>
+            <a:pPr marL="285750" indent="-285750">
+              <a:buFont typeface="Arial" panose="020B0604020202020204" pitchFamily="34" charset="0"/>
+              <a:buChar char="•"/>
+            </a:pPr>
+            <a:r>
+              <a:rPr lang="en-US" altLang="en-US" dirty="0">
+                <a:latin typeface="Calibri Light" panose="020F0302020204030204" pitchFamily="34" charset="0"/>
+                <a:ea typeface="Calibri Light" panose="020F0302020204030204" pitchFamily="34" charset="0"/>
+                <a:cs typeface="Calibri Light" panose="020F0302020204030204" pitchFamily="34" charset="0"/>
+              </a:rPr>
+              <a:t>Raugh Drawing of UI Interface to determine necessary Swing components </a:t>
+            </a:r>
+          </a:p>
+          <a:p>
+            <a:pPr marL="285750" indent="-285750">
+              <a:buFont typeface="Arial" panose="020B0604020202020204" pitchFamily="34" charset="0"/>
+              <a:buChar char="•"/>
+            </a:pPr>
+            <a:r>
+              <a:rPr lang="en-US" altLang="en-US" dirty="0">
+                <a:latin typeface="Calibri Light" panose="020F0302020204030204" pitchFamily="34" charset="0"/>
+                <a:ea typeface="Calibri Light" panose="020F0302020204030204" pitchFamily="34" charset="0"/>
+                <a:cs typeface="Calibri Light" panose="020F0302020204030204" pitchFamily="34" charset="0"/>
+              </a:rPr>
+              <a:t>Drawing UML Class Diagram according to requirement</a:t>
+            </a:r>
+          </a:p>
+          <a:p>
+            <a:pPr marL="285750" indent="-285750">
+              <a:buFont typeface="Arial" panose="020B0604020202020204" pitchFamily="34" charset="0"/>
+              <a:buChar char="•"/>
+            </a:pPr>
+            <a:r>
+              <a:rPr lang="en-US" altLang="en-US" dirty="0">
+                <a:latin typeface="Calibri Light" panose="020F0302020204030204" pitchFamily="34" charset="0"/>
+                <a:ea typeface="Calibri Light" panose="020F0302020204030204" pitchFamily="34" charset="0"/>
+                <a:cs typeface="Calibri Light" panose="020F0302020204030204" pitchFamily="34" charset="0"/>
+              </a:rPr>
+              <a:t>Writing Basic Classes (Address, Person, Student, Database, …) as running back-end side </a:t>
+            </a:r>
+          </a:p>
+          <a:p>
+            <a:pPr marL="285750" indent="-285750">
+              <a:buFont typeface="Arial" panose="020B0604020202020204" pitchFamily="34" charset="0"/>
+              <a:buChar char="•"/>
+            </a:pPr>
+            <a:r>
+              <a:rPr lang="en-US" altLang="en-US" dirty="0">
+                <a:latin typeface="Calibri Light" panose="020F0302020204030204" pitchFamily="34" charset="0"/>
+                <a:ea typeface="Calibri Light" panose="020F0302020204030204" pitchFamily="34" charset="0"/>
+                <a:cs typeface="Calibri Light" panose="020F0302020204030204" pitchFamily="34" charset="0"/>
+              </a:rPr>
+              <a:t>Drag and Drop GUI Components to design User Interface (UI)</a:t>
+            </a:r>
+          </a:p>
+          <a:p>
+            <a:pPr marL="285750" indent="-285750">
+              <a:buFont typeface="Arial" panose="020B0604020202020204" pitchFamily="34" charset="0"/>
+              <a:buChar char="•"/>
+            </a:pPr>
+            <a:r>
+              <a:rPr lang="en-US" altLang="en-US" dirty="0">
+                <a:latin typeface="Calibri Light" panose="020F0302020204030204" pitchFamily="34" charset="0"/>
+                <a:ea typeface="Calibri Light" panose="020F0302020204030204" pitchFamily="34" charset="0"/>
+                <a:cs typeface="Calibri Light" panose="020F0302020204030204" pitchFamily="34" charset="0"/>
+              </a:rPr>
+              <a:t>Defining instructions(code) for GUI components in respective code blocks</a:t>
+            </a:r>
+          </a:p>
+          <a:p>
+            <a:pPr marL="285750" indent="-285750">
+              <a:buFont typeface="Arial" panose="020B0604020202020204" pitchFamily="34" charset="0"/>
+              <a:buChar char="•"/>
+            </a:pPr>
+            <a:r>
+              <a:rPr lang="en-US" altLang="en-US" dirty="0">
+                <a:latin typeface="Calibri Light" panose="020F0302020204030204" pitchFamily="34" charset="0"/>
+                <a:ea typeface="Calibri Light" panose="020F0302020204030204" pitchFamily="34" charset="0"/>
+                <a:cs typeface="Calibri Light" panose="020F0302020204030204" pitchFamily="34" charset="0"/>
+              </a:rPr>
+              <a:t>Implement ActionListener Interface</a:t>
+            </a:r>
+          </a:p>
+          <a:p>
+            <a:pPr marL="285750" indent="-285750">
+              <a:buFont typeface="Arial" panose="020B0604020202020204" pitchFamily="34" charset="0"/>
+              <a:buChar char="•"/>
+            </a:pPr>
+            <a:r>
+              <a:rPr lang="en-US" altLang="en-US" dirty="0">
+                <a:latin typeface="Calibri Light" panose="020F0302020204030204" pitchFamily="34" charset="0"/>
+                <a:ea typeface="Calibri Light" panose="020F0302020204030204" pitchFamily="34" charset="0"/>
+                <a:cs typeface="Calibri Light" panose="020F0302020204030204" pitchFamily="34" charset="0"/>
+              </a:rPr>
+              <a:t>Implement Serialization and Deserialization</a:t>
+            </a:r>
+          </a:p>
+          <a:p>
+            <a:pPr marL="285750" indent="-285750">
+              <a:buFont typeface="Arial" panose="020B0604020202020204" pitchFamily="34" charset="0"/>
+              <a:buChar char="•"/>
+            </a:pPr>
+            <a:r>
+              <a:rPr lang="en-US" altLang="en-US" dirty="0">
+                <a:latin typeface="Calibri Light" panose="020F0302020204030204" pitchFamily="34" charset="0"/>
+                <a:ea typeface="Calibri Light" panose="020F0302020204030204" pitchFamily="34" charset="0"/>
+                <a:cs typeface="Calibri Light" panose="020F0302020204030204" pitchFamily="34" charset="0"/>
+              </a:rPr>
+              <a:t>Testing and Bug Fixing </a:t>
+            </a:r>
+          </a:p>
+          <a:p>
+            <a:pPr marL="285750" indent="-285750">
+              <a:buFont typeface="Arial" panose="020B0604020202020204" pitchFamily="34" charset="0"/>
+              <a:buChar char="•"/>
+            </a:pPr>
+            <a:r>
+              <a:rPr lang="en-US" altLang="en-US" dirty="0">
+                <a:latin typeface="Calibri Light" panose="020F0302020204030204" pitchFamily="34" charset="0"/>
+                <a:ea typeface="Calibri Light" panose="020F0302020204030204" pitchFamily="34" charset="0"/>
+                <a:cs typeface="Calibri Light" panose="020F0302020204030204" pitchFamily="34" charset="0"/>
+              </a:rPr>
+              <a:t>Export to executable JAR file</a:t>
+            </a:r>
+          </a:p>
+        </p:txBody>
+      </p:sp>
+    </p:spTree>
+    <p:extLst>
+      <p:ext uri="{BB962C8B-B14F-4D97-AF65-F5344CB8AC3E}">
+        <p14:creationId xmlns:p14="http://schemas.microsoft.com/office/powerpoint/2010/main" val="2671048786"/>
+      </p:ext>
+    </p:extLst>
+  </p:cSld>
+  <p:clrMapOvr>
+    <a:masterClrMapping/>
+  </p:clrMapOvr>
+  <mc:AlternateContent xmlns:mc="http://schemas.openxmlformats.org/markup-compatibility/2006" xmlns:p14="http://schemas.microsoft.com/office/powerpoint/2010/main">
+    <mc:Choice Requires="p14">
+      <p:transition spd="med" p14:dur="700">
+        <p:fade/>
+      </p:transition>
+    </mc:Choice>
+    <mc:Fallback xmlns="">
+      <p:transition spd="med">
+        <p:fade/>
+      </p:transition>
+    </mc:Fallback>
+  </mc:AlternateContent>
+</p:sld>
+</file>
+
+<file path=ppt/slides/slide7.xml><?xml version="1.0" encoding="utf-8"?>
+<p:sld xmlns:a="http://schemas.openxmlformats.org/drawingml/2006/main" xmlns:r="http://schemas.openxmlformats.org/officeDocument/2006/relationships" xmlns:p="http://schemas.openxmlformats.org/presentationml/2006/main">
+  <p:cSld>
+    <p:bg>
+      <p:bgPr>
+        <a:solidFill>
+          <a:schemeClr val="accent1"/>
         </a:solidFill>
         <a:effectLst/>
       </p:bgPr>
@@ -8013,7 +6183,7 @@
           <p:cNvPr id="4" name="Title 3">
             <a:extLst>
               <a:ext uri="{FF2B5EF4-FFF2-40B4-BE49-F238E27FC236}">
-                <a16:creationId xmlns:a16="http://schemas.microsoft.com/office/drawing/2014/main" id="{B8742495-1611-4261-AF87-C516307C0D14}"/>
+                <a16:creationId xmlns:a16="http://schemas.microsoft.com/office/drawing/2014/main" id="{FD9E38B3-4686-8247-9625-49018D29F408}"/>
               </a:ext>
             </a:extLst>
           </p:cNvPr>
@@ -8026,28 +6196,32 @@
         </p:nvSpPr>
         <p:spPr>
           <a:xfrm>
-            <a:off x="762000" y="716577"/>
-            <a:ext cx="10668000" cy="615553"/>
+            <a:off x="1525301" y="175134"/>
+            <a:ext cx="9141397" cy="615553"/>
           </a:xfrm>
         </p:spPr>
         <p:txBody>
           <a:bodyPr/>
           <a:lstStyle/>
           <a:p>
-            <a:r>
-              <a:rPr lang="en-US" dirty="0"/>
-              <a:t>Project Demonstration</a:t>
-            </a:r>
-            <a:endParaRPr lang="en-GB" dirty="0"/>
+            <a:pPr algn="ctr"/>
+            <a:r>
+              <a:rPr lang="en-US" sz="4000" b="1" dirty="0">
+                <a:solidFill>
+                  <a:schemeClr val="tx1"/>
+                </a:solidFill>
+              </a:rPr>
+              <a:t>UML Class Diagram</a:t>
+            </a:r>
           </a:p>
         </p:txBody>
       </p:sp>
       <p:pic>
         <p:nvPicPr>
-          <p:cNvPr id="6" name="Picture 5">
+          <p:cNvPr id="3" name="Picture 2">
             <a:extLst>
               <a:ext uri="{FF2B5EF4-FFF2-40B4-BE49-F238E27FC236}">
-                <a16:creationId xmlns:a16="http://schemas.microsoft.com/office/drawing/2014/main" id="{B4895149-612F-41BF-B936-A4A25B21C386}"/>
+                <a16:creationId xmlns:a16="http://schemas.microsoft.com/office/drawing/2014/main" id="{A6342552-C3B5-4992-946E-164D89EB5EDF}"/>
               </a:ext>
             </a:extLst>
           </p:cNvPr>
@@ -8064,205 +6238,31 @@
         </p:blipFill>
         <p:spPr>
           <a:xfrm>
-            <a:off x="6459559" y="1690884"/>
-            <a:ext cx="5227423" cy="4032583"/>
+            <a:off x="3659476" y="921531"/>
+            <a:ext cx="4873046" cy="5761335"/>
           </a:xfrm>
           <a:prstGeom prst="rect">
             <a:avLst/>
           </a:prstGeom>
         </p:spPr>
       </p:pic>
-      <p:pic>
-        <p:nvPicPr>
-          <p:cNvPr id="9" name="Picture 8">
-            <a:extLst>
-              <a:ext uri="{FF2B5EF4-FFF2-40B4-BE49-F238E27FC236}">
-                <a16:creationId xmlns:a16="http://schemas.microsoft.com/office/drawing/2014/main" id="{F79C1620-9CB5-438D-A465-9D27E053B008}"/>
-              </a:ext>
-            </a:extLst>
-          </p:cNvPr>
-          <p:cNvPicPr>
-            <a:picLocks noChangeAspect="1"/>
-          </p:cNvPicPr>
-          <p:nvPr/>
-        </p:nvPicPr>
-        <p:blipFill>
-          <a:blip r:embed="rId4"/>
-          <a:stretch>
-            <a:fillRect/>
-          </a:stretch>
-        </p:blipFill>
-        <p:spPr>
-          <a:xfrm>
-            <a:off x="762000" y="3090332"/>
-            <a:ext cx="5479187" cy="1202267"/>
-          </a:xfrm>
-          <a:prstGeom prst="rect">
-            <a:avLst/>
-          </a:prstGeom>
-        </p:spPr>
-      </p:pic>
     </p:spTree>
     <p:extLst>
       <p:ext uri="{BB962C8B-B14F-4D97-AF65-F5344CB8AC3E}">
-        <p14:creationId xmlns:p14="http://schemas.microsoft.com/office/powerpoint/2010/main" val="3855154251"/>
+        <p14:creationId xmlns:p14="http://schemas.microsoft.com/office/powerpoint/2010/main" val="85230843"/>
       </p:ext>
     </p:extLst>
   </p:cSld>
   <p:clrMapOvr>
     <a:masterClrMapping/>
   </p:clrMapOvr>
-  <mc:AlternateContent xmlns:mc="http://schemas.openxmlformats.org/markup-compatibility/2006">
-    <mc:Choice xmlns:p14="http://schemas.microsoft.com/office/powerpoint/2010/main" Requires="p14">
+  <mc:AlternateContent xmlns:mc="http://schemas.openxmlformats.org/markup-compatibility/2006" xmlns:p14="http://schemas.microsoft.com/office/powerpoint/2010/main">
+    <mc:Choice Requires="p14">
       <p:transition spd="med" p14:dur="700">
         <p:fade/>
       </p:transition>
     </mc:Choice>
-    <mc:Fallback>
-      <p:transition spd="med">
-        <p:fade/>
-      </p:transition>
-    </mc:Fallback>
-  </mc:AlternateContent>
-</p:sld>
-</file>
-
-<file path=ppt/slides/slide7.xml><?xml version="1.0" encoding="utf-8"?>
-<p:sld xmlns:a="http://schemas.openxmlformats.org/drawingml/2006/main" xmlns:r="http://schemas.openxmlformats.org/officeDocument/2006/relationships" xmlns:p="http://schemas.openxmlformats.org/presentationml/2006/main">
-  <p:cSld>
-    <p:bg>
-      <p:bgPr>
-        <a:solidFill>
-          <a:schemeClr val="accent3"/>
-        </a:solidFill>
-        <a:effectLst/>
-      </p:bgPr>
-    </p:bg>
-    <p:spTree>
-      <p:nvGrpSpPr>
-        <p:cNvPr id="1" name=""/>
-        <p:cNvGrpSpPr/>
-        <p:nvPr/>
-      </p:nvGrpSpPr>
-      <p:grpSpPr>
-        <a:xfrm>
-          <a:off x="0" y="0"/>
-          <a:ext cx="0" cy="0"/>
-          <a:chOff x="0" y="0"/>
-          <a:chExt cx="0" cy="0"/>
-        </a:xfrm>
-      </p:grpSpPr>
-      <p:sp>
-        <p:nvSpPr>
-          <p:cNvPr id="4" name="Title 3">
-            <a:extLst>
-              <a:ext uri="{FF2B5EF4-FFF2-40B4-BE49-F238E27FC236}">
-                <a16:creationId xmlns:a16="http://schemas.microsoft.com/office/drawing/2014/main" id="{B8742495-1611-4261-AF87-C516307C0D14}"/>
-              </a:ext>
-            </a:extLst>
-          </p:cNvPr>
-          <p:cNvSpPr>
-            <a:spLocks noGrp="1"/>
-          </p:cNvSpPr>
-          <p:nvPr>
-            <p:ph type="title"/>
-          </p:nvPr>
-        </p:nvSpPr>
-        <p:spPr>
-          <a:xfrm>
-            <a:off x="762000" y="716577"/>
-            <a:ext cx="10668000" cy="615553"/>
-          </a:xfrm>
-        </p:spPr>
-        <p:txBody>
-          <a:bodyPr/>
-          <a:lstStyle/>
-          <a:p>
-            <a:r>
-              <a:rPr lang="en-US" dirty="0"/>
-              <a:t>Project Demonstration</a:t>
-            </a:r>
-            <a:endParaRPr lang="en-GB" dirty="0"/>
-          </a:p>
-        </p:txBody>
-      </p:sp>
-      <p:pic>
-        <p:nvPicPr>
-          <p:cNvPr id="8" name="Picture 7">
-            <a:extLst>
-              <a:ext uri="{FF2B5EF4-FFF2-40B4-BE49-F238E27FC236}">
-                <a16:creationId xmlns:a16="http://schemas.microsoft.com/office/drawing/2014/main" id="{1A28170D-3D95-4358-BF1B-1390FAF19560}"/>
-              </a:ext>
-            </a:extLst>
-          </p:cNvPr>
-          <p:cNvPicPr>
-            <a:picLocks noChangeAspect="1"/>
-          </p:cNvPicPr>
-          <p:nvPr/>
-        </p:nvPicPr>
-        <p:blipFill>
-          <a:blip r:embed="rId3"/>
-          <a:stretch>
-            <a:fillRect/>
-          </a:stretch>
-        </p:blipFill>
-        <p:spPr>
-          <a:xfrm>
-            <a:off x="5968999" y="2078635"/>
-            <a:ext cx="5832289" cy="3941165"/>
-          </a:xfrm>
-          <a:prstGeom prst="rect">
-            <a:avLst/>
-          </a:prstGeom>
-        </p:spPr>
-      </p:pic>
-      <p:pic>
-        <p:nvPicPr>
-          <p:cNvPr id="9" name="Picture 8">
-            <a:extLst>
-              <a:ext uri="{FF2B5EF4-FFF2-40B4-BE49-F238E27FC236}">
-                <a16:creationId xmlns:a16="http://schemas.microsoft.com/office/drawing/2014/main" id="{86C71529-A674-4E69-9E2A-17E13ED8D9DC}"/>
-              </a:ext>
-            </a:extLst>
-          </p:cNvPr>
-          <p:cNvPicPr>
-            <a:picLocks noChangeAspect="1"/>
-          </p:cNvPicPr>
-          <p:nvPr/>
-        </p:nvPicPr>
-        <p:blipFill>
-          <a:blip r:embed="rId4"/>
-          <a:stretch>
-            <a:fillRect/>
-          </a:stretch>
-        </p:blipFill>
-        <p:spPr>
-          <a:xfrm>
-            <a:off x="465783" y="2084312"/>
-            <a:ext cx="5147618" cy="3935488"/>
-          </a:xfrm>
-          <a:prstGeom prst="rect">
-            <a:avLst/>
-          </a:prstGeom>
-        </p:spPr>
-      </p:pic>
-    </p:spTree>
-    <p:extLst>
-      <p:ext uri="{BB962C8B-B14F-4D97-AF65-F5344CB8AC3E}">
-        <p14:creationId xmlns:p14="http://schemas.microsoft.com/office/powerpoint/2010/main" val="2116748675"/>
-      </p:ext>
-    </p:extLst>
-  </p:cSld>
-  <p:clrMapOvr>
-    <a:masterClrMapping/>
-  </p:clrMapOvr>
-  <mc:AlternateContent xmlns:mc="http://schemas.openxmlformats.org/markup-compatibility/2006">
-    <mc:Choice xmlns:p14="http://schemas.microsoft.com/office/powerpoint/2010/main" Requires="p14">
-      <p:transition spd="med" p14:dur="700">
-        <p:fade/>
-      </p:transition>
-    </mc:Choice>
-    <mc:Fallback>
+    <mc:Fallback xmlns="">
       <p:transition spd="med">
         <p:fade/>
       </p:transition>
@@ -8298,10 +6298,10 @@
       </p:grpSpPr>
       <p:sp>
         <p:nvSpPr>
-          <p:cNvPr id="3" name="Title 2">
+          <p:cNvPr id="4" name="Title 3">
             <a:extLst>
               <a:ext uri="{FF2B5EF4-FFF2-40B4-BE49-F238E27FC236}">
-                <a16:creationId xmlns:a16="http://schemas.microsoft.com/office/drawing/2014/main" id="{87FFCC38-D58E-4E17-AA29-4F5F2A66F1EA}"/>
+                <a16:creationId xmlns:a16="http://schemas.microsoft.com/office/drawing/2014/main" id="{FD9E38B3-4686-8247-9625-49018D29F408}"/>
               </a:ext>
             </a:extLst>
           </p:cNvPr>
@@ -8312,208 +6312,74 @@
             <p:ph type="title"/>
           </p:nvPr>
         </p:nvSpPr>
-        <p:spPr/>
+        <p:spPr>
+          <a:xfrm>
+            <a:off x="1525301" y="175134"/>
+            <a:ext cx="9141397" cy="615553"/>
+          </a:xfrm>
+        </p:spPr>
         <p:txBody>
-          <a:bodyPr>
-            <a:normAutofit/>
-          </a:bodyPr>
+          <a:bodyPr/>
           <a:lstStyle/>
           <a:p>
-            <a:r>
-              <a:rPr lang="en-US" dirty="0">
-                <a:latin typeface="Calibri Light" panose="020F0302020204030204" pitchFamily="34" charset="0"/>
-                <a:ea typeface="Calibri Light" panose="020F0302020204030204" pitchFamily="34" charset="0"/>
-                <a:cs typeface="Calibri Light" panose="020F0302020204030204" pitchFamily="34" charset="0"/>
+            <a:pPr algn="ctr"/>
+            <a:r>
+              <a:rPr lang="en-US" sz="4000" b="1" dirty="0">
+                <a:solidFill>
+                  <a:schemeClr val="tx1"/>
+                </a:solidFill>
               </a:rPr>
-              <a:t>Step by Step Procedure</a:t>
-            </a:r>
-            <a:br>
-              <a:rPr lang="en-US" dirty="0">
-                <a:latin typeface="Calibri Light" panose="020F0302020204030204" pitchFamily="34" charset="0"/>
-                <a:ea typeface="Calibri Light" panose="020F0302020204030204" pitchFamily="34" charset="0"/>
-                <a:cs typeface="Calibri Light" panose="020F0302020204030204" pitchFamily="34" charset="0"/>
-              </a:rPr>
-            </a:br>
-            <a:endParaRPr lang="en-US" dirty="0">
-              <a:latin typeface="Calibri Light" panose="020F0302020204030204" pitchFamily="34" charset="0"/>
-              <a:ea typeface="Calibri Light" panose="020F0302020204030204" pitchFamily="34" charset="0"/>
-              <a:cs typeface="Calibri Light" panose="020F0302020204030204" pitchFamily="34" charset="0"/>
-            </a:endParaRPr>
+              <a:t>UML Class Diagram (methods only)</a:t>
+            </a:r>
           </a:p>
         </p:txBody>
       </p:sp>
-      <p:sp>
-        <p:nvSpPr>
-          <p:cNvPr id="9219" name="Rectangle 8">
+      <p:pic>
+        <p:nvPicPr>
+          <p:cNvPr id="5" name="Picture 4">
             <a:extLst>
               <a:ext uri="{FF2B5EF4-FFF2-40B4-BE49-F238E27FC236}">
-                <a16:creationId xmlns:a16="http://schemas.microsoft.com/office/drawing/2014/main" id="{A17D04F1-4318-4DD6-B27E-D66AE4D426B2}"/>
+                <a16:creationId xmlns:a16="http://schemas.microsoft.com/office/drawing/2014/main" id="{56FED4D9-2E8E-4D58-8156-AB9ED7A4238B}"/>
               </a:ext>
             </a:extLst>
           </p:cNvPr>
-          <p:cNvSpPr>
-            <a:spLocks noGrp="1" noChangeArrowheads="1"/>
-          </p:cNvSpPr>
-          <p:nvPr>
-            <p:ph type="body" sz="quarter" idx="11"/>
-          </p:nvPr>
-        </p:nvSpPr>
+          <p:cNvPicPr>
+            <a:picLocks noChangeAspect="1"/>
+          </p:cNvPicPr>
+          <p:nvPr/>
+        </p:nvPicPr>
+        <p:blipFill rotWithShape="1">
+          <a:blip r:embed="rId3"/>
+          <a:srcRect t="3514"/>
+          <a:stretch/>
+        </p:blipFill>
         <p:spPr>
           <a:xfrm>
-            <a:off x="761999" y="1905000"/>
-            <a:ext cx="8957733" cy="3276600"/>
+            <a:off x="3383486" y="898830"/>
+            <a:ext cx="5425026" cy="5860236"/>
           </a:xfrm>
-        </p:spPr>
-        <p:txBody>
-          <a:bodyPr wrap="square" anchor="t">
-            <a:normAutofit lnSpcReduction="10000"/>
-          </a:bodyPr>
-          <a:lstStyle/>
-          <a:p>
-            <a:pPr marL="285750" indent="-285750">
-              <a:buFont typeface="Arial" panose="020B0604020202020204" pitchFamily="34" charset="0"/>
-              <a:buChar char="•"/>
-            </a:pPr>
-            <a:r>
-              <a:rPr lang="en-US" altLang="en-US" dirty="0">
-                <a:latin typeface="Calibri Light" panose="020F0302020204030204" pitchFamily="34" charset="0"/>
-                <a:ea typeface="Calibri Light" panose="020F0302020204030204" pitchFamily="34" charset="0"/>
-                <a:cs typeface="Calibri Light" panose="020F0302020204030204" pitchFamily="34" charset="0"/>
-              </a:rPr>
-              <a:t>Raugh Drawing of UI Interface to determine necessary Swing components </a:t>
-            </a:r>
-          </a:p>
-          <a:p>
-            <a:pPr marL="285750" indent="-285750">
-              <a:buFont typeface="Arial" panose="020B0604020202020204" pitchFamily="34" charset="0"/>
-              <a:buChar char="•"/>
-            </a:pPr>
-            <a:r>
-              <a:rPr lang="en-US" altLang="en-US" dirty="0">
-                <a:latin typeface="Calibri Light" panose="020F0302020204030204" pitchFamily="34" charset="0"/>
-                <a:ea typeface="Calibri Light" panose="020F0302020204030204" pitchFamily="34" charset="0"/>
-                <a:cs typeface="Calibri Light" panose="020F0302020204030204" pitchFamily="34" charset="0"/>
-              </a:rPr>
-              <a:t>Drawing UML Class Diagram according to requirement</a:t>
-            </a:r>
-          </a:p>
-          <a:p>
-            <a:pPr marL="285750" indent="-285750">
-              <a:buFont typeface="Arial" panose="020B0604020202020204" pitchFamily="34" charset="0"/>
-              <a:buChar char="•"/>
-            </a:pPr>
-            <a:r>
-              <a:rPr lang="en-US" altLang="en-US" dirty="0">
-                <a:latin typeface="Calibri Light" panose="020F0302020204030204" pitchFamily="34" charset="0"/>
-                <a:ea typeface="Calibri Light" panose="020F0302020204030204" pitchFamily="34" charset="0"/>
-                <a:cs typeface="Calibri Light" panose="020F0302020204030204" pitchFamily="34" charset="0"/>
-              </a:rPr>
-              <a:t>Writing Basic Classes (Address, Person, Student, Database, …) as running back-end side </a:t>
-            </a:r>
-          </a:p>
-          <a:p>
-            <a:pPr marL="285750" indent="-285750">
-              <a:buFont typeface="Arial" panose="020B0604020202020204" pitchFamily="34" charset="0"/>
-              <a:buChar char="•"/>
-            </a:pPr>
-            <a:r>
-              <a:rPr lang="en-US" altLang="en-US" dirty="0">
-                <a:latin typeface="Calibri Light" panose="020F0302020204030204" pitchFamily="34" charset="0"/>
-                <a:ea typeface="Calibri Light" panose="020F0302020204030204" pitchFamily="34" charset="0"/>
-                <a:cs typeface="Calibri Light" panose="020F0302020204030204" pitchFamily="34" charset="0"/>
-              </a:rPr>
-              <a:t>Drag and Drop GUI Components to design User Interface (UI)</a:t>
-            </a:r>
-          </a:p>
-          <a:p>
-            <a:pPr marL="285750" indent="-285750">
-              <a:buFont typeface="Arial" panose="020B0604020202020204" pitchFamily="34" charset="0"/>
-              <a:buChar char="•"/>
-            </a:pPr>
-            <a:r>
-              <a:rPr lang="en-US" altLang="en-US" dirty="0">
-                <a:latin typeface="Calibri Light" panose="020F0302020204030204" pitchFamily="34" charset="0"/>
-                <a:ea typeface="Calibri Light" panose="020F0302020204030204" pitchFamily="34" charset="0"/>
-                <a:cs typeface="Calibri Light" panose="020F0302020204030204" pitchFamily="34" charset="0"/>
-              </a:rPr>
-              <a:t>Defining instructions(code) for GUI components in respective code blocks</a:t>
-            </a:r>
-          </a:p>
-          <a:p>
-            <a:pPr marL="285750" indent="-285750">
-              <a:buFont typeface="Arial" panose="020B0604020202020204" pitchFamily="34" charset="0"/>
-              <a:buChar char="•"/>
-            </a:pPr>
-            <a:r>
-              <a:rPr lang="en-US" altLang="en-US" dirty="0">
-                <a:latin typeface="Calibri Light" panose="020F0302020204030204" pitchFamily="34" charset="0"/>
-                <a:ea typeface="Calibri Light" panose="020F0302020204030204" pitchFamily="34" charset="0"/>
-                <a:cs typeface="Calibri Light" panose="020F0302020204030204" pitchFamily="34" charset="0"/>
-              </a:rPr>
-              <a:t>Implement ActionListener Interface</a:t>
-            </a:r>
-          </a:p>
-          <a:p>
-            <a:pPr marL="285750" indent="-285750">
-              <a:buFont typeface="Arial" panose="020B0604020202020204" pitchFamily="34" charset="0"/>
-              <a:buChar char="•"/>
-            </a:pPr>
-            <a:r>
-              <a:rPr lang="en-US" altLang="en-US" dirty="0">
-                <a:latin typeface="Calibri Light" panose="020F0302020204030204" pitchFamily="34" charset="0"/>
-                <a:ea typeface="Calibri Light" panose="020F0302020204030204" pitchFamily="34" charset="0"/>
-                <a:cs typeface="Calibri Light" panose="020F0302020204030204" pitchFamily="34" charset="0"/>
-              </a:rPr>
-              <a:t>Implement Serialization and Deserialization</a:t>
-            </a:r>
-          </a:p>
-          <a:p>
-            <a:pPr marL="285750" indent="-285750">
-              <a:buFont typeface="Arial" panose="020B0604020202020204" pitchFamily="34" charset="0"/>
-              <a:buChar char="•"/>
-            </a:pPr>
-            <a:r>
-              <a:rPr lang="en-US" altLang="en-US" dirty="0">
-                <a:latin typeface="Calibri Light" panose="020F0302020204030204" pitchFamily="34" charset="0"/>
-                <a:ea typeface="Calibri Light" panose="020F0302020204030204" pitchFamily="34" charset="0"/>
-                <a:cs typeface="Calibri Light" panose="020F0302020204030204" pitchFamily="34" charset="0"/>
-              </a:rPr>
-              <a:t>Testing and Bug Fixing </a:t>
-            </a:r>
-          </a:p>
-          <a:p>
-            <a:pPr marL="285750" indent="-285750">
-              <a:buFont typeface="Arial" panose="020B0604020202020204" pitchFamily="34" charset="0"/>
-              <a:buChar char="•"/>
-            </a:pPr>
-            <a:r>
-              <a:rPr lang="en-US" altLang="en-US" dirty="0">
-                <a:latin typeface="Calibri Light" panose="020F0302020204030204" pitchFamily="34" charset="0"/>
-                <a:ea typeface="Calibri Light" panose="020F0302020204030204" pitchFamily="34" charset="0"/>
-                <a:cs typeface="Calibri Light" panose="020F0302020204030204" pitchFamily="34" charset="0"/>
-              </a:rPr>
-              <a:t>Export to executable JAR file</a:t>
-            </a:r>
-          </a:p>
-        </p:txBody>
-      </p:sp>
+          <a:prstGeom prst="rect">
+            <a:avLst/>
+          </a:prstGeom>
+        </p:spPr>
+      </p:pic>
     </p:spTree>
     <p:extLst>
       <p:ext uri="{BB962C8B-B14F-4D97-AF65-F5344CB8AC3E}">
-        <p14:creationId xmlns:p14="http://schemas.microsoft.com/office/powerpoint/2010/main" val="2671048786"/>
+        <p14:creationId xmlns:p14="http://schemas.microsoft.com/office/powerpoint/2010/main" val="1622870743"/>
       </p:ext>
     </p:extLst>
   </p:cSld>
   <p:clrMapOvr>
     <a:masterClrMapping/>
   </p:clrMapOvr>
-  <mc:AlternateContent xmlns:mc="http://schemas.openxmlformats.org/markup-compatibility/2006" xmlns:p14="http://schemas.microsoft.com/office/powerpoint/2010/main">
-    <mc:Choice Requires="p14">
+  <mc:AlternateContent xmlns:mc="http://schemas.openxmlformats.org/markup-compatibility/2006">
+    <mc:Choice xmlns:p14="http://schemas.microsoft.com/office/powerpoint/2010/main" Requires="p14">
       <p:transition spd="med" p14:dur="700">
         <p:fade/>
       </p:transition>
     </mc:Choice>
-    <mc:Fallback xmlns="">
+    <mc:Fallback>
       <p:transition spd="med">
         <p:fade/>
       </p:transition>
@@ -8525,14 +6391,6 @@
 <file path=ppt/slides/slide9.xml><?xml version="1.0" encoding="utf-8"?>
 <p:sld xmlns:a="http://schemas.openxmlformats.org/drawingml/2006/main" xmlns:r="http://schemas.openxmlformats.org/officeDocument/2006/relationships" xmlns:p="http://schemas.openxmlformats.org/presentationml/2006/main">
   <p:cSld>
-    <p:bg>
-      <p:bgPr>
-        <a:solidFill>
-          <a:schemeClr val="accent1"/>
-        </a:solidFill>
-        <a:effectLst/>
-      </p:bgPr>
-    </p:bg>
     <p:spTree>
       <p:nvGrpSpPr>
         <p:cNvPr id="1" name=""/>
@@ -8549,10 +6407,10 @@
       </p:grpSpPr>
       <p:sp>
         <p:nvSpPr>
-          <p:cNvPr id="4" name="Title 3">
+          <p:cNvPr id="5" name="Title 4">
             <a:extLst>
               <a:ext uri="{FF2B5EF4-FFF2-40B4-BE49-F238E27FC236}">
-                <a16:creationId xmlns:a16="http://schemas.microsoft.com/office/drawing/2014/main" id="{FD9E38B3-4686-8247-9625-49018D29F408}"/>
+                <a16:creationId xmlns:a16="http://schemas.microsoft.com/office/drawing/2014/main" id="{CF037412-7BC5-4AAA-8ED5-FC377A84CB0C}"/>
               </a:ext>
             </a:extLst>
           </p:cNvPr>
@@ -8563,32 +6421,335 @@
             <p:ph type="title"/>
           </p:nvPr>
         </p:nvSpPr>
-        <p:spPr>
-          <a:xfrm>
-            <a:off x="1525301" y="175134"/>
-            <a:ext cx="9141397" cy="615553"/>
-          </a:xfrm>
-        </p:spPr>
+        <p:spPr/>
         <p:txBody>
           <a:bodyPr/>
           <a:lstStyle/>
           <a:p>
-            <a:pPr algn="ctr"/>
-            <a:r>
-              <a:rPr lang="en-US" sz="4000" b="1" dirty="0">
-                <a:solidFill>
-                  <a:schemeClr val="tx1"/>
-                </a:solidFill>
+            <a:r>
+              <a:rPr lang="en-US" dirty="0"/>
+              <a:t>Essential Swing </a:t>
+            </a:r>
+            <a:r>
+              <a:rPr lang="en-GB" dirty="0"/>
+              <a:t>Components </a:t>
+            </a:r>
+            <a:endParaRPr lang="en-US" dirty="0"/>
+          </a:p>
+        </p:txBody>
+      </p:sp>
+      <p:sp>
+        <p:nvSpPr>
+          <p:cNvPr id="3" name="Text Placeholder 2">
+            <a:extLst>
+              <a:ext uri="{FF2B5EF4-FFF2-40B4-BE49-F238E27FC236}">
+                <a16:creationId xmlns:a16="http://schemas.microsoft.com/office/drawing/2014/main" id="{EF99585A-5E1F-40FA-8E64-BB4F04611657}"/>
+              </a:ext>
+            </a:extLst>
+          </p:cNvPr>
+          <p:cNvSpPr>
+            <a:spLocks noGrp="1"/>
+          </p:cNvSpPr>
+          <p:nvPr>
+            <p:ph type="body" sz="quarter" idx="11"/>
+          </p:nvPr>
+        </p:nvSpPr>
+        <p:spPr>
+          <a:xfrm>
+            <a:off x="4457700" y="1904999"/>
+            <a:ext cx="7219043" cy="4588933"/>
+          </a:xfrm>
+        </p:spPr>
+        <p:txBody>
+          <a:bodyPr vert="horz" lIns="91440" tIns="45720" rIns="91440" bIns="45720" rtlCol="0" anchor="t">
+            <a:normAutofit/>
+          </a:bodyPr>
+          <a:lstStyle/>
+          <a:p>
+            <a:pPr marL="285750" indent="-285750">
+              <a:buFont typeface="Arial" panose="020B0604020202020204" pitchFamily="34" charset="0"/>
+              <a:buChar char="•"/>
+            </a:pPr>
+            <a:r>
+              <a:rPr lang="en-GB" dirty="0" err="1">
+                <a:latin typeface="Calibri Light" panose="020F0302020204030204" pitchFamily="34" charset="0"/>
+                <a:ea typeface="Calibri Light" panose="020F0302020204030204" pitchFamily="34" charset="0"/>
+                <a:cs typeface="Calibri Light" panose="020F0302020204030204" pitchFamily="34" charset="0"/>
               </a:rPr>
-              <a:t>UML Class Diagram</a:t>
-            </a:r>
+              <a:t>JFrame</a:t>
+            </a:r>
+            <a:r>
+              <a:rPr lang="en-GB" dirty="0">
+                <a:latin typeface="Calibri Light" panose="020F0302020204030204" pitchFamily="34" charset="0"/>
+                <a:ea typeface="Calibri Light" panose="020F0302020204030204" pitchFamily="34" charset="0"/>
+                <a:cs typeface="Calibri Light" panose="020F0302020204030204" pitchFamily="34" charset="0"/>
+              </a:rPr>
+              <a:t>: </a:t>
+            </a:r>
+            <a:r>
+              <a:rPr lang="en-GB" dirty="0" err="1">
+                <a:latin typeface="Calibri Light" panose="020F0302020204030204" pitchFamily="34" charset="0"/>
+                <a:ea typeface="Calibri Light" panose="020F0302020204030204" pitchFamily="34" charset="0"/>
+                <a:cs typeface="Calibri Light" panose="020F0302020204030204" pitchFamily="34" charset="0"/>
+              </a:rPr>
+              <a:t>JFrame</a:t>
+            </a:r>
+            <a:r>
+              <a:rPr lang="en-GB" dirty="0">
+                <a:latin typeface="Calibri Light" panose="020F0302020204030204" pitchFamily="34" charset="0"/>
+                <a:ea typeface="Calibri Light" panose="020F0302020204030204" pitchFamily="34" charset="0"/>
+                <a:cs typeface="Calibri Light" panose="020F0302020204030204" pitchFamily="34" charset="0"/>
+              </a:rPr>
+              <a:t> represents a window on the screen and holds all the other GUI components.</a:t>
+            </a:r>
+          </a:p>
+          <a:p>
+            <a:pPr marL="285750" indent="-285750">
+              <a:buFont typeface="Arial" panose="020B0604020202020204" pitchFamily="34" charset="0"/>
+              <a:buChar char="•"/>
+            </a:pPr>
+            <a:r>
+              <a:rPr lang="en-GB" dirty="0" err="1">
+                <a:latin typeface="Calibri Light" panose="020F0302020204030204" pitchFamily="34" charset="0"/>
+                <a:ea typeface="Calibri Light" panose="020F0302020204030204" pitchFamily="34" charset="0"/>
+                <a:cs typeface="Calibri Light" panose="020F0302020204030204" pitchFamily="34" charset="0"/>
+              </a:rPr>
+              <a:t>JLabel</a:t>
+            </a:r>
+            <a:r>
+              <a:rPr lang="en-GB" dirty="0">
+                <a:latin typeface="Calibri Light" panose="020F0302020204030204" pitchFamily="34" charset="0"/>
+                <a:ea typeface="Calibri Light" panose="020F0302020204030204" pitchFamily="34" charset="0"/>
+                <a:cs typeface="Calibri Light" panose="020F0302020204030204" pitchFamily="34" charset="0"/>
+              </a:rPr>
+              <a:t>:  </a:t>
+            </a:r>
+            <a:r>
+              <a:rPr lang="en-GB" dirty="0" err="1">
+                <a:latin typeface="Calibri Light" panose="020F0302020204030204" pitchFamily="34" charset="0"/>
+                <a:ea typeface="Calibri Light" panose="020F0302020204030204" pitchFamily="34" charset="0"/>
+                <a:cs typeface="Calibri Light" panose="020F0302020204030204" pitchFamily="34" charset="0"/>
+              </a:rPr>
+              <a:t>JLabel</a:t>
+            </a:r>
+            <a:r>
+              <a:rPr lang="en-GB" dirty="0">
+                <a:latin typeface="Calibri Light" panose="020F0302020204030204" pitchFamily="34" charset="0"/>
+                <a:ea typeface="Calibri Light" panose="020F0302020204030204" pitchFamily="34" charset="0"/>
+                <a:cs typeface="Calibri Light" panose="020F0302020204030204" pitchFamily="34" charset="0"/>
+              </a:rPr>
+              <a:t> displays a text or image on the screen.</a:t>
+            </a:r>
+          </a:p>
+          <a:p>
+            <a:pPr marL="285750" indent="-285750">
+              <a:buFont typeface="Arial" panose="020B0604020202020204" pitchFamily="34" charset="0"/>
+              <a:buChar char="•"/>
+            </a:pPr>
+            <a:r>
+              <a:rPr lang="en-GB" dirty="0" err="1">
+                <a:latin typeface="Calibri Light" panose="020F0302020204030204" pitchFamily="34" charset="0"/>
+                <a:ea typeface="Calibri Light" panose="020F0302020204030204" pitchFamily="34" charset="0"/>
+                <a:cs typeface="Calibri Light" panose="020F0302020204030204" pitchFamily="34" charset="0"/>
+              </a:rPr>
+              <a:t>JButton</a:t>
+            </a:r>
+            <a:r>
+              <a:rPr lang="en-GB" dirty="0">
+                <a:latin typeface="Calibri Light" panose="020F0302020204030204" pitchFamily="34" charset="0"/>
+                <a:ea typeface="Calibri Light" panose="020F0302020204030204" pitchFamily="34" charset="0"/>
+                <a:cs typeface="Calibri Light" panose="020F0302020204030204" pitchFamily="34" charset="0"/>
+              </a:rPr>
+              <a:t>: </a:t>
+            </a:r>
+            <a:r>
+              <a:rPr lang="en-GB" dirty="0" err="1">
+                <a:latin typeface="Calibri Light" panose="020F0302020204030204" pitchFamily="34" charset="0"/>
+                <a:ea typeface="Calibri Light" panose="020F0302020204030204" pitchFamily="34" charset="0"/>
+                <a:cs typeface="Calibri Light" panose="020F0302020204030204" pitchFamily="34" charset="0"/>
+              </a:rPr>
+              <a:t>Jbutton</a:t>
+            </a:r>
+            <a:r>
+              <a:rPr lang="en-GB" dirty="0">
+                <a:latin typeface="Calibri Light" panose="020F0302020204030204" pitchFamily="34" charset="0"/>
+                <a:ea typeface="Calibri Light" panose="020F0302020204030204" pitchFamily="34" charset="0"/>
+                <a:cs typeface="Calibri Light" panose="020F0302020204030204" pitchFamily="34" charset="0"/>
+              </a:rPr>
+              <a:t> is a  clickable button that triggers an action when pressed. </a:t>
+            </a:r>
+          </a:p>
+          <a:p>
+            <a:pPr marL="285750" indent="-285750">
+              <a:buFont typeface="Arial" panose="020B0604020202020204" pitchFamily="34" charset="0"/>
+              <a:buChar char="•"/>
+            </a:pPr>
+            <a:r>
+              <a:rPr lang="en-GB" dirty="0" err="1">
+                <a:latin typeface="Calibri Light" panose="020F0302020204030204" pitchFamily="34" charset="0"/>
+                <a:ea typeface="Calibri Light" panose="020F0302020204030204" pitchFamily="34" charset="0"/>
+                <a:cs typeface="Calibri Light" panose="020F0302020204030204" pitchFamily="34" charset="0"/>
+              </a:rPr>
+              <a:t>JMenuBar</a:t>
+            </a:r>
+            <a:r>
+              <a:rPr lang="en-GB" dirty="0">
+                <a:latin typeface="Calibri Light" panose="020F0302020204030204" pitchFamily="34" charset="0"/>
+                <a:ea typeface="Calibri Light" panose="020F0302020204030204" pitchFamily="34" charset="0"/>
+                <a:cs typeface="Calibri Light" panose="020F0302020204030204" pitchFamily="34" charset="0"/>
+              </a:rPr>
+              <a:t>: </a:t>
+            </a:r>
+            <a:r>
+              <a:rPr lang="en-GB" dirty="0" err="1">
+                <a:latin typeface="Calibri Light" panose="020F0302020204030204" pitchFamily="34" charset="0"/>
+                <a:ea typeface="Calibri Light" panose="020F0302020204030204" pitchFamily="34" charset="0"/>
+                <a:cs typeface="Calibri Light" panose="020F0302020204030204" pitchFamily="34" charset="0"/>
+              </a:rPr>
+              <a:t>JMenuBar</a:t>
+            </a:r>
+            <a:r>
+              <a:rPr lang="en-GB" dirty="0">
+                <a:latin typeface="Calibri Light" panose="020F0302020204030204" pitchFamily="34" charset="0"/>
+                <a:ea typeface="Calibri Light" panose="020F0302020204030204" pitchFamily="34" charset="0"/>
+                <a:cs typeface="Calibri Light" panose="020F0302020204030204" pitchFamily="34" charset="0"/>
+              </a:rPr>
+              <a:t> is a horizontal bar that holds multiple </a:t>
+            </a:r>
+            <a:r>
+              <a:rPr lang="en-GB" dirty="0" err="1">
+                <a:latin typeface="Calibri Light" panose="020F0302020204030204" pitchFamily="34" charset="0"/>
+                <a:ea typeface="Calibri Light" panose="020F0302020204030204" pitchFamily="34" charset="0"/>
+                <a:cs typeface="Calibri Light" panose="020F0302020204030204" pitchFamily="34" charset="0"/>
+              </a:rPr>
+              <a:t>JMenu</a:t>
+            </a:r>
+            <a:r>
+              <a:rPr lang="en-GB" dirty="0">
+                <a:latin typeface="Calibri Light" panose="020F0302020204030204" pitchFamily="34" charset="0"/>
+                <a:ea typeface="Calibri Light" panose="020F0302020204030204" pitchFamily="34" charset="0"/>
+                <a:cs typeface="Calibri Light" panose="020F0302020204030204" pitchFamily="34" charset="0"/>
+              </a:rPr>
+              <a:t> objects and appears at the top of the </a:t>
+            </a:r>
+            <a:r>
+              <a:rPr lang="en-GB" dirty="0" err="1">
+                <a:latin typeface="Calibri Light" panose="020F0302020204030204" pitchFamily="34" charset="0"/>
+                <a:ea typeface="Calibri Light" panose="020F0302020204030204" pitchFamily="34" charset="0"/>
+                <a:cs typeface="Calibri Light" panose="020F0302020204030204" pitchFamily="34" charset="0"/>
+              </a:rPr>
+              <a:t>JFrame</a:t>
+            </a:r>
+            <a:r>
+              <a:rPr lang="en-GB" dirty="0">
+                <a:latin typeface="Calibri Light" panose="020F0302020204030204" pitchFamily="34" charset="0"/>
+                <a:ea typeface="Calibri Light" panose="020F0302020204030204" pitchFamily="34" charset="0"/>
+                <a:cs typeface="Calibri Light" panose="020F0302020204030204" pitchFamily="34" charset="0"/>
+              </a:rPr>
+              <a:t> by default.</a:t>
+            </a:r>
+          </a:p>
+          <a:p>
+            <a:pPr marL="285750" indent="-285750">
+              <a:buFont typeface="Arial" panose="020B0604020202020204" pitchFamily="34" charset="0"/>
+              <a:buChar char="•"/>
+            </a:pPr>
+            <a:r>
+              <a:rPr lang="en-GB" dirty="0" err="1">
+                <a:latin typeface="Calibri Light" panose="020F0302020204030204" pitchFamily="34" charset="0"/>
+                <a:ea typeface="Calibri Light" panose="020F0302020204030204" pitchFamily="34" charset="0"/>
+                <a:cs typeface="Calibri Light" panose="020F0302020204030204" pitchFamily="34" charset="0"/>
+              </a:rPr>
+              <a:t>JMenu</a:t>
+            </a:r>
+            <a:r>
+              <a:rPr lang="en-GB" dirty="0">
+                <a:latin typeface="Calibri Light" panose="020F0302020204030204" pitchFamily="34" charset="0"/>
+                <a:ea typeface="Calibri Light" panose="020F0302020204030204" pitchFamily="34" charset="0"/>
+                <a:cs typeface="Calibri Light" panose="020F0302020204030204" pitchFamily="34" charset="0"/>
+              </a:rPr>
+              <a:t>:  An individual menu within a menu bar. It holds a list of menu items.</a:t>
+            </a:r>
+          </a:p>
+          <a:p>
+            <a:pPr marL="285750" indent="-285750">
+              <a:buFont typeface="Arial" panose="020B0604020202020204" pitchFamily="34" charset="0"/>
+              <a:buChar char="•"/>
+            </a:pPr>
+            <a:r>
+              <a:rPr lang="en-GB" dirty="0" err="1">
+                <a:latin typeface="Calibri Light" panose="020F0302020204030204" pitchFamily="34" charset="0"/>
+                <a:ea typeface="Calibri Light" panose="020F0302020204030204" pitchFamily="34" charset="0"/>
+                <a:cs typeface="Calibri Light" panose="020F0302020204030204" pitchFamily="34" charset="0"/>
+              </a:rPr>
+              <a:t>JRadioButton</a:t>
+            </a:r>
+            <a:r>
+              <a:rPr lang="en-GB" dirty="0">
+                <a:latin typeface="Calibri Light" panose="020F0302020204030204" pitchFamily="34" charset="0"/>
+                <a:ea typeface="Calibri Light" panose="020F0302020204030204" pitchFamily="34" charset="0"/>
+                <a:cs typeface="Calibri Light" panose="020F0302020204030204" pitchFamily="34" charset="0"/>
+              </a:rPr>
+              <a:t>:  A button that represents selection of one option from a set of choices.</a:t>
+            </a:r>
+          </a:p>
+          <a:p>
+            <a:pPr marL="285750" indent="-285750">
+              <a:buFont typeface="Arial" panose="020B0604020202020204" pitchFamily="34" charset="0"/>
+              <a:buChar char="•"/>
+            </a:pPr>
+            <a:r>
+              <a:rPr lang="en-GB" dirty="0" err="1">
+                <a:latin typeface="Calibri Light" panose="020F0302020204030204" pitchFamily="34" charset="0"/>
+                <a:ea typeface="Calibri Light" panose="020F0302020204030204" pitchFamily="34" charset="0"/>
+                <a:cs typeface="Calibri Light" panose="020F0302020204030204" pitchFamily="34" charset="0"/>
+              </a:rPr>
+              <a:t>JTextField</a:t>
+            </a:r>
+            <a:r>
+              <a:rPr lang="en-GB" dirty="0">
+                <a:latin typeface="Calibri Light" panose="020F0302020204030204" pitchFamily="34" charset="0"/>
+                <a:ea typeface="Calibri Light" panose="020F0302020204030204" pitchFamily="34" charset="0"/>
+                <a:cs typeface="Calibri Light" panose="020F0302020204030204" pitchFamily="34" charset="0"/>
+              </a:rPr>
+              <a:t>: </a:t>
+            </a:r>
+            <a:r>
+              <a:rPr lang="en-GB" dirty="0" err="1">
+                <a:effectLst/>
+                <a:latin typeface="Calibri Light" panose="020F0302020204030204" pitchFamily="34" charset="0"/>
+                <a:ea typeface="Calibri Light" panose="020F0302020204030204" pitchFamily="34" charset="0"/>
+                <a:cs typeface="Calibri Light" panose="020F0302020204030204" pitchFamily="34" charset="0"/>
+              </a:rPr>
+              <a:t>JTextField</a:t>
+            </a:r>
+            <a:r>
+              <a:rPr lang="en-GB" dirty="0">
+                <a:effectLst/>
+                <a:latin typeface="Calibri Light" panose="020F0302020204030204" pitchFamily="34" charset="0"/>
+                <a:ea typeface="Calibri Light" panose="020F0302020204030204" pitchFamily="34" charset="0"/>
+                <a:cs typeface="Calibri Light" panose="020F0302020204030204" pitchFamily="34" charset="0"/>
+              </a:rPr>
+              <a:t> is a component used in Java Swing to allow users to input or edit a single line of text. </a:t>
+            </a:r>
+          </a:p>
+          <a:p>
+            <a:pPr marL="285750" indent="-285750">
+              <a:buFont typeface="Arial" panose="020B0604020202020204" pitchFamily="34" charset="0"/>
+              <a:buChar char="•"/>
+            </a:pPr>
+            <a:endParaRPr lang="en-US" dirty="0">
+              <a:latin typeface="Calibri Light" panose="020F0302020204030204" pitchFamily="34" charset="0"/>
+              <a:ea typeface="Calibri Light" panose="020F0302020204030204" pitchFamily="34" charset="0"/>
+              <a:cs typeface="Calibri Light" panose="020F0302020204030204" pitchFamily="34" charset="0"/>
+            </a:endParaRPr>
           </a:p>
         </p:txBody>
       </p:sp>
     </p:spTree>
     <p:extLst>
       <p:ext uri="{BB962C8B-B14F-4D97-AF65-F5344CB8AC3E}">
-        <p14:creationId xmlns:p14="http://schemas.microsoft.com/office/powerpoint/2010/main" val="85230843"/>
+        <p14:creationId xmlns:p14="http://schemas.microsoft.com/office/powerpoint/2010/main" val="2701910104"/>
       </p:ext>
     </p:extLst>
   </p:cSld>
@@ -9666,6 +7827,15 @@
 </file>
 
 <file path=customXml/item2.xml><?xml version="1.0" encoding="utf-8"?>
+<?mso-contentType ?>
+<FormTemplates xmlns="http://schemas.microsoft.com/sharepoint/v3/contenttype/forms">
+  <Display>DocumentLibraryForm</Display>
+  <Edit>DocumentLibraryForm</Edit>
+  <New>DocumentLibraryForm</New>
+</FormTemplates>
+</file>
+
+<file path=customXml/item3.xml><?xml version="1.0" encoding="utf-8"?>
 <p:properties xmlns:p="http://schemas.microsoft.com/office/2006/metadata/properties" xmlns:xsi="http://www.w3.org/2001/XMLSchema-instance" xmlns:pc="http://schemas.microsoft.com/office/infopath/2007/PartnerControls">
   <documentManagement>
     <Status xmlns="71af3243-3dd4-4a8d-8c0d-dd76da1f02a5">Not started</Status>
@@ -9682,15 +7852,6 @@
     <MediaServiceKeyPoints xmlns="71af3243-3dd4-4a8d-8c0d-dd76da1f02a5" xsi:nil="true"/>
   </documentManagement>
 </p:properties>
-</file>
-
-<file path=customXml/item3.xml><?xml version="1.0" encoding="utf-8"?>
-<?mso-contentType ?>
-<FormTemplates xmlns="http://schemas.microsoft.com/sharepoint/v3/contenttype/forms">
-  <Display>DocumentLibraryForm</Display>
-  <Edit>DocumentLibraryForm</Edit>
-  <New>DocumentLibraryForm</New>
-</FormTemplates>
 </file>
 
 <file path=customXml/itemProps1.xml><?xml version="1.0" encoding="utf-8"?>
@@ -9715,6 +7876,14 @@
 </file>
 
 <file path=customXml/itemProps2.xml><?xml version="1.0" encoding="utf-8"?>
+<ds:datastoreItem xmlns:ds="http://schemas.openxmlformats.org/officeDocument/2006/customXml" ds:itemID="{0F9CE79C-5104-4273-B83B-D03AD839A8F7}">
+  <ds:schemaRefs>
+    <ds:schemaRef ds:uri="http://schemas.microsoft.com/sharepoint/v3/contenttype/forms"/>
+  </ds:schemaRefs>
+</ds:datastoreItem>
+</file>
+
+<file path=customXml/itemProps3.xml><?xml version="1.0" encoding="utf-8"?>
 <ds:datastoreItem xmlns:ds="http://schemas.openxmlformats.org/officeDocument/2006/customXml" ds:itemID="{4E18D074-6F3D-488C-8220-03C2DEFDE854}">
   <ds:schemaRefs>
     <ds:schemaRef ds:uri="http://schemas.microsoft.com/office/2006/metadata/properties"/>
@@ -9724,12 +7893,4 @@
     <ds:schemaRef ds:uri="230e9df3-be65-4c73-a93b-d1236ebd677e"/>
   </ds:schemaRefs>
 </ds:datastoreItem>
-</file>
-
-<file path=customXml/itemProps3.xml><?xml version="1.0" encoding="utf-8"?>
-<ds:datastoreItem xmlns:ds="http://schemas.openxmlformats.org/officeDocument/2006/customXml" ds:itemID="{0F9CE79C-5104-4273-B83B-D03AD839A8F7}">
-  <ds:schemaRefs>
-    <ds:schemaRef ds:uri="http://schemas.microsoft.com/sharepoint/v3/contenttype/forms"/>
-  </ds:schemaRefs>
-</ds:datastoreItem>
 </file>
--- a/Presentation.pptx
+++ b/Presentation.pptx
@@ -297,7 +297,7 @@
           <a:p>
             <a:fld id="{148EE06D-E2C5-4DF1-B3C1-8E9169AAB10D}" type="datetimeFigureOut">
               <a:rPr lang="en-US" smtClean="0"/>
-              <a:t>4/26/2024</a:t>
+              <a:t>4/27/2024</a:t>
             </a:fld>
             <a:endParaRPr lang="en-US" dirty="0"/>
           </a:p>
@@ -2110,7 +2110,7 @@
           <a:p>
             <a:fld id="{50A1B9BC-7BE7-4893-90FD-CC95830FD8F2}" type="datetimeFigureOut">
               <a:rPr lang="en-US" smtClean="0"/>
-              <a:t>4/26/2024</a:t>
+              <a:t>4/27/2024</a:t>
             </a:fld>
             <a:endParaRPr lang="en-US" dirty="0"/>
           </a:p>
@@ -4203,7 +4203,7 @@
             <a:fld id="{1D364696-E1F3-49EF-AEC8-730A16D9A23F}" type="datetimeFigureOut">
               <a:rPr lang="en-US" altLang="en-US" smtClean="0"/>
               <a:pPr/>
-              <a:t>4/26/2024</a:t>
+              <a:t>4/27/2024</a:t>
             </a:fld>
             <a:endParaRPr lang="en-US" altLang="en-US" dirty="0"/>
           </a:p>
@@ -4870,7 +4870,7 @@
                 <a:ea typeface="Calibri Light" panose="020F0302020204030204" pitchFamily="34" charset="0"/>
                 <a:cs typeface="Calibri Light" panose="020F0302020204030204" pitchFamily="34" charset="0"/>
               </a:rPr>
-              <a:t>Khulna University, Khulna.</a:t>
+              <a:t>Khulna University, Khulna</a:t>
             </a:r>
           </a:p>
         </p:txBody>
@@ -5226,7 +5226,7 @@
         </p:nvSpPr>
         <p:spPr>
           <a:xfrm>
-            <a:off x="3695700" y="2942166"/>
+            <a:off x="3602567" y="2165350"/>
             <a:ext cx="7219043" cy="973667"/>
           </a:xfrm>
         </p:spPr>
@@ -5252,6 +5252,100 @@
           </a:p>
         </p:txBody>
       </p:sp>
+      <p:pic>
+        <p:nvPicPr>
+          <p:cNvPr id="1026" name="Picture 2" descr="Pin by sweetnothingsMD on Thank You | Cute gif, Cute love ...">
+            <a:extLst>
+              <a:ext uri="{FF2B5EF4-FFF2-40B4-BE49-F238E27FC236}">
+                <a16:creationId xmlns:a16="http://schemas.microsoft.com/office/drawing/2014/main" id="{A48B478C-C256-4946-B6B4-C08A7535D294}"/>
+              </a:ext>
+            </a:extLst>
+          </p:cNvPr>
+          <p:cNvPicPr>
+            <a:picLocks noChangeAspect="1" noChangeArrowheads="1" noCrop="1"/>
+          </p:cNvPicPr>
+          <p:nvPr/>
+        </p:nvPicPr>
+        <p:blipFill>
+          <a:blip r:embed="rId2">
+            <a:extLst>
+              <a:ext uri="{28A0092B-C50C-407E-A947-70E740481C1C}">
+                <a14:useLocalDpi xmlns:a14="http://schemas.microsoft.com/office/drawing/2010/main" val="0"/>
+              </a:ext>
+            </a:extLst>
+          </a:blip>
+          <a:srcRect/>
+          <a:stretch>
+            <a:fillRect/>
+          </a:stretch>
+        </p:blipFill>
+        <p:spPr bwMode="auto">
+          <a:xfrm>
+            <a:off x="3602567" y="3139017"/>
+            <a:ext cx="3524250" cy="2857500"/>
+          </a:xfrm>
+          <a:prstGeom prst="rect">
+            <a:avLst/>
+          </a:prstGeom>
+          <a:noFill/>
+          <a:extLst>
+            <a:ext uri="{909E8E84-426E-40DD-AFC4-6F175D3DCCD1}">
+              <a14:hiddenFill xmlns:a14="http://schemas.microsoft.com/office/drawing/2010/main">
+                <a:solidFill>
+                  <a:srgbClr val="FFFFFF"/>
+                </a:solidFill>
+              </a14:hiddenFill>
+            </a:ext>
+          </a:extLst>
+        </p:spPr>
+      </p:pic>
+      <p:pic>
+        <p:nvPicPr>
+          <p:cNvPr id="1028" name="Picture 4" descr="Peach And Goma Goma Sticker - Peach And Goma Goma Flower Stickers">
+            <a:extLst>
+              <a:ext uri="{FF2B5EF4-FFF2-40B4-BE49-F238E27FC236}">
+                <a16:creationId xmlns:a16="http://schemas.microsoft.com/office/drawing/2014/main" id="{B0C80423-7716-4208-BE73-8E6E0CDFF01D}"/>
+              </a:ext>
+            </a:extLst>
+          </p:cNvPr>
+          <p:cNvPicPr>
+            <a:picLocks noChangeAspect="1" noChangeArrowheads="1" noCrop="1"/>
+          </p:cNvPicPr>
+          <p:nvPr/>
+        </p:nvPicPr>
+        <p:blipFill>
+          <a:blip r:embed="rId3">
+            <a:extLst>
+              <a:ext uri="{28A0092B-C50C-407E-A947-70E740481C1C}">
+                <a14:useLocalDpi xmlns:a14="http://schemas.microsoft.com/office/drawing/2010/main" val="0"/>
+              </a:ext>
+            </a:extLst>
+          </a:blip>
+          <a:srcRect/>
+          <a:stretch>
+            <a:fillRect/>
+          </a:stretch>
+        </p:blipFill>
+        <p:spPr bwMode="auto">
+          <a:xfrm>
+            <a:off x="7652657" y="3517130"/>
+            <a:ext cx="2643112" cy="2101274"/>
+          </a:xfrm>
+          <a:prstGeom prst="rect">
+            <a:avLst/>
+          </a:prstGeom>
+          <a:noFill/>
+          <a:extLst>
+            <a:ext uri="{909E8E84-426E-40DD-AFC4-6F175D3DCCD1}">
+              <a14:hiddenFill xmlns:a14="http://schemas.microsoft.com/office/drawing/2010/main">
+                <a:solidFill>
+                  <a:srgbClr val="FFFFFF"/>
+                </a:solidFill>
+              </a14:hiddenFill>
+            </a:ext>
+          </a:extLst>
+        </p:spPr>
+      </p:pic>
     </p:spTree>
     <p:extLst>
       <p:ext uri="{BB962C8B-B14F-4D97-AF65-F5344CB8AC3E}">
@@ -5331,8 +5425,8 @@
               <a:buChar char="•"/>
             </a:pPr>
             <a:r>
-              <a:rPr lang="en-US" dirty="0"/>
-              <a:t>Add, Delete or Update Person or Student Information</a:t>
+              <a:rPr lang="en-GB" dirty="0"/>
+              <a:t>Simple and User-friendly UI</a:t>
             </a:r>
           </a:p>
           <a:p>
@@ -5341,9 +5435,10 @@
               <a:buChar char="•"/>
             </a:pPr>
             <a:r>
-              <a:rPr lang="en-US" dirty="0"/>
-              <a:t>Sort alphabetically in ascending order</a:t>
-            </a:r>
+              <a:rPr lang="en-GB" dirty="0"/>
+              <a:t>Person or Student selection radio button</a:t>
+            </a:r>
+            <a:endParaRPr lang="en-US" dirty="0"/>
           </a:p>
           <a:p>
             <a:pPr marL="285750" indent="-285750">
@@ -5352,7 +5447,7 @@
             </a:pPr>
             <a:r>
               <a:rPr lang="en-US" dirty="0"/>
-              <a:t>Save to local memory</a:t>
+              <a:t>Add, Delete or Update Person or Student Information</a:t>
             </a:r>
           </a:p>
           <a:p>
@@ -5361,8 +5456,8 @@
               <a:buChar char="•"/>
             </a:pPr>
             <a:r>
-              <a:rPr lang="en-GB" dirty="0"/>
-              <a:t>Automatic load from local memory</a:t>
+              <a:rPr lang="en-US" dirty="0"/>
+              <a:t>Sort alphabetically in ascending order</a:t>
             </a:r>
           </a:p>
           <a:p>
@@ -5371,8 +5466,18 @@
               <a:buChar char="•"/>
             </a:pPr>
             <a:r>
+              <a:rPr lang="en-US" dirty="0"/>
+              <a:t>Save to local memory</a:t>
+            </a:r>
+          </a:p>
+          <a:p>
+            <a:pPr marL="285750" indent="-285750">
+              <a:buFont typeface="Arial" panose="020B0604020202020204" pitchFamily="34" charset="0"/>
+              <a:buChar char="•"/>
+            </a:pPr>
+            <a:r>
               <a:rPr lang="en-GB" dirty="0"/>
-              <a:t>Simple and User-friendly UI</a:t>
+              <a:t>Automatic load from local memory</a:t>
             </a:r>
           </a:p>
           <a:p>
@@ -5402,28 +5507,28 @@
         </p:nvSpPr>
         <p:spPr>
           <a:xfrm>
-            <a:off x="762000" y="808673"/>
-            <a:ext cx="5334000" cy="1189037"/>
+            <a:off x="762000" y="1075268"/>
+            <a:ext cx="5444067" cy="1464732"/>
           </a:xfrm>
         </p:spPr>
         <p:txBody>
           <a:bodyPr>
-            <a:normAutofit fontScale="90000"/>
+            <a:noAutofit/>
           </a:bodyPr>
           <a:lstStyle/>
           <a:p>
             <a:r>
-              <a:rPr lang="en-US" dirty="0"/>
+              <a:rPr lang="en-US" sz="2800" dirty="0"/>
               <a:t>Project: </a:t>
             </a:r>
             <a:br>
-              <a:rPr lang="en-US" dirty="0"/>
+              <a:rPr lang="en-US" sz="2800" dirty="0"/>
             </a:br>
             <a:r>
-              <a:rPr lang="en-US" dirty="0"/>
-              <a:t>Person-Student Management System</a:t>
-            </a:r>
-            <a:endParaRPr lang="en-GB" dirty="0"/>
+              <a:rPr lang="en-US" sz="2800" dirty="0"/>
+              <a:t>Person-Student Management System in Java </a:t>
+            </a:r>
+            <a:endParaRPr lang="en-GB" sz="2800" dirty="0"/>
           </a:p>
         </p:txBody>
       </p:sp>
@@ -5819,10 +5924,10 @@
       </p:sp>
       <p:pic>
         <p:nvPicPr>
-          <p:cNvPr id="8" name="Picture 7">
+          <p:cNvPr id="9" name="Picture 8">
             <a:extLst>
               <a:ext uri="{FF2B5EF4-FFF2-40B4-BE49-F238E27FC236}">
-                <a16:creationId xmlns:a16="http://schemas.microsoft.com/office/drawing/2014/main" id="{1A28170D-3D95-4358-BF1B-1390FAF19560}"/>
+                <a16:creationId xmlns:a16="http://schemas.microsoft.com/office/drawing/2014/main" id="{86C71529-A674-4E69-9E2A-17E13ED8D9DC}"/>
               </a:ext>
             </a:extLst>
           </p:cNvPr>
@@ -5839,8 +5944,8 @@
         </p:blipFill>
         <p:spPr>
           <a:xfrm>
-            <a:off x="5968999" y="2078635"/>
-            <a:ext cx="5832289" cy="3941165"/>
+            <a:off x="465783" y="2084312"/>
+            <a:ext cx="5147618" cy="3935488"/>
           </a:xfrm>
           <a:prstGeom prst="rect">
             <a:avLst/>
@@ -5849,10 +5954,10 @@
       </p:pic>
       <p:pic>
         <p:nvPicPr>
-          <p:cNvPr id="9" name="Picture 8">
+          <p:cNvPr id="6" name="Picture 5">
             <a:extLst>
               <a:ext uri="{FF2B5EF4-FFF2-40B4-BE49-F238E27FC236}">
-                <a16:creationId xmlns:a16="http://schemas.microsoft.com/office/drawing/2014/main" id="{86C71529-A674-4E69-9E2A-17E13ED8D9DC}"/>
+                <a16:creationId xmlns:a16="http://schemas.microsoft.com/office/drawing/2014/main" id="{C87DFA59-D406-4166-8F2C-662D33DBDCF5}"/>
               </a:ext>
             </a:extLst>
           </p:cNvPr>
@@ -5869,8 +5974,8 @@
         </p:blipFill>
         <p:spPr>
           <a:xfrm>
-            <a:off x="465783" y="2084312"/>
-            <a:ext cx="5147618" cy="3935488"/>
+            <a:off x="6044053" y="2084312"/>
+            <a:ext cx="5682164" cy="3939523"/>
           </a:xfrm>
           <a:prstGeom prst="rect">
             <a:avLst/>
@@ -6373,13 +6478,13 @@
   <p:clrMapOvr>
     <a:masterClrMapping/>
   </p:clrMapOvr>
-  <mc:AlternateContent xmlns:mc="http://schemas.openxmlformats.org/markup-compatibility/2006">
-    <mc:Choice xmlns:p14="http://schemas.microsoft.com/office/powerpoint/2010/main" Requires="p14">
+  <mc:AlternateContent xmlns:mc="http://schemas.openxmlformats.org/markup-compatibility/2006" xmlns:p14="http://schemas.microsoft.com/office/powerpoint/2010/main">
+    <mc:Choice Requires="p14">
       <p:transition spd="med" p14:dur="700">
         <p:fade/>
       </p:transition>
     </mc:Choice>
-    <mc:Fallback>
+    <mc:Fallback xmlns="">
       <p:transition spd="med">
         <p:fade/>
       </p:transition>

--- a/Presentation.pptx
+++ b/Presentation.pptx
@@ -4640,6 +4640,9 @@
           <a:p>
             <a:r>
               <a:rPr lang="en-US" dirty="0">
+                <a:solidFill>
+                  <a:schemeClr val="bg1"/>
+                </a:solidFill>
                 <a:latin typeface="Calibri Light" panose="020F0302020204030204" pitchFamily="34" charset="0"/>
                 <a:ea typeface="Calibri Light" panose="020F0302020204030204" pitchFamily="34" charset="0"/>
                 <a:cs typeface="Calibri Light" panose="020F0302020204030204" pitchFamily="34" charset="0"/>
@@ -4648,6 +4651,9 @@
             </a:r>
             <a:br>
               <a:rPr lang="en-US" dirty="0">
+                <a:solidFill>
+                  <a:schemeClr val="bg1"/>
+                </a:solidFill>
                 <a:latin typeface="Calibri Light" panose="020F0302020204030204" pitchFamily="34" charset="0"/>
                 <a:ea typeface="Calibri Light" panose="020F0302020204030204" pitchFamily="34" charset="0"/>
                 <a:cs typeface="Calibri Light" panose="020F0302020204030204" pitchFamily="34" charset="0"/>
@@ -4655,6 +4661,9 @@
             </a:br>
             <a:r>
               <a:rPr lang="en-US" dirty="0">
+                <a:solidFill>
+                  <a:schemeClr val="bg1"/>
+                </a:solidFill>
                 <a:latin typeface="Calibri Light" panose="020F0302020204030204" pitchFamily="34" charset="0"/>
                 <a:ea typeface="Calibri Light" panose="020F0302020204030204" pitchFamily="34" charset="0"/>
                 <a:cs typeface="Calibri Light" panose="020F0302020204030204" pitchFamily="34" charset="0"/>
@@ -4753,6 +4762,9 @@
             </a:pPr>
             <a:r>
               <a:rPr lang="en-GB" sz="2400" dirty="0">
+                <a:solidFill>
+                  <a:schemeClr val="bg1"/>
+                </a:solidFill>
                 <a:latin typeface="Calibri Light" panose="020F0302020204030204" pitchFamily="34" charset="0"/>
                 <a:ea typeface="Calibri Light" panose="020F0302020204030204" pitchFamily="34" charset="0"/>
                 <a:cs typeface="Calibri Light" panose="020F0302020204030204" pitchFamily="34" charset="0"/>
@@ -4761,6 +4773,9 @@
             </a:r>
             <a:br>
               <a:rPr lang="en-GB" sz="2400" dirty="0">
+                <a:solidFill>
+                  <a:schemeClr val="bg1"/>
+                </a:solidFill>
                 <a:latin typeface="Calibri Light" panose="020F0302020204030204" pitchFamily="34" charset="0"/>
                 <a:ea typeface="Calibri Light" panose="020F0302020204030204" pitchFamily="34" charset="0"/>
                 <a:cs typeface="Calibri Light" panose="020F0302020204030204" pitchFamily="34" charset="0"/>
@@ -4768,6 +4783,9 @@
             </a:br>
             <a:r>
               <a:rPr lang="en-GB" sz="2400" dirty="0">
+                <a:solidFill>
+                  <a:schemeClr val="bg1"/>
+                </a:solidFill>
                 <a:latin typeface="Calibri Light" panose="020F0302020204030204" pitchFamily="34" charset="0"/>
                 <a:ea typeface="Calibri Light" panose="020F0302020204030204" pitchFamily="34" charset="0"/>
                 <a:cs typeface="Calibri Light" panose="020F0302020204030204" pitchFamily="34" charset="0"/>
@@ -4776,6 +4794,9 @@
             </a:r>
             <a:br>
               <a:rPr lang="en-GB" sz="2400" dirty="0">
+                <a:solidFill>
+                  <a:schemeClr val="bg1"/>
+                </a:solidFill>
                 <a:latin typeface="Calibri Light" panose="020F0302020204030204" pitchFamily="34" charset="0"/>
                 <a:ea typeface="Calibri Light" panose="020F0302020204030204" pitchFamily="34" charset="0"/>
                 <a:cs typeface="Calibri Light" panose="020F0302020204030204" pitchFamily="34" charset="0"/>
@@ -4783,6 +4804,9 @@
             </a:br>
             <a:r>
               <a:rPr lang="en-GB" sz="2400" dirty="0">
+                <a:solidFill>
+                  <a:schemeClr val="bg1"/>
+                </a:solidFill>
                 <a:latin typeface="Calibri Light" panose="020F0302020204030204" pitchFamily="34" charset="0"/>
                 <a:ea typeface="Calibri Light" panose="020F0302020204030204" pitchFamily="34" charset="0"/>
                 <a:cs typeface="Calibri Light" panose="020F0302020204030204" pitchFamily="34" charset="0"/>
@@ -4801,6 +4825,9 @@
             </a:pPr>
             <a:r>
               <a:rPr lang="en-GB" sz="2000" dirty="0">
+                <a:solidFill>
+                  <a:schemeClr val="bg1"/>
+                </a:solidFill>
                 <a:latin typeface="Calibri Light" panose="020F0302020204030204" pitchFamily="34" charset="0"/>
                 <a:ea typeface="Calibri Light" panose="020F0302020204030204" pitchFamily="34" charset="0"/>
                 <a:cs typeface="Calibri Light" panose="020F0302020204030204" pitchFamily="34" charset="0"/>
@@ -4809,6 +4836,9 @@
             </a:r>
             <a:r>
               <a:rPr lang="en-GB" sz="2000" baseline="30000" dirty="0">
+                <a:solidFill>
+                  <a:schemeClr val="bg1"/>
+                </a:solidFill>
                 <a:latin typeface="Calibri Light" panose="020F0302020204030204" pitchFamily="34" charset="0"/>
                 <a:ea typeface="Calibri Light" panose="020F0302020204030204" pitchFamily="34" charset="0"/>
                 <a:cs typeface="Calibri Light" panose="020F0302020204030204" pitchFamily="34" charset="0"/>
@@ -4817,6 +4847,9 @@
             </a:r>
             <a:r>
               <a:rPr lang="en-GB" sz="2000" dirty="0">
+                <a:solidFill>
+                  <a:schemeClr val="bg1"/>
+                </a:solidFill>
                 <a:latin typeface="Calibri Light" panose="020F0302020204030204" pitchFamily="34" charset="0"/>
                 <a:ea typeface="Calibri Light" panose="020F0302020204030204" pitchFamily="34" charset="0"/>
                 <a:cs typeface="Calibri Light" panose="020F0302020204030204" pitchFamily="34" charset="0"/>
@@ -4825,6 +4858,9 @@
             </a:r>
             <a:r>
               <a:rPr lang="en-GB" sz="2000" baseline="30000" dirty="0">
+                <a:solidFill>
+                  <a:schemeClr val="bg1"/>
+                </a:solidFill>
                 <a:latin typeface="Calibri Light" panose="020F0302020204030204" pitchFamily="34" charset="0"/>
                 <a:ea typeface="Calibri Light" panose="020F0302020204030204" pitchFamily="34" charset="0"/>
                 <a:cs typeface="Calibri Light" panose="020F0302020204030204" pitchFamily="34" charset="0"/>
@@ -4833,6 +4869,9 @@
             </a:r>
             <a:r>
               <a:rPr lang="en-GB" sz="2000" dirty="0">
+                <a:solidFill>
+                  <a:schemeClr val="bg1"/>
+                </a:solidFill>
                 <a:latin typeface="Calibri Light" panose="020F0302020204030204" pitchFamily="34" charset="0"/>
                 <a:ea typeface="Calibri Light" panose="020F0302020204030204" pitchFamily="34" charset="0"/>
                 <a:cs typeface="Calibri Light" panose="020F0302020204030204" pitchFamily="34" charset="0"/>
@@ -4851,6 +4890,9 @@
             </a:pPr>
             <a:r>
               <a:rPr lang="en-GB" sz="2000" dirty="0">
+                <a:solidFill>
+                  <a:schemeClr val="bg1"/>
+                </a:solidFill>
                 <a:latin typeface="Calibri Light" panose="020F0302020204030204" pitchFamily="34" charset="0"/>
                 <a:ea typeface="Calibri Light" panose="020F0302020204030204" pitchFamily="34" charset="0"/>
                 <a:cs typeface="Calibri Light" panose="020F0302020204030204" pitchFamily="34" charset="0"/>
@@ -4859,6 +4901,9 @@
             </a:r>
             <a:br>
               <a:rPr lang="en-GB" sz="2000" dirty="0">
+                <a:solidFill>
+                  <a:schemeClr val="bg1"/>
+                </a:solidFill>
                 <a:latin typeface="Calibri Light" panose="020F0302020204030204" pitchFamily="34" charset="0"/>
                 <a:ea typeface="Calibri Light" panose="020F0302020204030204" pitchFamily="34" charset="0"/>
                 <a:cs typeface="Calibri Light" panose="020F0302020204030204" pitchFamily="34" charset="0"/>
@@ -4866,6 +4911,9 @@
             </a:br>
             <a:r>
               <a:rPr lang="en-GB" sz="2000" dirty="0">
+                <a:solidFill>
+                  <a:schemeClr val="bg1"/>
+                </a:solidFill>
                 <a:latin typeface="Calibri Light" panose="020F0302020204030204" pitchFamily="34" charset="0"/>
                 <a:ea typeface="Calibri Light" panose="020F0302020204030204" pitchFamily="34" charset="0"/>
                 <a:cs typeface="Calibri Light" panose="020F0302020204030204" pitchFamily="34" charset="0"/>
@@ -6130,7 +6178,7 @@
                 <a:ea typeface="Calibri Light" panose="020F0302020204030204" pitchFamily="34" charset="0"/>
                 <a:cs typeface="Calibri Light" panose="020F0302020204030204" pitchFamily="34" charset="0"/>
               </a:rPr>
-              <a:t>Drawing UML Class Diagram according to requirement</a:t>
+              <a:t>Identifying necessary classes and Drawing UML Class Diagram according to requirement</a:t>
             </a:r>
           </a:p>
           <a:p>
@@ -6144,7 +6192,7 @@
                 <a:ea typeface="Calibri Light" panose="020F0302020204030204" pitchFamily="34" charset="0"/>
                 <a:cs typeface="Calibri Light" panose="020F0302020204030204" pitchFamily="34" charset="0"/>
               </a:rPr>
-              <a:t>Writing Basic Classes (Address, Person, Student, Database, …) as running back-end side </a:t>
+              <a:t>Writing Basic Classes (Address, Person, Student, Database, …) as base of back-end side </a:t>
             </a:r>
           </a:p>
           <a:p>
@@ -6158,7 +6206,7 @@
                 <a:ea typeface="Calibri Light" panose="020F0302020204030204" pitchFamily="34" charset="0"/>
                 <a:cs typeface="Calibri Light" panose="020F0302020204030204" pitchFamily="34" charset="0"/>
               </a:rPr>
-              <a:t>Drag and Drop GUI Components to design User Interface (UI)</a:t>
+              <a:t>Drag and Drop GUI Components to design front-end User Interface (UI)</a:t>
             </a:r>
           </a:p>
           <a:p>
@@ -6172,7 +6220,7 @@
                 <a:ea typeface="Calibri Light" panose="020F0302020204030204" pitchFamily="34" charset="0"/>
                 <a:cs typeface="Calibri Light" panose="020F0302020204030204" pitchFamily="34" charset="0"/>
               </a:rPr>
-              <a:t>Defining instructions(code) for GUI components in respective code blocks</a:t>
+              <a:t>Defining instructions(code) for GUI components in respective method blocks</a:t>
             </a:r>
           </a:p>
           <a:p>
@@ -6214,7 +6262,7 @@
                 <a:ea typeface="Calibri Light" panose="020F0302020204030204" pitchFamily="34" charset="0"/>
                 <a:cs typeface="Calibri Light" panose="020F0302020204030204" pitchFamily="34" charset="0"/>
               </a:rPr>
-              <a:t>Testing and Bug Fixing </a:t>
+              <a:t>Continuous Testing and Bug Fixing </a:t>
             </a:r>
           </a:p>
           <a:p>
@@ -6316,8 +6364,21 @@
                   <a:schemeClr val="tx1"/>
                 </a:solidFill>
               </a:rPr>
-              <a:t>UML Class Diagram</a:t>
-            </a:r>
+              <a:t>UML Class Diagram </a:t>
+            </a:r>
+            <a:r>
+              <a:rPr lang="en-US" sz="1600" b="1" dirty="0">
+                <a:solidFill>
+                  <a:schemeClr val="tx1"/>
+                </a:solidFill>
+              </a:rPr>
+              <a:t>(Class name and relations only)</a:t>
+            </a:r>
+            <a:endParaRPr lang="en-US" sz="4000" b="1" dirty="0">
+              <a:solidFill>
+                <a:schemeClr val="tx1"/>
+              </a:solidFill>
+            </a:endParaRPr>
           </a:p>
         </p:txBody>
       </p:sp>
@@ -6434,7 +6495,7 @@
                   <a:schemeClr val="tx1"/>
                 </a:solidFill>
               </a:rPr>
-              <a:t>UML Class Diagram (methods only)</a:t>
+              <a:t>UML Class Diagram</a:t>
             </a:r>
           </a:p>
         </p:txBody>
@@ -6460,8 +6521,38 @@
         </p:blipFill>
         <p:spPr>
           <a:xfrm>
-            <a:off x="3383486" y="898830"/>
+            <a:off x="6095999" y="822630"/>
             <a:ext cx="5425026" cy="5860236"/>
+          </a:xfrm>
+          <a:prstGeom prst="rect">
+            <a:avLst/>
+          </a:prstGeom>
+        </p:spPr>
+      </p:pic>
+      <p:pic>
+        <p:nvPicPr>
+          <p:cNvPr id="3" name="Picture 2">
+            <a:extLst>
+              <a:ext uri="{FF2B5EF4-FFF2-40B4-BE49-F238E27FC236}">
+                <a16:creationId xmlns:a16="http://schemas.microsoft.com/office/drawing/2014/main" id="{120A0923-6726-42A0-8688-45E60FBD35D3}"/>
+              </a:ext>
+            </a:extLst>
+          </p:cNvPr>
+          <p:cNvPicPr>
+            <a:picLocks noChangeAspect="1"/>
+          </p:cNvPicPr>
+          <p:nvPr/>
+        </p:nvPicPr>
+        <p:blipFill>
+          <a:blip r:embed="rId4"/>
+          <a:stretch>
+            <a:fillRect/>
+          </a:stretch>
+        </p:blipFill>
+        <p:spPr>
+          <a:xfrm>
+            <a:off x="250711" y="1145015"/>
+            <a:ext cx="5738674" cy="5215466"/>
           </a:xfrm>
           <a:prstGeom prst="rect">
             <a:avLst/>
@@ -6526,7 +6617,12 @@
             <p:ph type="title"/>
           </p:nvPr>
         </p:nvSpPr>
-        <p:spPr/>
+        <p:spPr>
+          <a:xfrm>
+            <a:off x="3890433" y="715961"/>
+            <a:ext cx="7219043" cy="1189037"/>
+          </a:xfrm>
+        </p:spPr>
         <p:txBody>
           <a:bodyPr/>
           <a:lstStyle/>
@@ -6561,7 +6657,7 @@
         </p:nvSpPr>
         <p:spPr>
           <a:xfrm>
-            <a:off x="4457700" y="1904999"/>
+            <a:off x="3890434" y="1904999"/>
             <a:ext cx="7219043" cy="4588933"/>
           </a:xfrm>
         </p:spPr>
@@ -7932,15 +8028,6 @@
 </file>
 
 <file path=customXml/item2.xml><?xml version="1.0" encoding="utf-8"?>
-<?mso-contentType ?>
-<FormTemplates xmlns="http://schemas.microsoft.com/sharepoint/v3/contenttype/forms">
-  <Display>DocumentLibraryForm</Display>
-  <Edit>DocumentLibraryForm</Edit>
-  <New>DocumentLibraryForm</New>
-</FormTemplates>
-</file>
-
-<file path=customXml/item3.xml><?xml version="1.0" encoding="utf-8"?>
 <p:properties xmlns:p="http://schemas.microsoft.com/office/2006/metadata/properties" xmlns:xsi="http://www.w3.org/2001/XMLSchema-instance" xmlns:pc="http://schemas.microsoft.com/office/infopath/2007/PartnerControls">
   <documentManagement>
     <Status xmlns="71af3243-3dd4-4a8d-8c0d-dd76da1f02a5">Not started</Status>
@@ -7957,6 +8044,15 @@
     <MediaServiceKeyPoints xmlns="71af3243-3dd4-4a8d-8c0d-dd76da1f02a5" xsi:nil="true"/>
   </documentManagement>
 </p:properties>
+</file>
+
+<file path=customXml/item3.xml><?xml version="1.0" encoding="utf-8"?>
+<?mso-contentType ?>
+<FormTemplates xmlns="http://schemas.microsoft.com/sharepoint/v3/contenttype/forms">
+  <Display>DocumentLibraryForm</Display>
+  <Edit>DocumentLibraryForm</Edit>
+  <New>DocumentLibraryForm</New>
+</FormTemplates>
 </file>
 
 <file path=customXml/itemProps1.xml><?xml version="1.0" encoding="utf-8"?>
@@ -7981,14 +8077,6 @@
 </file>
 
 <file path=customXml/itemProps2.xml><?xml version="1.0" encoding="utf-8"?>
-<ds:datastoreItem xmlns:ds="http://schemas.openxmlformats.org/officeDocument/2006/customXml" ds:itemID="{0F9CE79C-5104-4273-B83B-D03AD839A8F7}">
-  <ds:schemaRefs>
-    <ds:schemaRef ds:uri="http://schemas.microsoft.com/sharepoint/v3/contenttype/forms"/>
-  </ds:schemaRefs>
-</ds:datastoreItem>
-</file>
-
-<file path=customXml/itemProps3.xml><?xml version="1.0" encoding="utf-8"?>
 <ds:datastoreItem xmlns:ds="http://schemas.openxmlformats.org/officeDocument/2006/customXml" ds:itemID="{4E18D074-6F3D-488C-8220-03C2DEFDE854}">
   <ds:schemaRefs>
     <ds:schemaRef ds:uri="http://schemas.microsoft.com/office/2006/metadata/properties"/>
@@ -7998,4 +8086,12 @@
     <ds:schemaRef ds:uri="230e9df3-be65-4c73-a93b-d1236ebd677e"/>
   </ds:schemaRefs>
 </ds:datastoreItem>
+</file>
+
+<file path=customXml/itemProps3.xml><?xml version="1.0" encoding="utf-8"?>
+<ds:datastoreItem xmlns:ds="http://schemas.openxmlformats.org/officeDocument/2006/customXml" ds:itemID="{0F9CE79C-5104-4273-B83B-D03AD839A8F7}">
+  <ds:schemaRefs>
+    <ds:schemaRef ds:uri="http://schemas.microsoft.com/sharepoint/v3/contenttype/forms"/>
+  </ds:schemaRefs>
+</ds:datastoreItem>
 </file>